--- a/presentation p52.pptx
+++ b/presentation p52.pptx
@@ -747,8 +747,8 @@
         </p:nvSpPr>
         <p:spPr>
           <a:xfrm>
-            <a:off x="381000" y="685800"/>
-            <a:ext cx="6096000" cy="3429000"/>
+            <a:off x="381300" y="685800"/>
+            <a:ext cx="6096075" cy="3429000"/>
           </a:xfrm>
           <a:custGeom>
             <a:avLst/>
@@ -15029,7 +15029,7 @@
         <p:spPr>
           <a:xfrm>
             <a:off x="824000" y="279000"/>
-            <a:ext cx="7400700" cy="845712"/>
+            <a:ext cx="7400700" cy="1019100"/>
           </a:xfrm>
           <a:prstGeom prst="rect">
             <a:avLst/>
@@ -15051,10 +15051,10 @@
               <a:buNone/>
             </a:pPr>
             <a:r>
-              <a:rPr lang="fr" dirty="0"/>
-              <a:t>			PROJET 5							</a:t>
+              <a:rPr lang="fr"/>
+              <a:t>PROJET 5							ORINOCO</a:t>
             </a:r>
-            <a:endParaRPr dirty="0"/>
+            <a:endParaRPr/>
           </a:p>
         </p:txBody>
       </p:sp>
@@ -15093,9 +15093,137 @@
               <a:buNone/>
             </a:pPr>
             <a:r>
-              <a:rPr lang="fr" sz="2800" dirty="0"/>
-              <a:t>Réalisation d’un site E-Commerce.</a:t>
+              <a:rPr lang="fr"/>
+              <a:t>			</a:t>
             </a:r>
+            <a:endParaRPr sz="2400"/>
+          </a:p>
+          <a:p>
+            <a:pPr marL="457200" lvl="0" indent="-381000" algn="l" rtl="0">
+              <a:spcBef>
+                <a:spcPts val="0"/>
+              </a:spcBef>
+              <a:spcAft>
+                <a:spcPts val="0"/>
+              </a:spcAft>
+              <a:buSzPts val="2400"/>
+              <a:buChar char="●"/>
+            </a:pPr>
+            <a:r>
+              <a:rPr lang="fr" sz="2400"/>
+              <a:t>Réalisation d’un site E-Commerce</a:t>
+            </a:r>
+            <a:endParaRPr sz="2400"/>
+          </a:p>
+          <a:p>
+            <a:pPr marL="457200" lvl="0" indent="-381000" algn="l" rtl="0">
+              <a:spcBef>
+                <a:spcPts val="0"/>
+              </a:spcBef>
+              <a:spcAft>
+                <a:spcPts val="0"/>
+              </a:spcAft>
+              <a:buSzPts val="2400"/>
+              <a:buChar char="●"/>
+            </a:pPr>
+            <a:r>
+              <a:rPr lang="fr" sz="2400"/>
+              <a:t>A partir d’une API</a:t>
+            </a:r>
+            <a:endParaRPr sz="2400"/>
+          </a:p>
+          <a:p>
+            <a:pPr marL="457200" lvl="0" indent="-381000" algn="l" rtl="0">
+              <a:spcBef>
+                <a:spcPts val="0"/>
+              </a:spcBef>
+              <a:spcAft>
+                <a:spcPts val="0"/>
+              </a:spcAft>
+              <a:buSzPts val="2400"/>
+              <a:buChar char="●"/>
+            </a:pPr>
+            <a:r>
+              <a:rPr lang="fr" sz="2400"/>
+              <a:t>4 pages</a:t>
+            </a:r>
+            <a:endParaRPr sz="2400"/>
+          </a:p>
+          <a:p>
+            <a:pPr marL="457200" lvl="0" indent="0" algn="l" rtl="0">
+              <a:spcBef>
+                <a:spcPts val="0"/>
+              </a:spcBef>
+              <a:spcAft>
+                <a:spcPts val="0"/>
+              </a:spcAft>
+              <a:buNone/>
+            </a:pPr>
+            <a:r>
+              <a:rPr lang="fr" sz="2400"/>
+              <a:t>	*  Page d’accueil</a:t>
+            </a:r>
+            <a:endParaRPr sz="2400"/>
+          </a:p>
+          <a:p>
+            <a:pPr marL="457200" lvl="0" indent="0" algn="l" rtl="0">
+              <a:spcBef>
+                <a:spcPts val="0"/>
+              </a:spcBef>
+              <a:spcAft>
+                <a:spcPts val="0"/>
+              </a:spcAft>
+              <a:buNone/>
+            </a:pPr>
+            <a:r>
+              <a:rPr lang="fr" sz="2400"/>
+              <a:t>	*  Page produit</a:t>
+            </a:r>
+            <a:endParaRPr sz="2400"/>
+          </a:p>
+          <a:p>
+            <a:pPr marL="457200" lvl="0" indent="0" algn="l" rtl="0">
+              <a:spcBef>
+                <a:spcPts val="0"/>
+              </a:spcBef>
+              <a:spcAft>
+                <a:spcPts val="0"/>
+              </a:spcAft>
+              <a:buNone/>
+            </a:pPr>
+            <a:r>
+              <a:rPr lang="fr" sz="2400"/>
+              <a:t>	*  Page panier</a:t>
+            </a:r>
+            <a:endParaRPr sz="2400"/>
+          </a:p>
+          <a:p>
+            <a:pPr marL="457200" lvl="0" indent="0" algn="l" rtl="0">
+              <a:spcBef>
+                <a:spcPts val="0"/>
+              </a:spcBef>
+              <a:spcAft>
+                <a:spcPts val="0"/>
+              </a:spcAft>
+              <a:buNone/>
+            </a:pPr>
+            <a:r>
+              <a:rPr lang="fr" sz="2400"/>
+              <a:t>	*  Page de remerciement</a:t>
+            </a:r>
+            <a:endParaRPr sz="2400"/>
+          </a:p>
+          <a:p>
+            <a:pPr marL="457200" lvl="0" indent="0" algn="l" rtl="0">
+              <a:spcBef>
+                <a:spcPts val="0"/>
+              </a:spcBef>
+              <a:spcAft>
+                <a:spcPts val="0"/>
+              </a:spcAft>
+              <a:buNone/>
+            </a:pPr>
+            <a:endParaRPr sz="2400"/>
           </a:p>
           <a:p>
             <a:pPr marL="0" lvl="0" indent="0" algn="l" rtl="0">
@@ -15107,126 +15235,7 @@
               </a:spcAft>
               <a:buNone/>
             </a:pPr>
-            <a:endParaRPr sz="2400" dirty="0"/>
-          </a:p>
-          <a:p>
-            <a:pPr marL="76200" lvl="0" indent="0" algn="l" rtl="0">
-              <a:spcBef>
-                <a:spcPts val="0"/>
-              </a:spcBef>
-              <a:spcAft>
-                <a:spcPts val="0"/>
-              </a:spcAft>
-              <a:buSzPts val="2400"/>
-            </a:pPr>
-            <a:r>
-              <a:rPr lang="fr" sz="2400" dirty="0"/>
-              <a:t>          *   API en Localhost.</a:t>
-            </a:r>
-          </a:p>
-          <a:p>
-            <a:pPr marL="76200" lvl="0" indent="0" algn="l" rtl="0">
-              <a:spcBef>
-                <a:spcPts val="0"/>
-              </a:spcBef>
-              <a:spcAft>
-                <a:spcPts val="0"/>
-              </a:spcAft>
-              <a:buSzPts val="2400"/>
-            </a:pPr>
-            <a:r>
-              <a:rPr lang="fr" sz="2400" dirty="0"/>
-              <a:t>	*  4 pages.</a:t>
-            </a:r>
-            <a:endParaRPr sz="2400" dirty="0"/>
-          </a:p>
-          <a:p>
-            <a:pPr marL="457200" lvl="0" indent="0" algn="l" rtl="0">
-              <a:spcBef>
-                <a:spcPts val="0"/>
-              </a:spcBef>
-              <a:spcAft>
-                <a:spcPts val="0"/>
-              </a:spcAft>
-              <a:buNone/>
-            </a:pPr>
-            <a:r>
-              <a:rPr lang="fr" sz="2400" dirty="0"/>
-              <a:t>		- Page d’accueil.</a:t>
-            </a:r>
-            <a:endParaRPr sz="2400" dirty="0"/>
-          </a:p>
-          <a:p>
-            <a:pPr marL="457200" lvl="0" indent="0" algn="l" rtl="0">
-              <a:spcBef>
-                <a:spcPts val="0"/>
-              </a:spcBef>
-              <a:spcAft>
-                <a:spcPts val="0"/>
-              </a:spcAft>
-              <a:buNone/>
-            </a:pPr>
-            <a:r>
-              <a:rPr lang="fr" sz="2400" dirty="0"/>
-              <a:t>		- Page produit.</a:t>
-            </a:r>
-            <a:endParaRPr sz="2400" dirty="0"/>
-          </a:p>
-          <a:p>
-            <a:pPr marL="457200" lvl="0" indent="0" algn="l" rtl="0">
-              <a:spcBef>
-                <a:spcPts val="0"/>
-              </a:spcBef>
-              <a:spcAft>
-                <a:spcPts val="0"/>
-              </a:spcAft>
-              <a:buNone/>
-            </a:pPr>
-            <a:r>
-              <a:rPr lang="fr" sz="2400" dirty="0"/>
-              <a:t>		-  Page panier.</a:t>
-            </a:r>
-            <a:endParaRPr sz="2400" dirty="0"/>
-          </a:p>
-          <a:p>
-            <a:pPr marL="457200" lvl="0" indent="0" algn="l" rtl="0">
-              <a:spcBef>
-                <a:spcPts val="0"/>
-              </a:spcBef>
-              <a:spcAft>
-                <a:spcPts val="0"/>
-              </a:spcAft>
-              <a:buNone/>
-            </a:pPr>
-            <a:r>
-              <a:rPr lang="fr" sz="2400" dirty="0"/>
-              <a:t>		- Page de remerciement.</a:t>
-            </a:r>
-            <a:endParaRPr sz="2400" dirty="0"/>
-          </a:p>
-          <a:p>
-            <a:pPr marL="457200" lvl="0" indent="0" algn="l" rtl="0">
-              <a:spcBef>
-                <a:spcPts val="0"/>
-              </a:spcBef>
-              <a:spcAft>
-                <a:spcPts val="0"/>
-              </a:spcAft>
-              <a:buNone/>
-            </a:pPr>
-            <a:endParaRPr sz="2400" dirty="0"/>
-          </a:p>
-          <a:p>
-            <a:pPr marL="0" lvl="0" indent="0" algn="l" rtl="0">
-              <a:spcBef>
-                <a:spcPts val="0"/>
-              </a:spcBef>
-              <a:spcAft>
-                <a:spcPts val="0"/>
-              </a:spcAft>
-              <a:buNone/>
-            </a:pPr>
-            <a:endParaRPr sz="2400" dirty="0"/>
+            <a:endParaRPr sz="2400"/>
           </a:p>
         </p:txBody>
       </p:sp>
@@ -15267,8 +15276,8 @@
         </p:nvSpPr>
         <p:spPr>
           <a:xfrm>
-            <a:off x="824000" y="173737"/>
-            <a:ext cx="7137600" cy="877824"/>
+            <a:off x="824000" y="567925"/>
+            <a:ext cx="7137600" cy="867900"/>
           </a:xfrm>
           <a:prstGeom prst="rect">
             <a:avLst/>
@@ -15290,14 +15299,14 @@
               <a:buNone/>
             </a:pPr>
             <a:r>
-              <a:rPr lang="fr" dirty="0"/>
+              <a:rPr lang="fr"/>
               <a:t>  </a:t>
             </a:r>
             <a:r>
-              <a:rPr lang="fr" sz="3100" dirty="0"/>
+              <a:rPr lang="fr" sz="3100"/>
               <a:t>ÉLÉMENTS CONSTITUTIFS DU SITE</a:t>
             </a:r>
-            <a:endParaRPr sz="3100" dirty="0"/>
+            <a:endParaRPr sz="3100"/>
           </a:p>
         </p:txBody>
       </p:sp>
@@ -15313,8 +15322,8 @@
         </p:nvSpPr>
         <p:spPr>
           <a:xfrm>
-            <a:off x="824000" y="1051561"/>
-            <a:ext cx="6794700" cy="3984739"/>
+            <a:off x="824000" y="1575200"/>
+            <a:ext cx="6794700" cy="3461100"/>
           </a:xfrm>
           <a:prstGeom prst="rect">
             <a:avLst/>
@@ -15340,12 +15349,8 @@
               <a:t> </a:t>
             </a:r>
             <a:r>
-              <a:rPr lang="fr" sz="2400" dirty="0"/>
-              <a:t>Fichiers :</a:t>
-            </a:r>
-            <a:r>
               <a:rPr lang="fr" sz="2000" dirty="0"/>
-              <a:t>  </a:t>
+              <a:t>Fichiers :  </a:t>
             </a:r>
             <a:endParaRPr sz="2000" dirty="0"/>
           </a:p>
@@ -15395,17 +15400,6 @@
               <a:rPr lang="fr" sz="2000" dirty="0"/>
               <a:t>JS</a:t>
             </a:r>
-          </a:p>
-          <a:p>
-            <a:pPr marL="457200" lvl="0" indent="0" algn="l" rtl="0">
-              <a:spcBef>
-                <a:spcPts val="0"/>
-              </a:spcBef>
-              <a:spcAft>
-                <a:spcPts val="0"/>
-              </a:spcAft>
-              <a:buNone/>
-            </a:pPr>
             <a:endParaRPr sz="2000" dirty="0"/>
           </a:p>
           <a:p>
@@ -15420,15 +15414,7 @@
             </a:pPr>
             <a:r>
               <a:rPr lang="fr" sz="2000" dirty="0"/>
-              <a:t> </a:t>
-            </a:r>
-            <a:r>
-              <a:rPr lang="fr" sz="2800" dirty="0"/>
-              <a:t>Fonctionnalités Javascript </a:t>
-            </a:r>
-            <a:r>
-              <a:rPr lang="fr" sz="2000" dirty="0"/>
-              <a:t>:</a:t>
+              <a:t> Fonctionnalités Javascript :</a:t>
             </a:r>
             <a:endParaRPr sz="2000" dirty="0"/>
           </a:p>
@@ -15512,7 +15498,7 @@
             </a:r>
             <a:r>
               <a:rPr lang="fr" sz="2100" dirty="0"/>
-              <a:t> JSON.parse / </a:t>
+              <a:t>JSON.parse / </a:t>
             </a:r>
             <a:r>
               <a:rPr lang="fr" sz="2000" dirty="0"/>
@@ -15884,10 +15870,6 @@
             </a:pPr>
             <a:r>
               <a:rPr lang="fr" sz="2400" dirty="0"/>
-              <a:t> </a:t>
-            </a:r>
-            <a:r>
-              <a:rPr lang="fr" sz="2400" b="1" dirty="0"/>
               <a:t>Améliorations à apporter :</a:t>
             </a:r>
           </a:p>
@@ -15901,25 +15883,13 @@
               </a:spcAft>
               <a:buNone/>
             </a:pPr>
-            <a:endParaRPr lang="fr" sz="2400" b="1" dirty="0"/>
-          </a:p>
-          <a:p>
-            <a:pPr marL="0" lvl="0" indent="0" algn="l" rtl="0">
-              <a:spcBef>
-                <a:spcPts val="0"/>
-              </a:spcBef>
-              <a:spcAft>
-                <a:spcPts val="0"/>
-              </a:spcAft>
-              <a:buNone/>
-            </a:pPr>
             <a:r>
-              <a:rPr lang="fr" sz="2400" b="1" dirty="0"/>
-              <a:t>     * </a:t>
+              <a:rPr lang="fr" sz="2400" dirty="0"/>
+              <a:t>	* </a:t>
             </a:r>
             <a:r>
-              <a:rPr lang="fr" sz="2400" dirty="0"/>
-              <a:t>Rubrique : Avis satisfaction client sur le site.</a:t>
+              <a:rPr lang="fr" sz="1200" dirty="0"/>
+              <a:t>Formulaire : proposition d’envois de courriers informatifs ( promotions et offres)</a:t>
             </a:r>
           </a:p>
           <a:p>
@@ -15932,56 +15902,6 @@
               </a:spcAft>
               <a:buNone/>
             </a:pPr>
-            <a:r>
-              <a:rPr lang="fr" sz="2400" b="1" dirty="0"/>
-              <a:t>     * </a:t>
-            </a:r>
-            <a:r>
-              <a:rPr lang="fr" sz="2400" dirty="0"/>
-              <a:t>Ajout liens vers partenaires.</a:t>
-            </a:r>
-          </a:p>
-          <a:p>
-            <a:pPr marL="0" lvl="0" indent="0" algn="l" rtl="0">
-              <a:spcBef>
-                <a:spcPts val="0"/>
-              </a:spcBef>
-              <a:spcAft>
-                <a:spcPts val="0"/>
-              </a:spcAft>
-              <a:buNone/>
-            </a:pPr>
-            <a:r>
-              <a:rPr lang="fr" sz="2400" b="1" dirty="0"/>
-              <a:t>     * </a:t>
-            </a:r>
-          </a:p>
-          <a:p>
-            <a:pPr marL="0" lvl="0" indent="0" algn="l" rtl="0">
-              <a:spcBef>
-                <a:spcPts val="0"/>
-              </a:spcBef>
-              <a:spcAft>
-                <a:spcPts val="0"/>
-              </a:spcAft>
-              <a:buNone/>
-            </a:pPr>
-            <a:endParaRPr lang="fr" sz="2400" b="1" dirty="0"/>
-          </a:p>
-          <a:p>
-            <a:pPr marL="0" lvl="0" indent="0" algn="l" rtl="0">
-              <a:spcBef>
-                <a:spcPts val="0"/>
-              </a:spcBef>
-              <a:spcAft>
-                <a:spcPts val="0"/>
-              </a:spcAft>
-              <a:buNone/>
-            </a:pPr>
-            <a:r>
-              <a:rPr lang="fr-FR" sz="2400" dirty="0"/>
-              <a:t>	</a:t>
-            </a:r>
             <a:endParaRPr sz="2400" dirty="0"/>
           </a:p>
           <a:p>

--- a/presentation p52.pptx
+++ b/presentation p52.pptx
@@ -3,30 +3,32 @@
 <p:presentation xmlns:a="http://schemas.openxmlformats.org/drawingml/2006/main" xmlns:r="http://schemas.openxmlformats.org/officeDocument/2006/relationships" xmlns:p="http://schemas.openxmlformats.org/presentationml/2006/main" strictFirstAndLastChars="0" embedTrueTypeFonts="1" saveSubsetFonts="1" autoCompressPictures="0">
   <p:sldMasterIdLst>
     <p:sldMasterId id="2147483659" r:id="rId1"/>
+    <p:sldMasterId id="2147483660" r:id="rId2"/>
   </p:sldMasterIdLst>
   <p:notesMasterIdLst>
-    <p:notesMasterId r:id="rId6"/>
+    <p:notesMasterId r:id="rId8"/>
   </p:notesMasterIdLst>
   <p:sldIdLst>
-    <p:sldId id="256" r:id="rId2"/>
-    <p:sldId id="257" r:id="rId3"/>
-    <p:sldId id="258" r:id="rId4"/>
-    <p:sldId id="259" r:id="rId5"/>
+    <p:sldId id="260" r:id="rId3"/>
+    <p:sldId id="256" r:id="rId4"/>
+    <p:sldId id="257" r:id="rId5"/>
+    <p:sldId id="258" r:id="rId6"/>
+    <p:sldId id="259" r:id="rId7"/>
   </p:sldIdLst>
   <p:sldSz cx="9144000" cy="5143500" type="screen16x9"/>
   <p:notesSz cx="6858000" cy="9144000"/>
   <p:embeddedFontLst>
     <p:embeddedFont>
       <p:font typeface="Maven Pro" panose="020B0604020202020204" charset="0"/>
-      <p:regular r:id="rId7"/>
-      <p:bold r:id="rId8"/>
+      <p:regular r:id="rId9"/>
+      <p:bold r:id="rId10"/>
     </p:embeddedFont>
     <p:embeddedFont>
       <p:font typeface="Nunito" panose="020B0604020202020204" charset="0"/>
-      <p:regular r:id="rId9"/>
-      <p:bold r:id="rId10"/>
-      <p:italic r:id="rId11"/>
-      <p:boldItalic r:id="rId12"/>
+      <p:regular r:id="rId11"/>
+      <p:bold r:id="rId12"/>
+      <p:italic r:id="rId13"/>
+      <p:boldItalic r:id="rId14"/>
     </p:embeddedFont>
   </p:embeddedFontLst>
   <p:defaultTextStyle>
@@ -723,6 +725,110 @@
   <p:cSld>
     <p:spTree>
       <p:nvGrpSpPr>
+        <p:cNvPr id="1" name="Shape 81"/>
+        <p:cNvGrpSpPr/>
+        <p:nvPr/>
+      </p:nvGrpSpPr>
+      <p:grpSpPr>
+        <a:xfrm>
+          <a:off x="0" y="0"/>
+          <a:ext cx="0" cy="0"/>
+          <a:chOff x="0" y="0"/>
+          <a:chExt cx="0" cy="0"/>
+        </a:xfrm>
+      </p:grpSpPr>
+      <p:sp>
+        <p:nvSpPr>
+          <p:cNvPr id="82" name="Google Shape;82;g9ee71c7731_0_232:notes"/>
+          <p:cNvSpPr>
+            <a:spLocks noGrp="1" noRot="1" noChangeAspect="1"/>
+          </p:cNvSpPr>
+          <p:nvPr>
+            <p:ph type="sldImg" idx="2"/>
+          </p:nvPr>
+        </p:nvSpPr>
+        <p:spPr>
+          <a:xfrm>
+            <a:off x="381300" y="685800"/>
+            <a:ext cx="6096000" cy="3429000"/>
+          </a:xfrm>
+          <a:custGeom>
+            <a:avLst/>
+            <a:gdLst/>
+            <a:ahLst/>
+            <a:cxnLst/>
+            <a:rect l="l" t="t" r="r" b="b"/>
+            <a:pathLst>
+              <a:path w="120000" h="120000" extrusionOk="0">
+                <a:moveTo>
+                  <a:pt x="0" y="0"/>
+                </a:moveTo>
+                <a:lnTo>
+                  <a:pt x="120000" y="0"/>
+                </a:lnTo>
+                <a:lnTo>
+                  <a:pt x="120000" y="120000"/>
+                </a:lnTo>
+                <a:lnTo>
+                  <a:pt x="0" y="120000"/>
+                </a:lnTo>
+                <a:close/>
+              </a:path>
+            </a:pathLst>
+          </a:custGeom>
+        </p:spPr>
+      </p:sp>
+      <p:sp>
+        <p:nvSpPr>
+          <p:cNvPr id="83" name="Google Shape;83;g9ee71c7731_0_232:notes"/>
+          <p:cNvSpPr txBox="1">
+            <a:spLocks noGrp="1"/>
+          </p:cNvSpPr>
+          <p:nvPr>
+            <p:ph type="body" idx="1"/>
+          </p:nvPr>
+        </p:nvSpPr>
+        <p:spPr>
+          <a:xfrm>
+            <a:off x="685800" y="4343400"/>
+            <a:ext cx="5486400" cy="4114800"/>
+          </a:xfrm>
+          <a:prstGeom prst="rect">
+            <a:avLst/>
+          </a:prstGeom>
+        </p:spPr>
+        <p:txBody>
+          <a:bodyPr spcFirstLastPara="1" wrap="square" lIns="91425" tIns="91425" rIns="91425" bIns="91425" anchor="t" anchorCtr="0">
+            <a:noAutofit/>
+          </a:bodyPr>
+          <a:lstStyle/>
+          <a:p>
+            <a:pPr marL="0" lvl="0" indent="0" algn="l" rtl="0">
+              <a:spcBef>
+                <a:spcPts val="0"/>
+              </a:spcBef>
+              <a:spcAft>
+                <a:spcPts val="0"/>
+              </a:spcAft>
+              <a:buNone/>
+            </a:pPr>
+            <a:endParaRPr/>
+          </a:p>
+        </p:txBody>
+      </p:sp>
+    </p:spTree>
+  </p:cSld>
+  <p:clrMapOvr>
+    <a:masterClrMapping/>
+  </p:clrMapOvr>
+</p:notes>
+</file>
+
+<file path=ppt/notesSlides/notesSlide2.xml><?xml version="1.0" encoding="utf-8"?>
+<p:notes xmlns:a="http://schemas.openxmlformats.org/drawingml/2006/main" xmlns:r="http://schemas.openxmlformats.org/officeDocument/2006/relationships" xmlns:p="http://schemas.openxmlformats.org/presentationml/2006/main" showMasterSp="0" showMasterPhAnim="0">
+  <p:cSld>
+    <p:spTree>
+      <p:nvGrpSpPr>
         <p:cNvPr id="1" name="Shape 273"/>
         <p:cNvGrpSpPr/>
         <p:nvPr/>
@@ -822,7 +928,7 @@
 </p:notes>
 </file>
 
-<file path=ppt/notesSlides/notesSlide2.xml><?xml version="1.0" encoding="utf-8"?>
+<file path=ppt/notesSlides/notesSlide3.xml><?xml version="1.0" encoding="utf-8"?>
 <p:notes xmlns:a="http://schemas.openxmlformats.org/drawingml/2006/main" xmlns:r="http://schemas.openxmlformats.org/officeDocument/2006/relationships" xmlns:p="http://schemas.openxmlformats.org/presentationml/2006/main" showMasterSp="0" showMasterPhAnim="0">
   <p:cSld>
     <p:spTree>
@@ -926,7 +1032,7 @@
 </p:notes>
 </file>
 
-<file path=ppt/notesSlides/notesSlide3.xml><?xml version="1.0" encoding="utf-8"?>
+<file path=ppt/notesSlides/notesSlide4.xml><?xml version="1.0" encoding="utf-8"?>
 <p:notes xmlns:a="http://schemas.openxmlformats.org/drawingml/2006/main" xmlns:r="http://schemas.openxmlformats.org/officeDocument/2006/relationships" xmlns:p="http://schemas.openxmlformats.org/presentationml/2006/main" showMasterSp="0" showMasterPhAnim="0">
   <p:cSld>
     <p:spTree>
@@ -1030,7 +1136,7 @@
 </p:notes>
 </file>
 
-<file path=ppt/notesSlides/notesSlide4.xml><?xml version="1.0" encoding="utf-8"?>
+<file path=ppt/notesSlides/notesSlide5.xml><?xml version="1.0" encoding="utf-8"?>
 <p:notes xmlns:a="http://schemas.openxmlformats.org/drawingml/2006/main" xmlns:r="http://schemas.openxmlformats.org/officeDocument/2006/relationships" xmlns:p="http://schemas.openxmlformats.org/presentationml/2006/main" showMasterSp="0" showMasterPhAnim="0">
   <p:cSld>
     <p:spTree>
@@ -8575,6 +8681,4240 @@
 </p:sldLayout>
 </file>
 
+<file path=ppt/slideLayouts/slideLayout12.xml><?xml version="1.0" encoding="utf-8"?>
+<p:sldLayout xmlns:a="http://schemas.openxmlformats.org/drawingml/2006/main" xmlns:r="http://schemas.openxmlformats.org/officeDocument/2006/relationships" xmlns:p="http://schemas.openxmlformats.org/presentationml/2006/main" matchingName="Title slide" type="title">
+  <p:cSld name="Title slide">
+    <p:bg>
+      <p:bgPr>
+        <a:solidFill>
+          <a:schemeClr val="dk1"/>
+        </a:solidFill>
+        <a:effectLst/>
+      </p:bgPr>
+    </p:bg>
+    <p:spTree>
+      <p:nvGrpSpPr>
+        <p:cNvPr id="1" name="Shape 9"/>
+        <p:cNvGrpSpPr/>
+        <p:nvPr/>
+      </p:nvGrpSpPr>
+      <p:grpSpPr>
+        <a:xfrm>
+          <a:off x="0" y="0"/>
+          <a:ext cx="0" cy="0"/>
+          <a:chOff x="0" y="0"/>
+          <a:chExt cx="0" cy="0"/>
+        </a:xfrm>
+      </p:grpSpPr>
+      <p:grpSp>
+        <p:nvGrpSpPr>
+          <p:cNvPr id="10" name="Google Shape;10;p2"/>
+          <p:cNvGrpSpPr/>
+          <p:nvPr/>
+        </p:nvGrpSpPr>
+        <p:grpSpPr>
+          <a:xfrm>
+            <a:off x="6098378" y="5"/>
+            <a:ext cx="3045625" cy="2030570"/>
+            <a:chOff x="6098378" y="5"/>
+            <a:chExt cx="3045625" cy="2030570"/>
+          </a:xfrm>
+        </p:grpSpPr>
+        <p:sp>
+          <p:nvSpPr>
+            <p:cNvPr id="11" name="Google Shape;11;p2"/>
+            <p:cNvSpPr/>
+            <p:nvPr/>
+          </p:nvSpPr>
+          <p:spPr>
+            <a:xfrm>
+              <a:off x="8128803" y="16"/>
+              <a:ext cx="1015200" cy="1015200"/>
+            </a:xfrm>
+            <a:prstGeom prst="rect">
+              <a:avLst/>
+            </a:prstGeom>
+            <a:solidFill>
+              <a:schemeClr val="accent1"/>
+            </a:solidFill>
+            <a:ln>
+              <a:noFill/>
+            </a:ln>
+          </p:spPr>
+          <p:txBody>
+            <a:bodyPr spcFirstLastPara="1" wrap="square" lIns="91425" tIns="91425" rIns="91425" bIns="91425" anchor="ctr" anchorCtr="0">
+              <a:noAutofit/>
+            </a:bodyPr>
+            <a:lstStyle/>
+            <a:p>
+              <a:pPr marL="0" lvl="0" indent="0" algn="l" rtl="0">
+                <a:spcBef>
+                  <a:spcPts val="0"/>
+                </a:spcBef>
+                <a:spcAft>
+                  <a:spcPts val="0"/>
+                </a:spcAft>
+                <a:buNone/>
+              </a:pPr>
+              <a:endParaRPr/>
+            </a:p>
+          </p:txBody>
+        </p:sp>
+        <p:sp>
+          <p:nvSpPr>
+            <p:cNvPr id="12" name="Google Shape;12;p2"/>
+            <p:cNvSpPr/>
+            <p:nvPr/>
+          </p:nvSpPr>
+          <p:spPr>
+            <a:xfrm flipH="1">
+              <a:off x="7113463" y="5"/>
+              <a:ext cx="1015200" cy="1015200"/>
+            </a:xfrm>
+            <a:prstGeom prst="rtTriangle">
+              <a:avLst/>
+            </a:prstGeom>
+            <a:solidFill>
+              <a:schemeClr val="accent2"/>
+            </a:solidFill>
+            <a:ln>
+              <a:noFill/>
+            </a:ln>
+          </p:spPr>
+          <p:txBody>
+            <a:bodyPr spcFirstLastPara="1" wrap="square" lIns="91425" tIns="91425" rIns="91425" bIns="91425" anchor="ctr" anchorCtr="0">
+              <a:noAutofit/>
+            </a:bodyPr>
+            <a:lstStyle/>
+            <a:p>
+              <a:pPr marL="0" lvl="0" indent="0" algn="l" rtl="0">
+                <a:spcBef>
+                  <a:spcPts val="0"/>
+                </a:spcBef>
+                <a:spcAft>
+                  <a:spcPts val="0"/>
+                </a:spcAft>
+                <a:buNone/>
+              </a:pPr>
+              <a:endParaRPr/>
+            </a:p>
+          </p:txBody>
+        </p:sp>
+        <p:sp>
+          <p:nvSpPr>
+            <p:cNvPr id="13" name="Google Shape;13;p2"/>
+            <p:cNvSpPr/>
+            <p:nvPr/>
+          </p:nvSpPr>
+          <p:spPr>
+            <a:xfrm rot="10800000" flipH="1">
+              <a:off x="7113588" y="107"/>
+              <a:ext cx="1015200" cy="1015200"/>
+            </a:xfrm>
+            <a:prstGeom prst="rtTriangle">
+              <a:avLst/>
+            </a:prstGeom>
+            <a:solidFill>
+              <a:schemeClr val="accent6"/>
+            </a:solidFill>
+            <a:ln>
+              <a:noFill/>
+            </a:ln>
+          </p:spPr>
+          <p:txBody>
+            <a:bodyPr spcFirstLastPara="1" wrap="square" lIns="91425" tIns="91425" rIns="91425" bIns="91425" anchor="ctr" anchorCtr="0">
+              <a:noAutofit/>
+            </a:bodyPr>
+            <a:lstStyle/>
+            <a:p>
+              <a:pPr marL="0" lvl="0" indent="0" algn="l" rtl="0">
+                <a:spcBef>
+                  <a:spcPts val="0"/>
+                </a:spcBef>
+                <a:spcAft>
+                  <a:spcPts val="0"/>
+                </a:spcAft>
+                <a:buNone/>
+              </a:pPr>
+              <a:endParaRPr/>
+            </a:p>
+          </p:txBody>
+        </p:sp>
+        <p:sp>
+          <p:nvSpPr>
+            <p:cNvPr id="14" name="Google Shape;14;p2"/>
+            <p:cNvSpPr/>
+            <p:nvPr/>
+          </p:nvSpPr>
+          <p:spPr>
+            <a:xfrm rot="10800000">
+              <a:off x="6098378" y="97"/>
+              <a:ext cx="1015200" cy="1015200"/>
+            </a:xfrm>
+            <a:prstGeom prst="rtTriangle">
+              <a:avLst/>
+            </a:prstGeom>
+            <a:solidFill>
+              <a:schemeClr val="accent1"/>
+            </a:solidFill>
+            <a:ln>
+              <a:noFill/>
+            </a:ln>
+          </p:spPr>
+          <p:txBody>
+            <a:bodyPr spcFirstLastPara="1" wrap="square" lIns="91425" tIns="91425" rIns="91425" bIns="91425" anchor="ctr" anchorCtr="0">
+              <a:noAutofit/>
+            </a:bodyPr>
+            <a:lstStyle/>
+            <a:p>
+              <a:pPr marL="0" lvl="0" indent="0" algn="l" rtl="0">
+                <a:spcBef>
+                  <a:spcPts val="0"/>
+                </a:spcBef>
+                <a:spcAft>
+                  <a:spcPts val="0"/>
+                </a:spcAft>
+                <a:buNone/>
+              </a:pPr>
+              <a:endParaRPr/>
+            </a:p>
+          </p:txBody>
+        </p:sp>
+        <p:sp>
+          <p:nvSpPr>
+            <p:cNvPr id="15" name="Google Shape;15;p2"/>
+            <p:cNvSpPr/>
+            <p:nvPr/>
+          </p:nvSpPr>
+          <p:spPr>
+            <a:xfrm rot="10800000">
+              <a:off x="8128789" y="1015375"/>
+              <a:ext cx="1015200" cy="1015200"/>
+            </a:xfrm>
+            <a:prstGeom prst="rtTriangle">
+              <a:avLst/>
+            </a:prstGeom>
+            <a:solidFill>
+              <a:schemeClr val="accent6"/>
+            </a:solidFill>
+            <a:ln>
+              <a:noFill/>
+            </a:ln>
+          </p:spPr>
+          <p:txBody>
+            <a:bodyPr spcFirstLastPara="1" wrap="square" lIns="91425" tIns="91425" rIns="91425" bIns="91425" anchor="ctr" anchorCtr="0">
+              <a:noAutofit/>
+            </a:bodyPr>
+            <a:lstStyle/>
+            <a:p>
+              <a:pPr marL="0" lvl="0" indent="0" algn="l" rtl="0">
+                <a:spcBef>
+                  <a:spcPts val="0"/>
+                </a:spcBef>
+                <a:spcAft>
+                  <a:spcPts val="0"/>
+                </a:spcAft>
+                <a:buNone/>
+              </a:pPr>
+              <a:endParaRPr/>
+            </a:p>
+          </p:txBody>
+        </p:sp>
+      </p:grpSp>
+      <p:sp>
+        <p:nvSpPr>
+          <p:cNvPr id="16" name="Google Shape;16;p2"/>
+          <p:cNvSpPr txBox="1">
+            <a:spLocks noGrp="1"/>
+          </p:cNvSpPr>
+          <p:nvPr>
+            <p:ph type="ctrTitle"/>
+          </p:nvPr>
+        </p:nvSpPr>
+        <p:spPr>
+          <a:xfrm>
+            <a:off x="598100" y="1775222"/>
+            <a:ext cx="8222100" cy="838800"/>
+          </a:xfrm>
+          <a:prstGeom prst="rect">
+            <a:avLst/>
+          </a:prstGeom>
+        </p:spPr>
+        <p:txBody>
+          <a:bodyPr spcFirstLastPara="1" wrap="square" lIns="91425" tIns="91425" rIns="91425" bIns="91425" anchor="b" anchorCtr="0">
+            <a:noAutofit/>
+          </a:bodyPr>
+          <a:lstStyle>
+            <a:lvl1pPr lvl="0">
+              <a:spcBef>
+                <a:spcPts val="0"/>
+              </a:spcBef>
+              <a:spcAft>
+                <a:spcPts val="0"/>
+              </a:spcAft>
+              <a:buClr>
+                <a:schemeClr val="lt1"/>
+              </a:buClr>
+              <a:buSzPts val="4200"/>
+              <a:buNone/>
+              <a:defRPr sz="4200">
+                <a:solidFill>
+                  <a:schemeClr val="lt1"/>
+                </a:solidFill>
+              </a:defRPr>
+            </a:lvl1pPr>
+            <a:lvl2pPr lvl="1">
+              <a:spcBef>
+                <a:spcPts val="0"/>
+              </a:spcBef>
+              <a:spcAft>
+                <a:spcPts val="0"/>
+              </a:spcAft>
+              <a:buClr>
+                <a:schemeClr val="lt1"/>
+              </a:buClr>
+              <a:buSzPts val="4200"/>
+              <a:buNone/>
+              <a:defRPr sz="4200">
+                <a:solidFill>
+                  <a:schemeClr val="lt1"/>
+                </a:solidFill>
+              </a:defRPr>
+            </a:lvl2pPr>
+            <a:lvl3pPr lvl="2">
+              <a:spcBef>
+                <a:spcPts val="0"/>
+              </a:spcBef>
+              <a:spcAft>
+                <a:spcPts val="0"/>
+              </a:spcAft>
+              <a:buClr>
+                <a:schemeClr val="lt1"/>
+              </a:buClr>
+              <a:buSzPts val="4200"/>
+              <a:buNone/>
+              <a:defRPr sz="4200">
+                <a:solidFill>
+                  <a:schemeClr val="lt1"/>
+                </a:solidFill>
+              </a:defRPr>
+            </a:lvl3pPr>
+            <a:lvl4pPr lvl="3">
+              <a:spcBef>
+                <a:spcPts val="0"/>
+              </a:spcBef>
+              <a:spcAft>
+                <a:spcPts val="0"/>
+              </a:spcAft>
+              <a:buClr>
+                <a:schemeClr val="lt1"/>
+              </a:buClr>
+              <a:buSzPts val="4200"/>
+              <a:buNone/>
+              <a:defRPr sz="4200">
+                <a:solidFill>
+                  <a:schemeClr val="lt1"/>
+                </a:solidFill>
+              </a:defRPr>
+            </a:lvl4pPr>
+            <a:lvl5pPr lvl="4">
+              <a:spcBef>
+                <a:spcPts val="0"/>
+              </a:spcBef>
+              <a:spcAft>
+                <a:spcPts val="0"/>
+              </a:spcAft>
+              <a:buClr>
+                <a:schemeClr val="lt1"/>
+              </a:buClr>
+              <a:buSzPts val="4200"/>
+              <a:buNone/>
+              <a:defRPr sz="4200">
+                <a:solidFill>
+                  <a:schemeClr val="lt1"/>
+                </a:solidFill>
+              </a:defRPr>
+            </a:lvl5pPr>
+            <a:lvl6pPr lvl="5">
+              <a:spcBef>
+                <a:spcPts val="0"/>
+              </a:spcBef>
+              <a:spcAft>
+                <a:spcPts val="0"/>
+              </a:spcAft>
+              <a:buClr>
+                <a:schemeClr val="lt1"/>
+              </a:buClr>
+              <a:buSzPts val="4200"/>
+              <a:buNone/>
+              <a:defRPr sz="4200">
+                <a:solidFill>
+                  <a:schemeClr val="lt1"/>
+                </a:solidFill>
+              </a:defRPr>
+            </a:lvl6pPr>
+            <a:lvl7pPr lvl="6">
+              <a:spcBef>
+                <a:spcPts val="0"/>
+              </a:spcBef>
+              <a:spcAft>
+                <a:spcPts val="0"/>
+              </a:spcAft>
+              <a:buClr>
+                <a:schemeClr val="lt1"/>
+              </a:buClr>
+              <a:buSzPts val="4200"/>
+              <a:buNone/>
+              <a:defRPr sz="4200">
+                <a:solidFill>
+                  <a:schemeClr val="lt1"/>
+                </a:solidFill>
+              </a:defRPr>
+            </a:lvl7pPr>
+            <a:lvl8pPr lvl="7">
+              <a:spcBef>
+                <a:spcPts val="0"/>
+              </a:spcBef>
+              <a:spcAft>
+                <a:spcPts val="0"/>
+              </a:spcAft>
+              <a:buClr>
+                <a:schemeClr val="lt1"/>
+              </a:buClr>
+              <a:buSzPts val="4200"/>
+              <a:buNone/>
+              <a:defRPr sz="4200">
+                <a:solidFill>
+                  <a:schemeClr val="lt1"/>
+                </a:solidFill>
+              </a:defRPr>
+            </a:lvl8pPr>
+            <a:lvl9pPr lvl="8">
+              <a:spcBef>
+                <a:spcPts val="0"/>
+              </a:spcBef>
+              <a:spcAft>
+                <a:spcPts val="0"/>
+              </a:spcAft>
+              <a:buClr>
+                <a:schemeClr val="lt1"/>
+              </a:buClr>
+              <a:buSzPts val="4200"/>
+              <a:buNone/>
+              <a:defRPr sz="4200">
+                <a:solidFill>
+                  <a:schemeClr val="lt1"/>
+                </a:solidFill>
+              </a:defRPr>
+            </a:lvl9pPr>
+          </a:lstStyle>
+          <a:p>
+            <a:endParaRPr/>
+          </a:p>
+        </p:txBody>
+      </p:sp>
+      <p:sp>
+        <p:nvSpPr>
+          <p:cNvPr id="17" name="Google Shape;17;p2"/>
+          <p:cNvSpPr txBox="1">
+            <a:spLocks noGrp="1"/>
+          </p:cNvSpPr>
+          <p:nvPr>
+            <p:ph type="subTitle" idx="1"/>
+          </p:nvPr>
+        </p:nvSpPr>
+        <p:spPr>
+          <a:xfrm>
+            <a:off x="598088" y="2715913"/>
+            <a:ext cx="8222100" cy="432900"/>
+          </a:xfrm>
+          <a:prstGeom prst="rect">
+            <a:avLst/>
+          </a:prstGeom>
+        </p:spPr>
+        <p:txBody>
+          <a:bodyPr spcFirstLastPara="1" wrap="square" lIns="91425" tIns="91425" rIns="91425" bIns="91425" anchor="t" anchorCtr="0">
+            <a:noAutofit/>
+          </a:bodyPr>
+          <a:lstStyle>
+            <a:lvl1pPr lvl="0">
+              <a:lnSpc>
+                <a:spcPct val="100000"/>
+              </a:lnSpc>
+              <a:spcBef>
+                <a:spcPts val="0"/>
+              </a:spcBef>
+              <a:spcAft>
+                <a:spcPts val="0"/>
+              </a:spcAft>
+              <a:buClr>
+                <a:schemeClr val="lt1"/>
+              </a:buClr>
+              <a:buSzPts val="2100"/>
+              <a:buNone/>
+              <a:defRPr sz="2100">
+                <a:solidFill>
+                  <a:schemeClr val="lt1"/>
+                </a:solidFill>
+              </a:defRPr>
+            </a:lvl1pPr>
+            <a:lvl2pPr lvl="1">
+              <a:lnSpc>
+                <a:spcPct val="100000"/>
+              </a:lnSpc>
+              <a:spcBef>
+                <a:spcPts val="0"/>
+              </a:spcBef>
+              <a:spcAft>
+                <a:spcPts val="0"/>
+              </a:spcAft>
+              <a:buClr>
+                <a:schemeClr val="lt1"/>
+              </a:buClr>
+              <a:buSzPts val="2100"/>
+              <a:buNone/>
+              <a:defRPr sz="2100">
+                <a:solidFill>
+                  <a:schemeClr val="lt1"/>
+                </a:solidFill>
+              </a:defRPr>
+            </a:lvl2pPr>
+            <a:lvl3pPr lvl="2">
+              <a:lnSpc>
+                <a:spcPct val="100000"/>
+              </a:lnSpc>
+              <a:spcBef>
+                <a:spcPts val="0"/>
+              </a:spcBef>
+              <a:spcAft>
+                <a:spcPts val="0"/>
+              </a:spcAft>
+              <a:buClr>
+                <a:schemeClr val="lt1"/>
+              </a:buClr>
+              <a:buSzPts val="2100"/>
+              <a:buNone/>
+              <a:defRPr sz="2100">
+                <a:solidFill>
+                  <a:schemeClr val="lt1"/>
+                </a:solidFill>
+              </a:defRPr>
+            </a:lvl3pPr>
+            <a:lvl4pPr lvl="3">
+              <a:lnSpc>
+                <a:spcPct val="100000"/>
+              </a:lnSpc>
+              <a:spcBef>
+                <a:spcPts val="0"/>
+              </a:spcBef>
+              <a:spcAft>
+                <a:spcPts val="0"/>
+              </a:spcAft>
+              <a:buClr>
+                <a:schemeClr val="lt1"/>
+              </a:buClr>
+              <a:buSzPts val="2100"/>
+              <a:buNone/>
+              <a:defRPr sz="2100">
+                <a:solidFill>
+                  <a:schemeClr val="lt1"/>
+                </a:solidFill>
+              </a:defRPr>
+            </a:lvl4pPr>
+            <a:lvl5pPr lvl="4">
+              <a:lnSpc>
+                <a:spcPct val="100000"/>
+              </a:lnSpc>
+              <a:spcBef>
+                <a:spcPts val="0"/>
+              </a:spcBef>
+              <a:spcAft>
+                <a:spcPts val="0"/>
+              </a:spcAft>
+              <a:buClr>
+                <a:schemeClr val="lt1"/>
+              </a:buClr>
+              <a:buSzPts val="2100"/>
+              <a:buNone/>
+              <a:defRPr sz="2100">
+                <a:solidFill>
+                  <a:schemeClr val="lt1"/>
+                </a:solidFill>
+              </a:defRPr>
+            </a:lvl5pPr>
+            <a:lvl6pPr lvl="5">
+              <a:lnSpc>
+                <a:spcPct val="100000"/>
+              </a:lnSpc>
+              <a:spcBef>
+                <a:spcPts val="0"/>
+              </a:spcBef>
+              <a:spcAft>
+                <a:spcPts val="0"/>
+              </a:spcAft>
+              <a:buClr>
+                <a:schemeClr val="lt1"/>
+              </a:buClr>
+              <a:buSzPts val="2100"/>
+              <a:buNone/>
+              <a:defRPr sz="2100">
+                <a:solidFill>
+                  <a:schemeClr val="lt1"/>
+                </a:solidFill>
+              </a:defRPr>
+            </a:lvl6pPr>
+            <a:lvl7pPr lvl="6">
+              <a:lnSpc>
+                <a:spcPct val="100000"/>
+              </a:lnSpc>
+              <a:spcBef>
+                <a:spcPts val="0"/>
+              </a:spcBef>
+              <a:spcAft>
+                <a:spcPts val="0"/>
+              </a:spcAft>
+              <a:buClr>
+                <a:schemeClr val="lt1"/>
+              </a:buClr>
+              <a:buSzPts val="2100"/>
+              <a:buNone/>
+              <a:defRPr sz="2100">
+                <a:solidFill>
+                  <a:schemeClr val="lt1"/>
+                </a:solidFill>
+              </a:defRPr>
+            </a:lvl7pPr>
+            <a:lvl8pPr lvl="7">
+              <a:lnSpc>
+                <a:spcPct val="100000"/>
+              </a:lnSpc>
+              <a:spcBef>
+                <a:spcPts val="0"/>
+              </a:spcBef>
+              <a:spcAft>
+                <a:spcPts val="0"/>
+              </a:spcAft>
+              <a:buClr>
+                <a:schemeClr val="lt1"/>
+              </a:buClr>
+              <a:buSzPts val="2100"/>
+              <a:buNone/>
+              <a:defRPr sz="2100">
+                <a:solidFill>
+                  <a:schemeClr val="lt1"/>
+                </a:solidFill>
+              </a:defRPr>
+            </a:lvl8pPr>
+            <a:lvl9pPr lvl="8">
+              <a:lnSpc>
+                <a:spcPct val="100000"/>
+              </a:lnSpc>
+              <a:spcBef>
+                <a:spcPts val="0"/>
+              </a:spcBef>
+              <a:spcAft>
+                <a:spcPts val="0"/>
+              </a:spcAft>
+              <a:buClr>
+                <a:schemeClr val="lt1"/>
+              </a:buClr>
+              <a:buSzPts val="2100"/>
+              <a:buNone/>
+              <a:defRPr sz="2100">
+                <a:solidFill>
+                  <a:schemeClr val="lt1"/>
+                </a:solidFill>
+              </a:defRPr>
+            </a:lvl9pPr>
+          </a:lstStyle>
+          <a:p>
+            <a:endParaRPr/>
+          </a:p>
+        </p:txBody>
+      </p:sp>
+      <p:sp>
+        <p:nvSpPr>
+          <p:cNvPr id="18" name="Google Shape;18;p2"/>
+          <p:cNvSpPr txBox="1">
+            <a:spLocks noGrp="1"/>
+          </p:cNvSpPr>
+          <p:nvPr>
+            <p:ph type="sldNum" idx="12"/>
+          </p:nvPr>
+        </p:nvSpPr>
+        <p:spPr>
+          <a:xfrm>
+            <a:off x="8460431" y="4651190"/>
+            <a:ext cx="548700" cy="393600"/>
+          </a:xfrm>
+          <a:prstGeom prst="rect">
+            <a:avLst/>
+          </a:prstGeom>
+        </p:spPr>
+        <p:txBody>
+          <a:bodyPr spcFirstLastPara="1" wrap="square" lIns="91425" tIns="91425" rIns="91425" bIns="91425" anchor="ctr" anchorCtr="0">
+            <a:noAutofit/>
+          </a:bodyPr>
+          <a:lstStyle>
+            <a:lvl1pPr lvl="0">
+              <a:buNone/>
+              <a:defRPr/>
+            </a:lvl1pPr>
+            <a:lvl2pPr lvl="1">
+              <a:buNone/>
+              <a:defRPr/>
+            </a:lvl2pPr>
+            <a:lvl3pPr lvl="2">
+              <a:buNone/>
+              <a:defRPr/>
+            </a:lvl3pPr>
+            <a:lvl4pPr lvl="3">
+              <a:buNone/>
+              <a:defRPr/>
+            </a:lvl4pPr>
+            <a:lvl5pPr lvl="4">
+              <a:buNone/>
+              <a:defRPr/>
+            </a:lvl5pPr>
+            <a:lvl6pPr lvl="5">
+              <a:buNone/>
+              <a:defRPr/>
+            </a:lvl6pPr>
+            <a:lvl7pPr lvl="6">
+              <a:buNone/>
+              <a:defRPr/>
+            </a:lvl7pPr>
+            <a:lvl8pPr lvl="7">
+              <a:buNone/>
+              <a:defRPr/>
+            </a:lvl8pPr>
+            <a:lvl9pPr lvl="8">
+              <a:buNone/>
+              <a:defRPr/>
+            </a:lvl9pPr>
+          </a:lstStyle>
+          <a:p>
+            <a:pPr marL="0" lvl="0" indent="0" algn="r" rtl="0">
+              <a:spcBef>
+                <a:spcPts val="0"/>
+              </a:spcBef>
+              <a:spcAft>
+                <a:spcPts val="0"/>
+              </a:spcAft>
+              <a:buNone/>
+            </a:pPr>
+            <a:fld id="{00000000-1234-1234-1234-123412341234}" type="slidenum">
+              <a:rPr lang="fr"/>
+              <a:t>‹N°›</a:t>
+            </a:fld>
+            <a:endParaRPr/>
+          </a:p>
+        </p:txBody>
+      </p:sp>
+    </p:spTree>
+    <p:extLst>
+      <p:ext uri="{BB962C8B-B14F-4D97-AF65-F5344CB8AC3E}">
+        <p14:creationId xmlns:p14="http://schemas.microsoft.com/office/powerpoint/2010/main" val="2965063291"/>
+      </p:ext>
+    </p:extLst>
+  </p:cSld>
+  <p:clrMapOvr>
+    <a:masterClrMapping/>
+  </p:clrMapOvr>
+</p:sldLayout>
+</file>
+
+<file path=ppt/slideLayouts/slideLayout13.xml><?xml version="1.0" encoding="utf-8"?>
+<p:sldLayout xmlns:a="http://schemas.openxmlformats.org/drawingml/2006/main" xmlns:r="http://schemas.openxmlformats.org/officeDocument/2006/relationships" xmlns:p="http://schemas.openxmlformats.org/presentationml/2006/main" matchingName="Section header" type="secHead">
+  <p:cSld name="Section header">
+    <p:bg>
+      <p:bgPr>
+        <a:solidFill>
+          <a:schemeClr val="dk1"/>
+        </a:solidFill>
+        <a:effectLst/>
+      </p:bgPr>
+    </p:bg>
+    <p:spTree>
+      <p:nvGrpSpPr>
+        <p:cNvPr id="1" name="Shape 19"/>
+        <p:cNvGrpSpPr/>
+        <p:nvPr/>
+      </p:nvGrpSpPr>
+      <p:grpSpPr>
+        <a:xfrm>
+          <a:off x="0" y="0"/>
+          <a:ext cx="0" cy="0"/>
+          <a:chOff x="0" y="0"/>
+          <a:chExt cx="0" cy="0"/>
+        </a:xfrm>
+      </p:grpSpPr>
+      <p:grpSp>
+        <p:nvGrpSpPr>
+          <p:cNvPr id="20" name="Google Shape;20;p3"/>
+          <p:cNvGrpSpPr/>
+          <p:nvPr/>
+        </p:nvGrpSpPr>
+        <p:grpSpPr>
+          <a:xfrm>
+            <a:off x="6098378" y="5"/>
+            <a:ext cx="3045625" cy="2030570"/>
+            <a:chOff x="6098378" y="5"/>
+            <a:chExt cx="3045625" cy="2030570"/>
+          </a:xfrm>
+        </p:grpSpPr>
+        <p:sp>
+          <p:nvSpPr>
+            <p:cNvPr id="21" name="Google Shape;21;p3"/>
+            <p:cNvSpPr/>
+            <p:nvPr/>
+          </p:nvSpPr>
+          <p:spPr>
+            <a:xfrm>
+              <a:off x="8128803" y="16"/>
+              <a:ext cx="1015200" cy="1015200"/>
+            </a:xfrm>
+            <a:prstGeom prst="rect">
+              <a:avLst/>
+            </a:prstGeom>
+            <a:solidFill>
+              <a:schemeClr val="accent1"/>
+            </a:solidFill>
+            <a:ln>
+              <a:noFill/>
+            </a:ln>
+          </p:spPr>
+          <p:txBody>
+            <a:bodyPr spcFirstLastPara="1" wrap="square" lIns="91425" tIns="91425" rIns="91425" bIns="91425" anchor="ctr" anchorCtr="0">
+              <a:noAutofit/>
+            </a:bodyPr>
+            <a:lstStyle/>
+            <a:p>
+              <a:pPr marL="0" lvl="0" indent="0" algn="l" rtl="0">
+                <a:spcBef>
+                  <a:spcPts val="0"/>
+                </a:spcBef>
+                <a:spcAft>
+                  <a:spcPts val="0"/>
+                </a:spcAft>
+                <a:buNone/>
+              </a:pPr>
+              <a:endParaRPr/>
+            </a:p>
+          </p:txBody>
+        </p:sp>
+        <p:sp>
+          <p:nvSpPr>
+            <p:cNvPr id="22" name="Google Shape;22;p3"/>
+            <p:cNvSpPr/>
+            <p:nvPr/>
+          </p:nvSpPr>
+          <p:spPr>
+            <a:xfrm flipH="1">
+              <a:off x="7113463" y="5"/>
+              <a:ext cx="1015200" cy="1015200"/>
+            </a:xfrm>
+            <a:prstGeom prst="rtTriangle">
+              <a:avLst/>
+            </a:prstGeom>
+            <a:solidFill>
+              <a:schemeClr val="accent2"/>
+            </a:solidFill>
+            <a:ln>
+              <a:noFill/>
+            </a:ln>
+          </p:spPr>
+          <p:txBody>
+            <a:bodyPr spcFirstLastPara="1" wrap="square" lIns="91425" tIns="91425" rIns="91425" bIns="91425" anchor="ctr" anchorCtr="0">
+              <a:noAutofit/>
+            </a:bodyPr>
+            <a:lstStyle/>
+            <a:p>
+              <a:pPr marL="0" lvl="0" indent="0" algn="l" rtl="0">
+                <a:spcBef>
+                  <a:spcPts val="0"/>
+                </a:spcBef>
+                <a:spcAft>
+                  <a:spcPts val="0"/>
+                </a:spcAft>
+                <a:buNone/>
+              </a:pPr>
+              <a:endParaRPr/>
+            </a:p>
+          </p:txBody>
+        </p:sp>
+        <p:sp>
+          <p:nvSpPr>
+            <p:cNvPr id="23" name="Google Shape;23;p3"/>
+            <p:cNvSpPr/>
+            <p:nvPr/>
+          </p:nvSpPr>
+          <p:spPr>
+            <a:xfrm rot="10800000" flipH="1">
+              <a:off x="7113588" y="107"/>
+              <a:ext cx="1015200" cy="1015200"/>
+            </a:xfrm>
+            <a:prstGeom prst="rtTriangle">
+              <a:avLst/>
+            </a:prstGeom>
+            <a:solidFill>
+              <a:schemeClr val="accent6"/>
+            </a:solidFill>
+            <a:ln>
+              <a:noFill/>
+            </a:ln>
+          </p:spPr>
+          <p:txBody>
+            <a:bodyPr spcFirstLastPara="1" wrap="square" lIns="91425" tIns="91425" rIns="91425" bIns="91425" anchor="ctr" anchorCtr="0">
+              <a:noAutofit/>
+            </a:bodyPr>
+            <a:lstStyle/>
+            <a:p>
+              <a:pPr marL="0" lvl="0" indent="0" algn="l" rtl="0">
+                <a:spcBef>
+                  <a:spcPts val="0"/>
+                </a:spcBef>
+                <a:spcAft>
+                  <a:spcPts val="0"/>
+                </a:spcAft>
+                <a:buNone/>
+              </a:pPr>
+              <a:endParaRPr/>
+            </a:p>
+          </p:txBody>
+        </p:sp>
+        <p:sp>
+          <p:nvSpPr>
+            <p:cNvPr id="24" name="Google Shape;24;p3"/>
+            <p:cNvSpPr/>
+            <p:nvPr/>
+          </p:nvSpPr>
+          <p:spPr>
+            <a:xfrm rot="10800000">
+              <a:off x="6098378" y="97"/>
+              <a:ext cx="1015200" cy="1015200"/>
+            </a:xfrm>
+            <a:prstGeom prst="rtTriangle">
+              <a:avLst/>
+            </a:prstGeom>
+            <a:solidFill>
+              <a:schemeClr val="accent1"/>
+            </a:solidFill>
+            <a:ln>
+              <a:noFill/>
+            </a:ln>
+          </p:spPr>
+          <p:txBody>
+            <a:bodyPr spcFirstLastPara="1" wrap="square" lIns="91425" tIns="91425" rIns="91425" bIns="91425" anchor="ctr" anchorCtr="0">
+              <a:noAutofit/>
+            </a:bodyPr>
+            <a:lstStyle/>
+            <a:p>
+              <a:pPr marL="0" lvl="0" indent="0" algn="l" rtl="0">
+                <a:spcBef>
+                  <a:spcPts val="0"/>
+                </a:spcBef>
+                <a:spcAft>
+                  <a:spcPts val="0"/>
+                </a:spcAft>
+                <a:buNone/>
+              </a:pPr>
+              <a:endParaRPr/>
+            </a:p>
+          </p:txBody>
+        </p:sp>
+        <p:sp>
+          <p:nvSpPr>
+            <p:cNvPr id="25" name="Google Shape;25;p3"/>
+            <p:cNvSpPr/>
+            <p:nvPr/>
+          </p:nvSpPr>
+          <p:spPr>
+            <a:xfrm rot="10800000">
+              <a:off x="8128789" y="1015375"/>
+              <a:ext cx="1015200" cy="1015200"/>
+            </a:xfrm>
+            <a:prstGeom prst="rtTriangle">
+              <a:avLst/>
+            </a:prstGeom>
+            <a:solidFill>
+              <a:schemeClr val="accent6"/>
+            </a:solidFill>
+            <a:ln>
+              <a:noFill/>
+            </a:ln>
+          </p:spPr>
+          <p:txBody>
+            <a:bodyPr spcFirstLastPara="1" wrap="square" lIns="91425" tIns="91425" rIns="91425" bIns="91425" anchor="ctr" anchorCtr="0">
+              <a:noAutofit/>
+            </a:bodyPr>
+            <a:lstStyle/>
+            <a:p>
+              <a:pPr marL="0" lvl="0" indent="0" algn="l" rtl="0">
+                <a:spcBef>
+                  <a:spcPts val="0"/>
+                </a:spcBef>
+                <a:spcAft>
+                  <a:spcPts val="0"/>
+                </a:spcAft>
+                <a:buNone/>
+              </a:pPr>
+              <a:endParaRPr/>
+            </a:p>
+          </p:txBody>
+        </p:sp>
+      </p:grpSp>
+      <p:sp>
+        <p:nvSpPr>
+          <p:cNvPr id="26" name="Google Shape;26;p3"/>
+          <p:cNvSpPr txBox="1">
+            <a:spLocks noGrp="1"/>
+          </p:cNvSpPr>
+          <p:nvPr>
+            <p:ph type="title"/>
+          </p:nvPr>
+        </p:nvSpPr>
+        <p:spPr>
+          <a:xfrm>
+            <a:off x="598100" y="2152347"/>
+            <a:ext cx="8222100" cy="838800"/>
+          </a:xfrm>
+          <a:prstGeom prst="rect">
+            <a:avLst/>
+          </a:prstGeom>
+        </p:spPr>
+        <p:txBody>
+          <a:bodyPr spcFirstLastPara="1" wrap="square" lIns="91425" tIns="91425" rIns="91425" bIns="91425" anchor="ctr" anchorCtr="0">
+            <a:noAutofit/>
+          </a:bodyPr>
+          <a:lstStyle>
+            <a:lvl1pPr lvl="0">
+              <a:spcBef>
+                <a:spcPts val="0"/>
+              </a:spcBef>
+              <a:spcAft>
+                <a:spcPts val="0"/>
+              </a:spcAft>
+              <a:buClr>
+                <a:schemeClr val="lt1"/>
+              </a:buClr>
+              <a:buSzPts val="4200"/>
+              <a:buNone/>
+              <a:defRPr sz="4200">
+                <a:solidFill>
+                  <a:schemeClr val="lt1"/>
+                </a:solidFill>
+              </a:defRPr>
+            </a:lvl1pPr>
+            <a:lvl2pPr lvl="1">
+              <a:spcBef>
+                <a:spcPts val="0"/>
+              </a:spcBef>
+              <a:spcAft>
+                <a:spcPts val="0"/>
+              </a:spcAft>
+              <a:buClr>
+                <a:schemeClr val="lt1"/>
+              </a:buClr>
+              <a:buSzPts val="4200"/>
+              <a:buNone/>
+              <a:defRPr sz="4200">
+                <a:solidFill>
+                  <a:schemeClr val="lt1"/>
+                </a:solidFill>
+              </a:defRPr>
+            </a:lvl2pPr>
+            <a:lvl3pPr lvl="2">
+              <a:spcBef>
+                <a:spcPts val="0"/>
+              </a:spcBef>
+              <a:spcAft>
+                <a:spcPts val="0"/>
+              </a:spcAft>
+              <a:buClr>
+                <a:schemeClr val="lt1"/>
+              </a:buClr>
+              <a:buSzPts val="4200"/>
+              <a:buNone/>
+              <a:defRPr sz="4200">
+                <a:solidFill>
+                  <a:schemeClr val="lt1"/>
+                </a:solidFill>
+              </a:defRPr>
+            </a:lvl3pPr>
+            <a:lvl4pPr lvl="3">
+              <a:spcBef>
+                <a:spcPts val="0"/>
+              </a:spcBef>
+              <a:spcAft>
+                <a:spcPts val="0"/>
+              </a:spcAft>
+              <a:buClr>
+                <a:schemeClr val="lt1"/>
+              </a:buClr>
+              <a:buSzPts val="4200"/>
+              <a:buNone/>
+              <a:defRPr sz="4200">
+                <a:solidFill>
+                  <a:schemeClr val="lt1"/>
+                </a:solidFill>
+              </a:defRPr>
+            </a:lvl4pPr>
+            <a:lvl5pPr lvl="4">
+              <a:spcBef>
+                <a:spcPts val="0"/>
+              </a:spcBef>
+              <a:spcAft>
+                <a:spcPts val="0"/>
+              </a:spcAft>
+              <a:buClr>
+                <a:schemeClr val="lt1"/>
+              </a:buClr>
+              <a:buSzPts val="4200"/>
+              <a:buNone/>
+              <a:defRPr sz="4200">
+                <a:solidFill>
+                  <a:schemeClr val="lt1"/>
+                </a:solidFill>
+              </a:defRPr>
+            </a:lvl5pPr>
+            <a:lvl6pPr lvl="5">
+              <a:spcBef>
+                <a:spcPts val="0"/>
+              </a:spcBef>
+              <a:spcAft>
+                <a:spcPts val="0"/>
+              </a:spcAft>
+              <a:buClr>
+                <a:schemeClr val="lt1"/>
+              </a:buClr>
+              <a:buSzPts val="4200"/>
+              <a:buNone/>
+              <a:defRPr sz="4200">
+                <a:solidFill>
+                  <a:schemeClr val="lt1"/>
+                </a:solidFill>
+              </a:defRPr>
+            </a:lvl6pPr>
+            <a:lvl7pPr lvl="6">
+              <a:spcBef>
+                <a:spcPts val="0"/>
+              </a:spcBef>
+              <a:spcAft>
+                <a:spcPts val="0"/>
+              </a:spcAft>
+              <a:buClr>
+                <a:schemeClr val="lt1"/>
+              </a:buClr>
+              <a:buSzPts val="4200"/>
+              <a:buNone/>
+              <a:defRPr sz="4200">
+                <a:solidFill>
+                  <a:schemeClr val="lt1"/>
+                </a:solidFill>
+              </a:defRPr>
+            </a:lvl7pPr>
+            <a:lvl8pPr lvl="7">
+              <a:spcBef>
+                <a:spcPts val="0"/>
+              </a:spcBef>
+              <a:spcAft>
+                <a:spcPts val="0"/>
+              </a:spcAft>
+              <a:buClr>
+                <a:schemeClr val="lt1"/>
+              </a:buClr>
+              <a:buSzPts val="4200"/>
+              <a:buNone/>
+              <a:defRPr sz="4200">
+                <a:solidFill>
+                  <a:schemeClr val="lt1"/>
+                </a:solidFill>
+              </a:defRPr>
+            </a:lvl8pPr>
+            <a:lvl9pPr lvl="8">
+              <a:spcBef>
+                <a:spcPts val="0"/>
+              </a:spcBef>
+              <a:spcAft>
+                <a:spcPts val="0"/>
+              </a:spcAft>
+              <a:buClr>
+                <a:schemeClr val="lt1"/>
+              </a:buClr>
+              <a:buSzPts val="4200"/>
+              <a:buNone/>
+              <a:defRPr sz="4200">
+                <a:solidFill>
+                  <a:schemeClr val="lt1"/>
+                </a:solidFill>
+              </a:defRPr>
+            </a:lvl9pPr>
+          </a:lstStyle>
+          <a:p>
+            <a:endParaRPr/>
+          </a:p>
+        </p:txBody>
+      </p:sp>
+      <p:sp>
+        <p:nvSpPr>
+          <p:cNvPr id="27" name="Google Shape;27;p3"/>
+          <p:cNvSpPr txBox="1">
+            <a:spLocks noGrp="1"/>
+          </p:cNvSpPr>
+          <p:nvPr>
+            <p:ph type="sldNum" idx="12"/>
+          </p:nvPr>
+        </p:nvSpPr>
+        <p:spPr>
+          <a:xfrm>
+            <a:off x="8460431" y="4651190"/>
+            <a:ext cx="548700" cy="393600"/>
+          </a:xfrm>
+          <a:prstGeom prst="rect">
+            <a:avLst/>
+          </a:prstGeom>
+        </p:spPr>
+        <p:txBody>
+          <a:bodyPr spcFirstLastPara="1" wrap="square" lIns="91425" tIns="91425" rIns="91425" bIns="91425" anchor="ctr" anchorCtr="0">
+            <a:noAutofit/>
+          </a:bodyPr>
+          <a:lstStyle>
+            <a:lvl1pPr lvl="0">
+              <a:buNone/>
+              <a:defRPr/>
+            </a:lvl1pPr>
+            <a:lvl2pPr lvl="1">
+              <a:buNone/>
+              <a:defRPr/>
+            </a:lvl2pPr>
+            <a:lvl3pPr lvl="2">
+              <a:buNone/>
+              <a:defRPr/>
+            </a:lvl3pPr>
+            <a:lvl4pPr lvl="3">
+              <a:buNone/>
+              <a:defRPr/>
+            </a:lvl4pPr>
+            <a:lvl5pPr lvl="4">
+              <a:buNone/>
+              <a:defRPr/>
+            </a:lvl5pPr>
+            <a:lvl6pPr lvl="5">
+              <a:buNone/>
+              <a:defRPr/>
+            </a:lvl6pPr>
+            <a:lvl7pPr lvl="6">
+              <a:buNone/>
+              <a:defRPr/>
+            </a:lvl7pPr>
+            <a:lvl8pPr lvl="7">
+              <a:buNone/>
+              <a:defRPr/>
+            </a:lvl8pPr>
+            <a:lvl9pPr lvl="8">
+              <a:buNone/>
+              <a:defRPr/>
+            </a:lvl9pPr>
+          </a:lstStyle>
+          <a:p>
+            <a:pPr marL="0" lvl="0" indent="0" algn="r" rtl="0">
+              <a:spcBef>
+                <a:spcPts val="0"/>
+              </a:spcBef>
+              <a:spcAft>
+                <a:spcPts val="0"/>
+              </a:spcAft>
+              <a:buNone/>
+            </a:pPr>
+            <a:fld id="{00000000-1234-1234-1234-123412341234}" type="slidenum">
+              <a:rPr lang="fr"/>
+              <a:t>‹N°›</a:t>
+            </a:fld>
+            <a:endParaRPr/>
+          </a:p>
+        </p:txBody>
+      </p:sp>
+    </p:spTree>
+    <p:extLst>
+      <p:ext uri="{BB962C8B-B14F-4D97-AF65-F5344CB8AC3E}">
+        <p14:creationId xmlns:p14="http://schemas.microsoft.com/office/powerpoint/2010/main" val="1784729816"/>
+      </p:ext>
+    </p:extLst>
+  </p:cSld>
+  <p:clrMapOvr>
+    <a:masterClrMapping/>
+  </p:clrMapOvr>
+</p:sldLayout>
+</file>
+
+<file path=ppt/slideLayouts/slideLayout14.xml><?xml version="1.0" encoding="utf-8"?>
+<p:sldLayout xmlns:a="http://schemas.openxmlformats.org/drawingml/2006/main" xmlns:r="http://schemas.openxmlformats.org/officeDocument/2006/relationships" xmlns:p="http://schemas.openxmlformats.org/presentationml/2006/main" matchingName="Title and body" type="tx">
+  <p:cSld name="Title and body">
+    <p:spTree>
+      <p:nvGrpSpPr>
+        <p:cNvPr id="1" name="Shape 28"/>
+        <p:cNvGrpSpPr/>
+        <p:nvPr/>
+      </p:nvGrpSpPr>
+      <p:grpSpPr>
+        <a:xfrm>
+          <a:off x="0" y="0"/>
+          <a:ext cx="0" cy="0"/>
+          <a:chOff x="0" y="0"/>
+          <a:chExt cx="0" cy="0"/>
+        </a:xfrm>
+      </p:grpSpPr>
+      <p:grpSp>
+        <p:nvGrpSpPr>
+          <p:cNvPr id="29" name="Google Shape;29;p4"/>
+          <p:cNvGrpSpPr/>
+          <p:nvPr/>
+        </p:nvGrpSpPr>
+        <p:grpSpPr>
+          <a:xfrm>
+            <a:off x="0" y="3903669"/>
+            <a:ext cx="9144000" cy="1239925"/>
+            <a:chOff x="0" y="3903669"/>
+            <a:chExt cx="9144000" cy="1239925"/>
+          </a:xfrm>
+        </p:grpSpPr>
+        <p:sp>
+          <p:nvSpPr>
+            <p:cNvPr id="30" name="Google Shape;30;p4"/>
+            <p:cNvSpPr/>
+            <p:nvPr/>
+          </p:nvSpPr>
+          <p:spPr>
+            <a:xfrm>
+              <a:off x="8154895" y="3903669"/>
+              <a:ext cx="989100" cy="987900"/>
+            </a:xfrm>
+            <a:prstGeom prst="rtTriangle">
+              <a:avLst/>
+            </a:prstGeom>
+            <a:solidFill>
+              <a:schemeClr val="accent5"/>
+            </a:solidFill>
+            <a:ln>
+              <a:noFill/>
+            </a:ln>
+          </p:spPr>
+          <p:txBody>
+            <a:bodyPr spcFirstLastPara="1" wrap="square" lIns="91425" tIns="91425" rIns="91425" bIns="91425" anchor="ctr" anchorCtr="0">
+              <a:noAutofit/>
+            </a:bodyPr>
+            <a:lstStyle/>
+            <a:p>
+              <a:pPr marL="0" lvl="0" indent="0" algn="l" rtl="0">
+                <a:spcBef>
+                  <a:spcPts val="0"/>
+                </a:spcBef>
+                <a:spcAft>
+                  <a:spcPts val="0"/>
+                </a:spcAft>
+                <a:buNone/>
+              </a:pPr>
+              <a:endParaRPr/>
+            </a:p>
+          </p:txBody>
+        </p:sp>
+        <p:sp>
+          <p:nvSpPr>
+            <p:cNvPr id="31" name="Google Shape;31;p4"/>
+            <p:cNvSpPr/>
+            <p:nvPr/>
+          </p:nvSpPr>
+          <p:spPr>
+            <a:xfrm flipH="1">
+              <a:off x="6181163" y="3903669"/>
+              <a:ext cx="989100" cy="987900"/>
+            </a:xfrm>
+            <a:prstGeom prst="rtTriangle">
+              <a:avLst/>
+            </a:prstGeom>
+            <a:solidFill>
+              <a:schemeClr val="accent5"/>
+            </a:solidFill>
+            <a:ln>
+              <a:noFill/>
+            </a:ln>
+          </p:spPr>
+          <p:txBody>
+            <a:bodyPr spcFirstLastPara="1" wrap="square" lIns="91425" tIns="91425" rIns="91425" bIns="91425" anchor="ctr" anchorCtr="0">
+              <a:noAutofit/>
+            </a:bodyPr>
+            <a:lstStyle/>
+            <a:p>
+              <a:pPr marL="0" lvl="0" indent="0" algn="l" rtl="0">
+                <a:spcBef>
+                  <a:spcPts val="0"/>
+                </a:spcBef>
+                <a:spcAft>
+                  <a:spcPts val="0"/>
+                </a:spcAft>
+                <a:buNone/>
+              </a:pPr>
+              <a:endParaRPr/>
+            </a:p>
+          </p:txBody>
+        </p:sp>
+        <p:sp>
+          <p:nvSpPr>
+            <p:cNvPr id="32" name="Google Shape;32;p4"/>
+            <p:cNvSpPr/>
+            <p:nvPr/>
+          </p:nvSpPr>
+          <p:spPr>
+            <a:xfrm>
+              <a:off x="7170274" y="3903669"/>
+              <a:ext cx="989100" cy="987900"/>
+            </a:xfrm>
+            <a:prstGeom prst="rect">
+              <a:avLst/>
+            </a:prstGeom>
+            <a:solidFill>
+              <a:schemeClr val="accent4"/>
+            </a:solidFill>
+            <a:ln>
+              <a:noFill/>
+            </a:ln>
+          </p:spPr>
+          <p:txBody>
+            <a:bodyPr spcFirstLastPara="1" wrap="square" lIns="91425" tIns="91425" rIns="91425" bIns="91425" anchor="ctr" anchorCtr="0">
+              <a:noAutofit/>
+            </a:bodyPr>
+            <a:lstStyle/>
+            <a:p>
+              <a:pPr marL="0" lvl="0" indent="0" algn="l" rtl="0">
+                <a:spcBef>
+                  <a:spcPts val="0"/>
+                </a:spcBef>
+                <a:spcAft>
+                  <a:spcPts val="0"/>
+                </a:spcAft>
+                <a:buNone/>
+              </a:pPr>
+              <a:endParaRPr/>
+            </a:p>
+          </p:txBody>
+        </p:sp>
+        <p:sp>
+          <p:nvSpPr>
+            <p:cNvPr id="33" name="Google Shape;33;p4"/>
+            <p:cNvSpPr/>
+            <p:nvPr/>
+          </p:nvSpPr>
+          <p:spPr>
+            <a:xfrm rot="10800000">
+              <a:off x="8154757" y="3903682"/>
+              <a:ext cx="989100" cy="987900"/>
+            </a:xfrm>
+            <a:prstGeom prst="rtTriangle">
+              <a:avLst/>
+            </a:prstGeom>
+            <a:solidFill>
+              <a:schemeClr val="accent3"/>
+            </a:solidFill>
+            <a:ln>
+              <a:noFill/>
+            </a:ln>
+          </p:spPr>
+          <p:txBody>
+            <a:bodyPr spcFirstLastPara="1" wrap="square" lIns="91425" tIns="91425" rIns="91425" bIns="91425" anchor="ctr" anchorCtr="0">
+              <a:noAutofit/>
+            </a:bodyPr>
+            <a:lstStyle/>
+            <a:p>
+              <a:pPr marL="0" lvl="0" indent="0" algn="l" rtl="0">
+                <a:spcBef>
+                  <a:spcPts val="0"/>
+                </a:spcBef>
+                <a:spcAft>
+                  <a:spcPts val="0"/>
+                </a:spcAft>
+                <a:buNone/>
+              </a:pPr>
+              <a:endParaRPr/>
+            </a:p>
+          </p:txBody>
+        </p:sp>
+        <p:sp>
+          <p:nvSpPr>
+            <p:cNvPr id="34" name="Google Shape;34;p4"/>
+            <p:cNvSpPr/>
+            <p:nvPr/>
+          </p:nvSpPr>
+          <p:spPr>
+            <a:xfrm>
+              <a:off x="0" y="4891594"/>
+              <a:ext cx="9144000" cy="252000"/>
+            </a:xfrm>
+            <a:prstGeom prst="rect">
+              <a:avLst/>
+            </a:prstGeom>
+            <a:solidFill>
+              <a:schemeClr val="dk1"/>
+            </a:solidFill>
+            <a:ln>
+              <a:noFill/>
+            </a:ln>
+          </p:spPr>
+          <p:txBody>
+            <a:bodyPr spcFirstLastPara="1" wrap="square" lIns="91425" tIns="91425" rIns="91425" bIns="91425" anchor="ctr" anchorCtr="0">
+              <a:noAutofit/>
+            </a:bodyPr>
+            <a:lstStyle/>
+            <a:p>
+              <a:pPr marL="0" lvl="0" indent="0" algn="l" rtl="0">
+                <a:spcBef>
+                  <a:spcPts val="0"/>
+                </a:spcBef>
+                <a:spcAft>
+                  <a:spcPts val="0"/>
+                </a:spcAft>
+                <a:buNone/>
+              </a:pPr>
+              <a:endParaRPr/>
+            </a:p>
+          </p:txBody>
+        </p:sp>
+      </p:grpSp>
+      <p:sp>
+        <p:nvSpPr>
+          <p:cNvPr id="35" name="Google Shape;35;p4"/>
+          <p:cNvSpPr txBox="1">
+            <a:spLocks noGrp="1"/>
+          </p:cNvSpPr>
+          <p:nvPr>
+            <p:ph type="title"/>
+          </p:nvPr>
+        </p:nvSpPr>
+        <p:spPr>
+          <a:xfrm>
+            <a:off x="311700" y="410000"/>
+            <a:ext cx="8520600" cy="607800"/>
+          </a:xfrm>
+          <a:prstGeom prst="rect">
+            <a:avLst/>
+          </a:prstGeom>
+        </p:spPr>
+        <p:txBody>
+          <a:bodyPr spcFirstLastPara="1" wrap="square" lIns="91425" tIns="91425" rIns="91425" bIns="91425" anchor="t" anchorCtr="0">
+            <a:noAutofit/>
+          </a:bodyPr>
+          <a:lstStyle>
+            <a:lvl1pPr lvl="0">
+              <a:spcBef>
+                <a:spcPts val="0"/>
+              </a:spcBef>
+              <a:spcAft>
+                <a:spcPts val="0"/>
+              </a:spcAft>
+              <a:buSzPts val="3000"/>
+              <a:buNone/>
+              <a:defRPr/>
+            </a:lvl1pPr>
+            <a:lvl2pPr lvl="1">
+              <a:spcBef>
+                <a:spcPts val="0"/>
+              </a:spcBef>
+              <a:spcAft>
+                <a:spcPts val="0"/>
+              </a:spcAft>
+              <a:buSzPts val="3000"/>
+              <a:buNone/>
+              <a:defRPr/>
+            </a:lvl2pPr>
+            <a:lvl3pPr lvl="2">
+              <a:spcBef>
+                <a:spcPts val="0"/>
+              </a:spcBef>
+              <a:spcAft>
+                <a:spcPts val="0"/>
+              </a:spcAft>
+              <a:buSzPts val="3000"/>
+              <a:buNone/>
+              <a:defRPr/>
+            </a:lvl3pPr>
+            <a:lvl4pPr lvl="3">
+              <a:spcBef>
+                <a:spcPts val="0"/>
+              </a:spcBef>
+              <a:spcAft>
+                <a:spcPts val="0"/>
+              </a:spcAft>
+              <a:buSzPts val="3000"/>
+              <a:buNone/>
+              <a:defRPr/>
+            </a:lvl4pPr>
+            <a:lvl5pPr lvl="4">
+              <a:spcBef>
+                <a:spcPts val="0"/>
+              </a:spcBef>
+              <a:spcAft>
+                <a:spcPts val="0"/>
+              </a:spcAft>
+              <a:buSzPts val="3000"/>
+              <a:buNone/>
+              <a:defRPr/>
+            </a:lvl5pPr>
+            <a:lvl6pPr lvl="5">
+              <a:spcBef>
+                <a:spcPts val="0"/>
+              </a:spcBef>
+              <a:spcAft>
+                <a:spcPts val="0"/>
+              </a:spcAft>
+              <a:buSzPts val="3000"/>
+              <a:buNone/>
+              <a:defRPr/>
+            </a:lvl6pPr>
+            <a:lvl7pPr lvl="6">
+              <a:spcBef>
+                <a:spcPts val="0"/>
+              </a:spcBef>
+              <a:spcAft>
+                <a:spcPts val="0"/>
+              </a:spcAft>
+              <a:buSzPts val="3000"/>
+              <a:buNone/>
+              <a:defRPr/>
+            </a:lvl7pPr>
+            <a:lvl8pPr lvl="7">
+              <a:spcBef>
+                <a:spcPts val="0"/>
+              </a:spcBef>
+              <a:spcAft>
+                <a:spcPts val="0"/>
+              </a:spcAft>
+              <a:buSzPts val="3000"/>
+              <a:buNone/>
+              <a:defRPr/>
+            </a:lvl8pPr>
+            <a:lvl9pPr lvl="8">
+              <a:spcBef>
+                <a:spcPts val="0"/>
+              </a:spcBef>
+              <a:spcAft>
+                <a:spcPts val="0"/>
+              </a:spcAft>
+              <a:buSzPts val="3000"/>
+              <a:buNone/>
+              <a:defRPr/>
+            </a:lvl9pPr>
+          </a:lstStyle>
+          <a:p>
+            <a:endParaRPr/>
+          </a:p>
+        </p:txBody>
+      </p:sp>
+      <p:sp>
+        <p:nvSpPr>
+          <p:cNvPr id="36" name="Google Shape;36;p4"/>
+          <p:cNvSpPr txBox="1">
+            <a:spLocks noGrp="1"/>
+          </p:cNvSpPr>
+          <p:nvPr>
+            <p:ph type="body" idx="1"/>
+          </p:nvPr>
+        </p:nvSpPr>
+        <p:spPr>
+          <a:xfrm>
+            <a:off x="311700" y="1229875"/>
+            <a:ext cx="8520600" cy="3339000"/>
+          </a:xfrm>
+          <a:prstGeom prst="rect">
+            <a:avLst/>
+          </a:prstGeom>
+        </p:spPr>
+        <p:txBody>
+          <a:bodyPr spcFirstLastPara="1" wrap="square" lIns="91425" tIns="91425" rIns="91425" bIns="91425" anchor="t" anchorCtr="0">
+            <a:noAutofit/>
+          </a:bodyPr>
+          <a:lstStyle>
+            <a:lvl1pPr marL="457200" lvl="0" indent="-342900">
+              <a:spcBef>
+                <a:spcPts val="0"/>
+              </a:spcBef>
+              <a:spcAft>
+                <a:spcPts val="0"/>
+              </a:spcAft>
+              <a:buSzPts val="1800"/>
+              <a:buChar char="●"/>
+              <a:defRPr/>
+            </a:lvl1pPr>
+            <a:lvl2pPr marL="914400" lvl="1" indent="-317500">
+              <a:spcBef>
+                <a:spcPts val="1600"/>
+              </a:spcBef>
+              <a:spcAft>
+                <a:spcPts val="0"/>
+              </a:spcAft>
+              <a:buSzPts val="1400"/>
+              <a:buChar char="○"/>
+              <a:defRPr/>
+            </a:lvl2pPr>
+            <a:lvl3pPr marL="1371600" lvl="2" indent="-317500">
+              <a:spcBef>
+                <a:spcPts val="1600"/>
+              </a:spcBef>
+              <a:spcAft>
+                <a:spcPts val="0"/>
+              </a:spcAft>
+              <a:buSzPts val="1400"/>
+              <a:buChar char="■"/>
+              <a:defRPr/>
+            </a:lvl3pPr>
+            <a:lvl4pPr marL="1828800" lvl="3" indent="-317500">
+              <a:spcBef>
+                <a:spcPts val="1600"/>
+              </a:spcBef>
+              <a:spcAft>
+                <a:spcPts val="0"/>
+              </a:spcAft>
+              <a:buSzPts val="1400"/>
+              <a:buChar char="●"/>
+              <a:defRPr/>
+            </a:lvl4pPr>
+            <a:lvl5pPr marL="2286000" lvl="4" indent="-317500">
+              <a:spcBef>
+                <a:spcPts val="1600"/>
+              </a:spcBef>
+              <a:spcAft>
+                <a:spcPts val="0"/>
+              </a:spcAft>
+              <a:buSzPts val="1400"/>
+              <a:buChar char="○"/>
+              <a:defRPr/>
+            </a:lvl5pPr>
+            <a:lvl6pPr marL="2743200" lvl="5" indent="-317500">
+              <a:spcBef>
+                <a:spcPts val="1600"/>
+              </a:spcBef>
+              <a:spcAft>
+                <a:spcPts val="0"/>
+              </a:spcAft>
+              <a:buSzPts val="1400"/>
+              <a:buChar char="■"/>
+              <a:defRPr/>
+            </a:lvl6pPr>
+            <a:lvl7pPr marL="3200400" lvl="6" indent="-317500">
+              <a:spcBef>
+                <a:spcPts val="1600"/>
+              </a:spcBef>
+              <a:spcAft>
+                <a:spcPts val="0"/>
+              </a:spcAft>
+              <a:buSzPts val="1400"/>
+              <a:buChar char="●"/>
+              <a:defRPr/>
+            </a:lvl7pPr>
+            <a:lvl8pPr marL="3657600" lvl="7" indent="-317500">
+              <a:spcBef>
+                <a:spcPts val="1600"/>
+              </a:spcBef>
+              <a:spcAft>
+                <a:spcPts val="0"/>
+              </a:spcAft>
+              <a:buSzPts val="1400"/>
+              <a:buChar char="○"/>
+              <a:defRPr/>
+            </a:lvl8pPr>
+            <a:lvl9pPr marL="4114800" lvl="8" indent="-317500">
+              <a:spcBef>
+                <a:spcPts val="1600"/>
+              </a:spcBef>
+              <a:spcAft>
+                <a:spcPts val="1600"/>
+              </a:spcAft>
+              <a:buSzPts val="1400"/>
+              <a:buChar char="■"/>
+              <a:defRPr/>
+            </a:lvl9pPr>
+          </a:lstStyle>
+          <a:p>
+            <a:endParaRPr/>
+          </a:p>
+        </p:txBody>
+      </p:sp>
+      <p:sp>
+        <p:nvSpPr>
+          <p:cNvPr id="37" name="Google Shape;37;p4"/>
+          <p:cNvSpPr txBox="1">
+            <a:spLocks noGrp="1"/>
+          </p:cNvSpPr>
+          <p:nvPr>
+            <p:ph type="sldNum" idx="12"/>
+          </p:nvPr>
+        </p:nvSpPr>
+        <p:spPr>
+          <a:xfrm>
+            <a:off x="8460431" y="4651190"/>
+            <a:ext cx="548700" cy="393600"/>
+          </a:xfrm>
+          <a:prstGeom prst="rect">
+            <a:avLst/>
+          </a:prstGeom>
+        </p:spPr>
+        <p:txBody>
+          <a:bodyPr spcFirstLastPara="1" wrap="square" lIns="91425" tIns="91425" rIns="91425" bIns="91425" anchor="ctr" anchorCtr="0">
+            <a:noAutofit/>
+          </a:bodyPr>
+          <a:lstStyle>
+            <a:lvl1pPr lvl="0">
+              <a:buNone/>
+              <a:defRPr/>
+            </a:lvl1pPr>
+            <a:lvl2pPr lvl="1">
+              <a:buNone/>
+              <a:defRPr/>
+            </a:lvl2pPr>
+            <a:lvl3pPr lvl="2">
+              <a:buNone/>
+              <a:defRPr/>
+            </a:lvl3pPr>
+            <a:lvl4pPr lvl="3">
+              <a:buNone/>
+              <a:defRPr/>
+            </a:lvl4pPr>
+            <a:lvl5pPr lvl="4">
+              <a:buNone/>
+              <a:defRPr/>
+            </a:lvl5pPr>
+            <a:lvl6pPr lvl="5">
+              <a:buNone/>
+              <a:defRPr/>
+            </a:lvl6pPr>
+            <a:lvl7pPr lvl="6">
+              <a:buNone/>
+              <a:defRPr/>
+            </a:lvl7pPr>
+            <a:lvl8pPr lvl="7">
+              <a:buNone/>
+              <a:defRPr/>
+            </a:lvl8pPr>
+            <a:lvl9pPr lvl="8">
+              <a:buNone/>
+              <a:defRPr/>
+            </a:lvl9pPr>
+          </a:lstStyle>
+          <a:p>
+            <a:pPr marL="0" lvl="0" indent="0" algn="r" rtl="0">
+              <a:spcBef>
+                <a:spcPts val="0"/>
+              </a:spcBef>
+              <a:spcAft>
+                <a:spcPts val="0"/>
+              </a:spcAft>
+              <a:buNone/>
+            </a:pPr>
+            <a:fld id="{00000000-1234-1234-1234-123412341234}" type="slidenum">
+              <a:rPr lang="fr"/>
+              <a:t>‹N°›</a:t>
+            </a:fld>
+            <a:endParaRPr/>
+          </a:p>
+        </p:txBody>
+      </p:sp>
+    </p:spTree>
+    <p:extLst>
+      <p:ext uri="{BB962C8B-B14F-4D97-AF65-F5344CB8AC3E}">
+        <p14:creationId xmlns:p14="http://schemas.microsoft.com/office/powerpoint/2010/main" val="3289875716"/>
+      </p:ext>
+    </p:extLst>
+  </p:cSld>
+  <p:clrMapOvr>
+    <a:masterClrMapping/>
+  </p:clrMapOvr>
+</p:sldLayout>
+</file>
+
+<file path=ppt/slideLayouts/slideLayout15.xml><?xml version="1.0" encoding="utf-8"?>
+<p:sldLayout xmlns:a="http://schemas.openxmlformats.org/drawingml/2006/main" xmlns:r="http://schemas.openxmlformats.org/officeDocument/2006/relationships" xmlns:p="http://schemas.openxmlformats.org/presentationml/2006/main" matchingName="Title and two columns" type="twoColTx">
+  <p:cSld name="Title and two columns">
+    <p:spTree>
+      <p:nvGrpSpPr>
+        <p:cNvPr id="1" name="Shape 38"/>
+        <p:cNvGrpSpPr/>
+        <p:nvPr/>
+      </p:nvGrpSpPr>
+      <p:grpSpPr>
+        <a:xfrm>
+          <a:off x="0" y="0"/>
+          <a:ext cx="0" cy="0"/>
+          <a:chOff x="0" y="0"/>
+          <a:chExt cx="0" cy="0"/>
+        </a:xfrm>
+      </p:grpSpPr>
+      <p:sp>
+        <p:nvSpPr>
+          <p:cNvPr id="39" name="Google Shape;39;p5"/>
+          <p:cNvSpPr txBox="1">
+            <a:spLocks noGrp="1"/>
+          </p:cNvSpPr>
+          <p:nvPr>
+            <p:ph type="title"/>
+          </p:nvPr>
+        </p:nvSpPr>
+        <p:spPr>
+          <a:xfrm>
+            <a:off x="311700" y="410000"/>
+            <a:ext cx="8520600" cy="607800"/>
+          </a:xfrm>
+          <a:prstGeom prst="rect">
+            <a:avLst/>
+          </a:prstGeom>
+        </p:spPr>
+        <p:txBody>
+          <a:bodyPr spcFirstLastPara="1" wrap="square" lIns="91425" tIns="91425" rIns="91425" bIns="91425" anchor="t" anchorCtr="0">
+            <a:noAutofit/>
+          </a:bodyPr>
+          <a:lstStyle>
+            <a:lvl1pPr lvl="0">
+              <a:spcBef>
+                <a:spcPts val="0"/>
+              </a:spcBef>
+              <a:spcAft>
+                <a:spcPts val="0"/>
+              </a:spcAft>
+              <a:buSzPts val="3000"/>
+              <a:buNone/>
+              <a:defRPr/>
+            </a:lvl1pPr>
+            <a:lvl2pPr lvl="1">
+              <a:spcBef>
+                <a:spcPts val="0"/>
+              </a:spcBef>
+              <a:spcAft>
+                <a:spcPts val="0"/>
+              </a:spcAft>
+              <a:buSzPts val="3000"/>
+              <a:buNone/>
+              <a:defRPr/>
+            </a:lvl2pPr>
+            <a:lvl3pPr lvl="2">
+              <a:spcBef>
+                <a:spcPts val="0"/>
+              </a:spcBef>
+              <a:spcAft>
+                <a:spcPts val="0"/>
+              </a:spcAft>
+              <a:buSzPts val="3000"/>
+              <a:buNone/>
+              <a:defRPr/>
+            </a:lvl3pPr>
+            <a:lvl4pPr lvl="3">
+              <a:spcBef>
+                <a:spcPts val="0"/>
+              </a:spcBef>
+              <a:spcAft>
+                <a:spcPts val="0"/>
+              </a:spcAft>
+              <a:buSzPts val="3000"/>
+              <a:buNone/>
+              <a:defRPr/>
+            </a:lvl4pPr>
+            <a:lvl5pPr lvl="4">
+              <a:spcBef>
+                <a:spcPts val="0"/>
+              </a:spcBef>
+              <a:spcAft>
+                <a:spcPts val="0"/>
+              </a:spcAft>
+              <a:buSzPts val="3000"/>
+              <a:buNone/>
+              <a:defRPr/>
+            </a:lvl5pPr>
+            <a:lvl6pPr lvl="5">
+              <a:spcBef>
+                <a:spcPts val="0"/>
+              </a:spcBef>
+              <a:spcAft>
+                <a:spcPts val="0"/>
+              </a:spcAft>
+              <a:buSzPts val="3000"/>
+              <a:buNone/>
+              <a:defRPr/>
+            </a:lvl6pPr>
+            <a:lvl7pPr lvl="6">
+              <a:spcBef>
+                <a:spcPts val="0"/>
+              </a:spcBef>
+              <a:spcAft>
+                <a:spcPts val="0"/>
+              </a:spcAft>
+              <a:buSzPts val="3000"/>
+              <a:buNone/>
+              <a:defRPr/>
+            </a:lvl7pPr>
+            <a:lvl8pPr lvl="7">
+              <a:spcBef>
+                <a:spcPts val="0"/>
+              </a:spcBef>
+              <a:spcAft>
+                <a:spcPts val="0"/>
+              </a:spcAft>
+              <a:buSzPts val="3000"/>
+              <a:buNone/>
+              <a:defRPr/>
+            </a:lvl8pPr>
+            <a:lvl9pPr lvl="8">
+              <a:spcBef>
+                <a:spcPts val="0"/>
+              </a:spcBef>
+              <a:spcAft>
+                <a:spcPts val="0"/>
+              </a:spcAft>
+              <a:buSzPts val="3000"/>
+              <a:buNone/>
+              <a:defRPr/>
+            </a:lvl9pPr>
+          </a:lstStyle>
+          <a:p>
+            <a:endParaRPr/>
+          </a:p>
+        </p:txBody>
+      </p:sp>
+      <p:sp>
+        <p:nvSpPr>
+          <p:cNvPr id="40" name="Google Shape;40;p5"/>
+          <p:cNvSpPr txBox="1">
+            <a:spLocks noGrp="1"/>
+          </p:cNvSpPr>
+          <p:nvPr>
+            <p:ph type="body" idx="1"/>
+          </p:nvPr>
+        </p:nvSpPr>
+        <p:spPr>
+          <a:xfrm>
+            <a:off x="311700" y="1229975"/>
+            <a:ext cx="3999900" cy="3339000"/>
+          </a:xfrm>
+          <a:prstGeom prst="rect">
+            <a:avLst/>
+          </a:prstGeom>
+        </p:spPr>
+        <p:txBody>
+          <a:bodyPr spcFirstLastPara="1" wrap="square" lIns="91425" tIns="91425" rIns="91425" bIns="91425" anchor="t" anchorCtr="0">
+            <a:noAutofit/>
+          </a:bodyPr>
+          <a:lstStyle>
+            <a:lvl1pPr marL="457200" lvl="0" indent="-317500">
+              <a:spcBef>
+                <a:spcPts val="0"/>
+              </a:spcBef>
+              <a:spcAft>
+                <a:spcPts val="0"/>
+              </a:spcAft>
+              <a:buSzPts val="1400"/>
+              <a:buChar char="●"/>
+              <a:defRPr sz="1400"/>
+            </a:lvl1pPr>
+            <a:lvl2pPr marL="914400" lvl="1" indent="-304800">
+              <a:spcBef>
+                <a:spcPts val="1600"/>
+              </a:spcBef>
+              <a:spcAft>
+                <a:spcPts val="0"/>
+              </a:spcAft>
+              <a:buSzPts val="1200"/>
+              <a:buChar char="○"/>
+              <a:defRPr sz="1200"/>
+            </a:lvl2pPr>
+            <a:lvl3pPr marL="1371600" lvl="2" indent="-304800">
+              <a:spcBef>
+                <a:spcPts val="1600"/>
+              </a:spcBef>
+              <a:spcAft>
+                <a:spcPts val="0"/>
+              </a:spcAft>
+              <a:buSzPts val="1200"/>
+              <a:buChar char="■"/>
+              <a:defRPr sz="1200"/>
+            </a:lvl3pPr>
+            <a:lvl4pPr marL="1828800" lvl="3" indent="-304800">
+              <a:spcBef>
+                <a:spcPts val="1600"/>
+              </a:spcBef>
+              <a:spcAft>
+                <a:spcPts val="0"/>
+              </a:spcAft>
+              <a:buSzPts val="1200"/>
+              <a:buChar char="●"/>
+              <a:defRPr sz="1200"/>
+            </a:lvl4pPr>
+            <a:lvl5pPr marL="2286000" lvl="4" indent="-304800">
+              <a:spcBef>
+                <a:spcPts val="1600"/>
+              </a:spcBef>
+              <a:spcAft>
+                <a:spcPts val="0"/>
+              </a:spcAft>
+              <a:buSzPts val="1200"/>
+              <a:buChar char="○"/>
+              <a:defRPr sz="1200"/>
+            </a:lvl5pPr>
+            <a:lvl6pPr marL="2743200" lvl="5" indent="-304800">
+              <a:spcBef>
+                <a:spcPts val="1600"/>
+              </a:spcBef>
+              <a:spcAft>
+                <a:spcPts val="0"/>
+              </a:spcAft>
+              <a:buSzPts val="1200"/>
+              <a:buChar char="■"/>
+              <a:defRPr sz="1200"/>
+            </a:lvl6pPr>
+            <a:lvl7pPr marL="3200400" lvl="6" indent="-304800">
+              <a:spcBef>
+                <a:spcPts val="1600"/>
+              </a:spcBef>
+              <a:spcAft>
+                <a:spcPts val="0"/>
+              </a:spcAft>
+              <a:buSzPts val="1200"/>
+              <a:buChar char="●"/>
+              <a:defRPr sz="1200"/>
+            </a:lvl7pPr>
+            <a:lvl8pPr marL="3657600" lvl="7" indent="-304800">
+              <a:spcBef>
+                <a:spcPts val="1600"/>
+              </a:spcBef>
+              <a:spcAft>
+                <a:spcPts val="0"/>
+              </a:spcAft>
+              <a:buSzPts val="1200"/>
+              <a:buChar char="○"/>
+              <a:defRPr sz="1200"/>
+            </a:lvl8pPr>
+            <a:lvl9pPr marL="4114800" lvl="8" indent="-304800">
+              <a:spcBef>
+                <a:spcPts val="1600"/>
+              </a:spcBef>
+              <a:spcAft>
+                <a:spcPts val="1600"/>
+              </a:spcAft>
+              <a:buSzPts val="1200"/>
+              <a:buChar char="■"/>
+              <a:defRPr sz="1200"/>
+            </a:lvl9pPr>
+          </a:lstStyle>
+          <a:p>
+            <a:endParaRPr/>
+          </a:p>
+        </p:txBody>
+      </p:sp>
+      <p:sp>
+        <p:nvSpPr>
+          <p:cNvPr id="41" name="Google Shape;41;p5"/>
+          <p:cNvSpPr txBox="1">
+            <a:spLocks noGrp="1"/>
+          </p:cNvSpPr>
+          <p:nvPr>
+            <p:ph type="body" idx="2"/>
+          </p:nvPr>
+        </p:nvSpPr>
+        <p:spPr>
+          <a:xfrm>
+            <a:off x="4832400" y="1229975"/>
+            <a:ext cx="3999900" cy="3339000"/>
+          </a:xfrm>
+          <a:prstGeom prst="rect">
+            <a:avLst/>
+          </a:prstGeom>
+        </p:spPr>
+        <p:txBody>
+          <a:bodyPr spcFirstLastPara="1" wrap="square" lIns="91425" tIns="91425" rIns="91425" bIns="91425" anchor="t" anchorCtr="0">
+            <a:noAutofit/>
+          </a:bodyPr>
+          <a:lstStyle>
+            <a:lvl1pPr marL="457200" lvl="0" indent="-317500">
+              <a:spcBef>
+                <a:spcPts val="0"/>
+              </a:spcBef>
+              <a:spcAft>
+                <a:spcPts val="0"/>
+              </a:spcAft>
+              <a:buSzPts val="1400"/>
+              <a:buChar char="●"/>
+              <a:defRPr sz="1400"/>
+            </a:lvl1pPr>
+            <a:lvl2pPr marL="914400" lvl="1" indent="-304800">
+              <a:spcBef>
+                <a:spcPts val="1600"/>
+              </a:spcBef>
+              <a:spcAft>
+                <a:spcPts val="0"/>
+              </a:spcAft>
+              <a:buSzPts val="1200"/>
+              <a:buChar char="○"/>
+              <a:defRPr sz="1200"/>
+            </a:lvl2pPr>
+            <a:lvl3pPr marL="1371600" lvl="2" indent="-304800">
+              <a:spcBef>
+                <a:spcPts val="1600"/>
+              </a:spcBef>
+              <a:spcAft>
+                <a:spcPts val="0"/>
+              </a:spcAft>
+              <a:buSzPts val="1200"/>
+              <a:buChar char="■"/>
+              <a:defRPr sz="1200"/>
+            </a:lvl3pPr>
+            <a:lvl4pPr marL="1828800" lvl="3" indent="-304800">
+              <a:spcBef>
+                <a:spcPts val="1600"/>
+              </a:spcBef>
+              <a:spcAft>
+                <a:spcPts val="0"/>
+              </a:spcAft>
+              <a:buSzPts val="1200"/>
+              <a:buChar char="●"/>
+              <a:defRPr sz="1200"/>
+            </a:lvl4pPr>
+            <a:lvl5pPr marL="2286000" lvl="4" indent="-304800">
+              <a:spcBef>
+                <a:spcPts val="1600"/>
+              </a:spcBef>
+              <a:spcAft>
+                <a:spcPts val="0"/>
+              </a:spcAft>
+              <a:buSzPts val="1200"/>
+              <a:buChar char="○"/>
+              <a:defRPr sz="1200"/>
+            </a:lvl5pPr>
+            <a:lvl6pPr marL="2743200" lvl="5" indent="-304800">
+              <a:spcBef>
+                <a:spcPts val="1600"/>
+              </a:spcBef>
+              <a:spcAft>
+                <a:spcPts val="0"/>
+              </a:spcAft>
+              <a:buSzPts val="1200"/>
+              <a:buChar char="■"/>
+              <a:defRPr sz="1200"/>
+            </a:lvl6pPr>
+            <a:lvl7pPr marL="3200400" lvl="6" indent="-304800">
+              <a:spcBef>
+                <a:spcPts val="1600"/>
+              </a:spcBef>
+              <a:spcAft>
+                <a:spcPts val="0"/>
+              </a:spcAft>
+              <a:buSzPts val="1200"/>
+              <a:buChar char="●"/>
+              <a:defRPr sz="1200"/>
+            </a:lvl7pPr>
+            <a:lvl8pPr marL="3657600" lvl="7" indent="-304800">
+              <a:spcBef>
+                <a:spcPts val="1600"/>
+              </a:spcBef>
+              <a:spcAft>
+                <a:spcPts val="0"/>
+              </a:spcAft>
+              <a:buSzPts val="1200"/>
+              <a:buChar char="○"/>
+              <a:defRPr sz="1200"/>
+            </a:lvl8pPr>
+            <a:lvl9pPr marL="4114800" lvl="8" indent="-304800">
+              <a:spcBef>
+                <a:spcPts val="1600"/>
+              </a:spcBef>
+              <a:spcAft>
+                <a:spcPts val="1600"/>
+              </a:spcAft>
+              <a:buSzPts val="1200"/>
+              <a:buChar char="■"/>
+              <a:defRPr sz="1200"/>
+            </a:lvl9pPr>
+          </a:lstStyle>
+          <a:p>
+            <a:endParaRPr/>
+          </a:p>
+        </p:txBody>
+      </p:sp>
+      <p:sp>
+        <p:nvSpPr>
+          <p:cNvPr id="42" name="Google Shape;42;p5"/>
+          <p:cNvSpPr txBox="1">
+            <a:spLocks noGrp="1"/>
+          </p:cNvSpPr>
+          <p:nvPr>
+            <p:ph type="sldNum" idx="12"/>
+          </p:nvPr>
+        </p:nvSpPr>
+        <p:spPr>
+          <a:xfrm>
+            <a:off x="8460431" y="4651190"/>
+            <a:ext cx="548700" cy="393600"/>
+          </a:xfrm>
+          <a:prstGeom prst="rect">
+            <a:avLst/>
+          </a:prstGeom>
+        </p:spPr>
+        <p:txBody>
+          <a:bodyPr spcFirstLastPara="1" wrap="square" lIns="91425" tIns="91425" rIns="91425" bIns="91425" anchor="ctr" anchorCtr="0">
+            <a:noAutofit/>
+          </a:bodyPr>
+          <a:lstStyle>
+            <a:lvl1pPr lvl="0">
+              <a:buNone/>
+              <a:defRPr>
+                <a:solidFill>
+                  <a:schemeClr val="dk2"/>
+                </a:solidFill>
+              </a:defRPr>
+            </a:lvl1pPr>
+            <a:lvl2pPr lvl="1">
+              <a:buNone/>
+              <a:defRPr>
+                <a:solidFill>
+                  <a:schemeClr val="dk2"/>
+                </a:solidFill>
+              </a:defRPr>
+            </a:lvl2pPr>
+            <a:lvl3pPr lvl="2">
+              <a:buNone/>
+              <a:defRPr>
+                <a:solidFill>
+                  <a:schemeClr val="dk2"/>
+                </a:solidFill>
+              </a:defRPr>
+            </a:lvl3pPr>
+            <a:lvl4pPr lvl="3">
+              <a:buNone/>
+              <a:defRPr>
+                <a:solidFill>
+                  <a:schemeClr val="dk2"/>
+                </a:solidFill>
+              </a:defRPr>
+            </a:lvl4pPr>
+            <a:lvl5pPr lvl="4">
+              <a:buNone/>
+              <a:defRPr>
+                <a:solidFill>
+                  <a:schemeClr val="dk2"/>
+                </a:solidFill>
+              </a:defRPr>
+            </a:lvl5pPr>
+            <a:lvl6pPr lvl="5">
+              <a:buNone/>
+              <a:defRPr>
+                <a:solidFill>
+                  <a:schemeClr val="dk2"/>
+                </a:solidFill>
+              </a:defRPr>
+            </a:lvl6pPr>
+            <a:lvl7pPr lvl="6">
+              <a:buNone/>
+              <a:defRPr>
+                <a:solidFill>
+                  <a:schemeClr val="dk2"/>
+                </a:solidFill>
+              </a:defRPr>
+            </a:lvl7pPr>
+            <a:lvl8pPr lvl="7">
+              <a:buNone/>
+              <a:defRPr>
+                <a:solidFill>
+                  <a:schemeClr val="dk2"/>
+                </a:solidFill>
+              </a:defRPr>
+            </a:lvl8pPr>
+            <a:lvl9pPr lvl="8">
+              <a:buNone/>
+              <a:defRPr>
+                <a:solidFill>
+                  <a:schemeClr val="dk2"/>
+                </a:solidFill>
+              </a:defRPr>
+            </a:lvl9pPr>
+          </a:lstStyle>
+          <a:p>
+            <a:pPr marL="0" lvl="0" indent="0" algn="r" rtl="0">
+              <a:spcBef>
+                <a:spcPts val="0"/>
+              </a:spcBef>
+              <a:spcAft>
+                <a:spcPts val="0"/>
+              </a:spcAft>
+              <a:buNone/>
+            </a:pPr>
+            <a:fld id="{00000000-1234-1234-1234-123412341234}" type="slidenum">
+              <a:rPr lang="fr"/>
+              <a:t>‹N°›</a:t>
+            </a:fld>
+            <a:endParaRPr/>
+          </a:p>
+        </p:txBody>
+      </p:sp>
+    </p:spTree>
+    <p:extLst>
+      <p:ext uri="{BB962C8B-B14F-4D97-AF65-F5344CB8AC3E}">
+        <p14:creationId xmlns:p14="http://schemas.microsoft.com/office/powerpoint/2010/main" val="2299975024"/>
+      </p:ext>
+    </p:extLst>
+  </p:cSld>
+  <p:clrMapOvr>
+    <a:masterClrMapping/>
+  </p:clrMapOvr>
+</p:sldLayout>
+</file>
+
+<file path=ppt/slideLayouts/slideLayout16.xml><?xml version="1.0" encoding="utf-8"?>
+<p:sldLayout xmlns:a="http://schemas.openxmlformats.org/drawingml/2006/main" xmlns:r="http://schemas.openxmlformats.org/officeDocument/2006/relationships" xmlns:p="http://schemas.openxmlformats.org/presentationml/2006/main" matchingName="Title only" type="titleOnly">
+  <p:cSld name="Title only">
+    <p:spTree>
+      <p:nvGrpSpPr>
+        <p:cNvPr id="1" name="Shape 43"/>
+        <p:cNvGrpSpPr/>
+        <p:nvPr/>
+      </p:nvGrpSpPr>
+      <p:grpSpPr>
+        <a:xfrm>
+          <a:off x="0" y="0"/>
+          <a:ext cx="0" cy="0"/>
+          <a:chOff x="0" y="0"/>
+          <a:chExt cx="0" cy="0"/>
+        </a:xfrm>
+      </p:grpSpPr>
+      <p:sp>
+        <p:nvSpPr>
+          <p:cNvPr id="44" name="Google Shape;44;p6"/>
+          <p:cNvSpPr txBox="1">
+            <a:spLocks noGrp="1"/>
+          </p:cNvSpPr>
+          <p:nvPr>
+            <p:ph type="title"/>
+          </p:nvPr>
+        </p:nvSpPr>
+        <p:spPr>
+          <a:xfrm>
+            <a:off x="311700" y="410000"/>
+            <a:ext cx="8520600" cy="607800"/>
+          </a:xfrm>
+          <a:prstGeom prst="rect">
+            <a:avLst/>
+          </a:prstGeom>
+        </p:spPr>
+        <p:txBody>
+          <a:bodyPr spcFirstLastPara="1" wrap="square" lIns="91425" tIns="91425" rIns="91425" bIns="91425" anchor="t" anchorCtr="0">
+            <a:noAutofit/>
+          </a:bodyPr>
+          <a:lstStyle>
+            <a:lvl1pPr lvl="0">
+              <a:spcBef>
+                <a:spcPts val="0"/>
+              </a:spcBef>
+              <a:spcAft>
+                <a:spcPts val="0"/>
+              </a:spcAft>
+              <a:buSzPts val="3000"/>
+              <a:buNone/>
+              <a:defRPr/>
+            </a:lvl1pPr>
+            <a:lvl2pPr lvl="1">
+              <a:spcBef>
+                <a:spcPts val="0"/>
+              </a:spcBef>
+              <a:spcAft>
+                <a:spcPts val="0"/>
+              </a:spcAft>
+              <a:buSzPts val="3000"/>
+              <a:buNone/>
+              <a:defRPr/>
+            </a:lvl2pPr>
+            <a:lvl3pPr lvl="2">
+              <a:spcBef>
+                <a:spcPts val="0"/>
+              </a:spcBef>
+              <a:spcAft>
+                <a:spcPts val="0"/>
+              </a:spcAft>
+              <a:buSzPts val="3000"/>
+              <a:buNone/>
+              <a:defRPr/>
+            </a:lvl3pPr>
+            <a:lvl4pPr lvl="3">
+              <a:spcBef>
+                <a:spcPts val="0"/>
+              </a:spcBef>
+              <a:spcAft>
+                <a:spcPts val="0"/>
+              </a:spcAft>
+              <a:buSzPts val="3000"/>
+              <a:buNone/>
+              <a:defRPr/>
+            </a:lvl4pPr>
+            <a:lvl5pPr lvl="4">
+              <a:spcBef>
+                <a:spcPts val="0"/>
+              </a:spcBef>
+              <a:spcAft>
+                <a:spcPts val="0"/>
+              </a:spcAft>
+              <a:buSzPts val="3000"/>
+              <a:buNone/>
+              <a:defRPr/>
+            </a:lvl5pPr>
+            <a:lvl6pPr lvl="5">
+              <a:spcBef>
+                <a:spcPts val="0"/>
+              </a:spcBef>
+              <a:spcAft>
+                <a:spcPts val="0"/>
+              </a:spcAft>
+              <a:buSzPts val="3000"/>
+              <a:buNone/>
+              <a:defRPr/>
+            </a:lvl6pPr>
+            <a:lvl7pPr lvl="6">
+              <a:spcBef>
+                <a:spcPts val="0"/>
+              </a:spcBef>
+              <a:spcAft>
+                <a:spcPts val="0"/>
+              </a:spcAft>
+              <a:buSzPts val="3000"/>
+              <a:buNone/>
+              <a:defRPr/>
+            </a:lvl7pPr>
+            <a:lvl8pPr lvl="7">
+              <a:spcBef>
+                <a:spcPts val="0"/>
+              </a:spcBef>
+              <a:spcAft>
+                <a:spcPts val="0"/>
+              </a:spcAft>
+              <a:buSzPts val="3000"/>
+              <a:buNone/>
+              <a:defRPr/>
+            </a:lvl8pPr>
+            <a:lvl9pPr lvl="8">
+              <a:spcBef>
+                <a:spcPts val="0"/>
+              </a:spcBef>
+              <a:spcAft>
+                <a:spcPts val="0"/>
+              </a:spcAft>
+              <a:buSzPts val="3000"/>
+              <a:buNone/>
+              <a:defRPr/>
+            </a:lvl9pPr>
+          </a:lstStyle>
+          <a:p>
+            <a:endParaRPr/>
+          </a:p>
+        </p:txBody>
+      </p:sp>
+      <p:sp>
+        <p:nvSpPr>
+          <p:cNvPr id="45" name="Google Shape;45;p6"/>
+          <p:cNvSpPr txBox="1">
+            <a:spLocks noGrp="1"/>
+          </p:cNvSpPr>
+          <p:nvPr>
+            <p:ph type="sldNum" idx="12"/>
+          </p:nvPr>
+        </p:nvSpPr>
+        <p:spPr>
+          <a:xfrm>
+            <a:off x="8460431" y="4651190"/>
+            <a:ext cx="548700" cy="393600"/>
+          </a:xfrm>
+          <a:prstGeom prst="rect">
+            <a:avLst/>
+          </a:prstGeom>
+        </p:spPr>
+        <p:txBody>
+          <a:bodyPr spcFirstLastPara="1" wrap="square" lIns="91425" tIns="91425" rIns="91425" bIns="91425" anchor="ctr" anchorCtr="0">
+            <a:noAutofit/>
+          </a:bodyPr>
+          <a:lstStyle>
+            <a:lvl1pPr lvl="0">
+              <a:buNone/>
+              <a:defRPr>
+                <a:solidFill>
+                  <a:schemeClr val="dk2"/>
+                </a:solidFill>
+              </a:defRPr>
+            </a:lvl1pPr>
+            <a:lvl2pPr lvl="1">
+              <a:buNone/>
+              <a:defRPr>
+                <a:solidFill>
+                  <a:schemeClr val="dk2"/>
+                </a:solidFill>
+              </a:defRPr>
+            </a:lvl2pPr>
+            <a:lvl3pPr lvl="2">
+              <a:buNone/>
+              <a:defRPr>
+                <a:solidFill>
+                  <a:schemeClr val="dk2"/>
+                </a:solidFill>
+              </a:defRPr>
+            </a:lvl3pPr>
+            <a:lvl4pPr lvl="3">
+              <a:buNone/>
+              <a:defRPr>
+                <a:solidFill>
+                  <a:schemeClr val="dk2"/>
+                </a:solidFill>
+              </a:defRPr>
+            </a:lvl4pPr>
+            <a:lvl5pPr lvl="4">
+              <a:buNone/>
+              <a:defRPr>
+                <a:solidFill>
+                  <a:schemeClr val="dk2"/>
+                </a:solidFill>
+              </a:defRPr>
+            </a:lvl5pPr>
+            <a:lvl6pPr lvl="5">
+              <a:buNone/>
+              <a:defRPr>
+                <a:solidFill>
+                  <a:schemeClr val="dk2"/>
+                </a:solidFill>
+              </a:defRPr>
+            </a:lvl6pPr>
+            <a:lvl7pPr lvl="6">
+              <a:buNone/>
+              <a:defRPr>
+                <a:solidFill>
+                  <a:schemeClr val="dk2"/>
+                </a:solidFill>
+              </a:defRPr>
+            </a:lvl7pPr>
+            <a:lvl8pPr lvl="7">
+              <a:buNone/>
+              <a:defRPr>
+                <a:solidFill>
+                  <a:schemeClr val="dk2"/>
+                </a:solidFill>
+              </a:defRPr>
+            </a:lvl8pPr>
+            <a:lvl9pPr lvl="8">
+              <a:buNone/>
+              <a:defRPr>
+                <a:solidFill>
+                  <a:schemeClr val="dk2"/>
+                </a:solidFill>
+              </a:defRPr>
+            </a:lvl9pPr>
+          </a:lstStyle>
+          <a:p>
+            <a:pPr marL="0" lvl="0" indent="0" algn="r" rtl="0">
+              <a:spcBef>
+                <a:spcPts val="0"/>
+              </a:spcBef>
+              <a:spcAft>
+                <a:spcPts val="0"/>
+              </a:spcAft>
+              <a:buNone/>
+            </a:pPr>
+            <a:fld id="{00000000-1234-1234-1234-123412341234}" type="slidenum">
+              <a:rPr lang="fr"/>
+              <a:t>‹N°›</a:t>
+            </a:fld>
+            <a:endParaRPr/>
+          </a:p>
+        </p:txBody>
+      </p:sp>
+    </p:spTree>
+    <p:extLst>
+      <p:ext uri="{BB962C8B-B14F-4D97-AF65-F5344CB8AC3E}">
+        <p14:creationId xmlns:p14="http://schemas.microsoft.com/office/powerpoint/2010/main" val="2423189062"/>
+      </p:ext>
+    </p:extLst>
+  </p:cSld>
+  <p:clrMapOvr>
+    <a:masterClrMapping/>
+  </p:clrMapOvr>
+</p:sldLayout>
+</file>
+
+<file path=ppt/slideLayouts/slideLayout17.xml><?xml version="1.0" encoding="utf-8"?>
+<p:sldLayout xmlns:a="http://schemas.openxmlformats.org/drawingml/2006/main" xmlns:r="http://schemas.openxmlformats.org/officeDocument/2006/relationships" xmlns:p="http://schemas.openxmlformats.org/presentationml/2006/main" matchingName="One column text">
+  <p:cSld name="One column text">
+    <p:spTree>
+      <p:nvGrpSpPr>
+        <p:cNvPr id="1" name="Shape 46"/>
+        <p:cNvGrpSpPr/>
+        <p:nvPr/>
+      </p:nvGrpSpPr>
+      <p:grpSpPr>
+        <a:xfrm>
+          <a:off x="0" y="0"/>
+          <a:ext cx="0" cy="0"/>
+          <a:chOff x="0" y="0"/>
+          <a:chExt cx="0" cy="0"/>
+        </a:xfrm>
+      </p:grpSpPr>
+      <p:sp>
+        <p:nvSpPr>
+          <p:cNvPr id="47" name="Google Shape;47;p7"/>
+          <p:cNvSpPr txBox="1">
+            <a:spLocks noGrp="1"/>
+          </p:cNvSpPr>
+          <p:nvPr>
+            <p:ph type="title"/>
+          </p:nvPr>
+        </p:nvSpPr>
+        <p:spPr>
+          <a:xfrm>
+            <a:off x="311700" y="555600"/>
+            <a:ext cx="2808000" cy="755700"/>
+          </a:xfrm>
+          <a:prstGeom prst="rect">
+            <a:avLst/>
+          </a:prstGeom>
+        </p:spPr>
+        <p:txBody>
+          <a:bodyPr spcFirstLastPara="1" wrap="square" lIns="91425" tIns="91425" rIns="91425" bIns="91425" anchor="b" anchorCtr="0">
+            <a:noAutofit/>
+          </a:bodyPr>
+          <a:lstStyle>
+            <a:lvl1pPr lvl="0">
+              <a:spcBef>
+                <a:spcPts val="0"/>
+              </a:spcBef>
+              <a:spcAft>
+                <a:spcPts val="0"/>
+              </a:spcAft>
+              <a:buSzPts val="2400"/>
+              <a:buNone/>
+              <a:defRPr sz="2400"/>
+            </a:lvl1pPr>
+            <a:lvl2pPr lvl="1">
+              <a:spcBef>
+                <a:spcPts val="0"/>
+              </a:spcBef>
+              <a:spcAft>
+                <a:spcPts val="0"/>
+              </a:spcAft>
+              <a:buSzPts val="2400"/>
+              <a:buNone/>
+              <a:defRPr sz="2400"/>
+            </a:lvl2pPr>
+            <a:lvl3pPr lvl="2">
+              <a:spcBef>
+                <a:spcPts val="0"/>
+              </a:spcBef>
+              <a:spcAft>
+                <a:spcPts val="0"/>
+              </a:spcAft>
+              <a:buSzPts val="2400"/>
+              <a:buNone/>
+              <a:defRPr sz="2400"/>
+            </a:lvl3pPr>
+            <a:lvl4pPr lvl="3">
+              <a:spcBef>
+                <a:spcPts val="0"/>
+              </a:spcBef>
+              <a:spcAft>
+                <a:spcPts val="0"/>
+              </a:spcAft>
+              <a:buSzPts val="2400"/>
+              <a:buNone/>
+              <a:defRPr sz="2400"/>
+            </a:lvl4pPr>
+            <a:lvl5pPr lvl="4">
+              <a:spcBef>
+                <a:spcPts val="0"/>
+              </a:spcBef>
+              <a:spcAft>
+                <a:spcPts val="0"/>
+              </a:spcAft>
+              <a:buSzPts val="2400"/>
+              <a:buNone/>
+              <a:defRPr sz="2400"/>
+            </a:lvl5pPr>
+            <a:lvl6pPr lvl="5">
+              <a:spcBef>
+                <a:spcPts val="0"/>
+              </a:spcBef>
+              <a:spcAft>
+                <a:spcPts val="0"/>
+              </a:spcAft>
+              <a:buSzPts val="2400"/>
+              <a:buNone/>
+              <a:defRPr sz="2400"/>
+            </a:lvl6pPr>
+            <a:lvl7pPr lvl="6">
+              <a:spcBef>
+                <a:spcPts val="0"/>
+              </a:spcBef>
+              <a:spcAft>
+                <a:spcPts val="0"/>
+              </a:spcAft>
+              <a:buSzPts val="2400"/>
+              <a:buNone/>
+              <a:defRPr sz="2400"/>
+            </a:lvl7pPr>
+            <a:lvl8pPr lvl="7">
+              <a:spcBef>
+                <a:spcPts val="0"/>
+              </a:spcBef>
+              <a:spcAft>
+                <a:spcPts val="0"/>
+              </a:spcAft>
+              <a:buSzPts val="2400"/>
+              <a:buNone/>
+              <a:defRPr sz="2400"/>
+            </a:lvl8pPr>
+            <a:lvl9pPr lvl="8">
+              <a:spcBef>
+                <a:spcPts val="0"/>
+              </a:spcBef>
+              <a:spcAft>
+                <a:spcPts val="0"/>
+              </a:spcAft>
+              <a:buSzPts val="2400"/>
+              <a:buNone/>
+              <a:defRPr sz="2400"/>
+            </a:lvl9pPr>
+          </a:lstStyle>
+          <a:p>
+            <a:endParaRPr/>
+          </a:p>
+        </p:txBody>
+      </p:sp>
+      <p:sp>
+        <p:nvSpPr>
+          <p:cNvPr id="48" name="Google Shape;48;p7"/>
+          <p:cNvSpPr txBox="1">
+            <a:spLocks noGrp="1"/>
+          </p:cNvSpPr>
+          <p:nvPr>
+            <p:ph type="body" idx="1"/>
+          </p:nvPr>
+        </p:nvSpPr>
+        <p:spPr>
+          <a:xfrm>
+            <a:off x="311700" y="1465804"/>
+            <a:ext cx="2808000" cy="3103200"/>
+          </a:xfrm>
+          <a:prstGeom prst="rect">
+            <a:avLst/>
+          </a:prstGeom>
+        </p:spPr>
+        <p:txBody>
+          <a:bodyPr spcFirstLastPara="1" wrap="square" lIns="91425" tIns="91425" rIns="91425" bIns="91425" anchor="t" anchorCtr="0">
+            <a:noAutofit/>
+          </a:bodyPr>
+          <a:lstStyle>
+            <a:lvl1pPr marL="457200" lvl="0" indent="-304800">
+              <a:spcBef>
+                <a:spcPts val="0"/>
+              </a:spcBef>
+              <a:spcAft>
+                <a:spcPts val="0"/>
+              </a:spcAft>
+              <a:buSzPts val="1200"/>
+              <a:buChar char="●"/>
+              <a:defRPr sz="1200"/>
+            </a:lvl1pPr>
+            <a:lvl2pPr marL="914400" lvl="1" indent="-304800">
+              <a:spcBef>
+                <a:spcPts val="1600"/>
+              </a:spcBef>
+              <a:spcAft>
+                <a:spcPts val="0"/>
+              </a:spcAft>
+              <a:buSzPts val="1200"/>
+              <a:buChar char="○"/>
+              <a:defRPr sz="1200"/>
+            </a:lvl2pPr>
+            <a:lvl3pPr marL="1371600" lvl="2" indent="-304800">
+              <a:spcBef>
+                <a:spcPts val="1600"/>
+              </a:spcBef>
+              <a:spcAft>
+                <a:spcPts val="0"/>
+              </a:spcAft>
+              <a:buSzPts val="1200"/>
+              <a:buChar char="■"/>
+              <a:defRPr sz="1200"/>
+            </a:lvl3pPr>
+            <a:lvl4pPr marL="1828800" lvl="3" indent="-304800">
+              <a:spcBef>
+                <a:spcPts val="1600"/>
+              </a:spcBef>
+              <a:spcAft>
+                <a:spcPts val="0"/>
+              </a:spcAft>
+              <a:buSzPts val="1200"/>
+              <a:buChar char="●"/>
+              <a:defRPr sz="1200"/>
+            </a:lvl4pPr>
+            <a:lvl5pPr marL="2286000" lvl="4" indent="-304800">
+              <a:spcBef>
+                <a:spcPts val="1600"/>
+              </a:spcBef>
+              <a:spcAft>
+                <a:spcPts val="0"/>
+              </a:spcAft>
+              <a:buSzPts val="1200"/>
+              <a:buChar char="○"/>
+              <a:defRPr sz="1200"/>
+            </a:lvl5pPr>
+            <a:lvl6pPr marL="2743200" lvl="5" indent="-304800">
+              <a:spcBef>
+                <a:spcPts val="1600"/>
+              </a:spcBef>
+              <a:spcAft>
+                <a:spcPts val="0"/>
+              </a:spcAft>
+              <a:buSzPts val="1200"/>
+              <a:buChar char="■"/>
+              <a:defRPr sz="1200"/>
+            </a:lvl6pPr>
+            <a:lvl7pPr marL="3200400" lvl="6" indent="-304800">
+              <a:spcBef>
+                <a:spcPts val="1600"/>
+              </a:spcBef>
+              <a:spcAft>
+                <a:spcPts val="0"/>
+              </a:spcAft>
+              <a:buSzPts val="1200"/>
+              <a:buChar char="●"/>
+              <a:defRPr sz="1200"/>
+            </a:lvl7pPr>
+            <a:lvl8pPr marL="3657600" lvl="7" indent="-304800">
+              <a:spcBef>
+                <a:spcPts val="1600"/>
+              </a:spcBef>
+              <a:spcAft>
+                <a:spcPts val="0"/>
+              </a:spcAft>
+              <a:buSzPts val="1200"/>
+              <a:buChar char="○"/>
+              <a:defRPr sz="1200"/>
+            </a:lvl8pPr>
+            <a:lvl9pPr marL="4114800" lvl="8" indent="-304800">
+              <a:spcBef>
+                <a:spcPts val="1600"/>
+              </a:spcBef>
+              <a:spcAft>
+                <a:spcPts val="1600"/>
+              </a:spcAft>
+              <a:buSzPts val="1200"/>
+              <a:buChar char="■"/>
+              <a:defRPr sz="1200"/>
+            </a:lvl9pPr>
+          </a:lstStyle>
+          <a:p>
+            <a:endParaRPr/>
+          </a:p>
+        </p:txBody>
+      </p:sp>
+      <p:sp>
+        <p:nvSpPr>
+          <p:cNvPr id="49" name="Google Shape;49;p7"/>
+          <p:cNvSpPr txBox="1">
+            <a:spLocks noGrp="1"/>
+          </p:cNvSpPr>
+          <p:nvPr>
+            <p:ph type="sldNum" idx="12"/>
+          </p:nvPr>
+        </p:nvSpPr>
+        <p:spPr>
+          <a:xfrm>
+            <a:off x="8460431" y="4651190"/>
+            <a:ext cx="548700" cy="393600"/>
+          </a:xfrm>
+          <a:prstGeom prst="rect">
+            <a:avLst/>
+          </a:prstGeom>
+        </p:spPr>
+        <p:txBody>
+          <a:bodyPr spcFirstLastPara="1" wrap="square" lIns="91425" tIns="91425" rIns="91425" bIns="91425" anchor="ctr" anchorCtr="0">
+            <a:noAutofit/>
+          </a:bodyPr>
+          <a:lstStyle>
+            <a:lvl1pPr lvl="0">
+              <a:buNone/>
+              <a:defRPr>
+                <a:solidFill>
+                  <a:schemeClr val="dk2"/>
+                </a:solidFill>
+              </a:defRPr>
+            </a:lvl1pPr>
+            <a:lvl2pPr lvl="1">
+              <a:buNone/>
+              <a:defRPr>
+                <a:solidFill>
+                  <a:schemeClr val="dk2"/>
+                </a:solidFill>
+              </a:defRPr>
+            </a:lvl2pPr>
+            <a:lvl3pPr lvl="2">
+              <a:buNone/>
+              <a:defRPr>
+                <a:solidFill>
+                  <a:schemeClr val="dk2"/>
+                </a:solidFill>
+              </a:defRPr>
+            </a:lvl3pPr>
+            <a:lvl4pPr lvl="3">
+              <a:buNone/>
+              <a:defRPr>
+                <a:solidFill>
+                  <a:schemeClr val="dk2"/>
+                </a:solidFill>
+              </a:defRPr>
+            </a:lvl4pPr>
+            <a:lvl5pPr lvl="4">
+              <a:buNone/>
+              <a:defRPr>
+                <a:solidFill>
+                  <a:schemeClr val="dk2"/>
+                </a:solidFill>
+              </a:defRPr>
+            </a:lvl5pPr>
+            <a:lvl6pPr lvl="5">
+              <a:buNone/>
+              <a:defRPr>
+                <a:solidFill>
+                  <a:schemeClr val="dk2"/>
+                </a:solidFill>
+              </a:defRPr>
+            </a:lvl6pPr>
+            <a:lvl7pPr lvl="6">
+              <a:buNone/>
+              <a:defRPr>
+                <a:solidFill>
+                  <a:schemeClr val="dk2"/>
+                </a:solidFill>
+              </a:defRPr>
+            </a:lvl7pPr>
+            <a:lvl8pPr lvl="7">
+              <a:buNone/>
+              <a:defRPr>
+                <a:solidFill>
+                  <a:schemeClr val="dk2"/>
+                </a:solidFill>
+              </a:defRPr>
+            </a:lvl8pPr>
+            <a:lvl9pPr lvl="8">
+              <a:buNone/>
+              <a:defRPr>
+                <a:solidFill>
+                  <a:schemeClr val="dk2"/>
+                </a:solidFill>
+              </a:defRPr>
+            </a:lvl9pPr>
+          </a:lstStyle>
+          <a:p>
+            <a:pPr marL="0" lvl="0" indent="0" algn="r" rtl="0">
+              <a:spcBef>
+                <a:spcPts val="0"/>
+              </a:spcBef>
+              <a:spcAft>
+                <a:spcPts val="0"/>
+              </a:spcAft>
+              <a:buNone/>
+            </a:pPr>
+            <a:fld id="{00000000-1234-1234-1234-123412341234}" type="slidenum">
+              <a:rPr lang="fr"/>
+              <a:t>‹N°›</a:t>
+            </a:fld>
+            <a:endParaRPr/>
+          </a:p>
+        </p:txBody>
+      </p:sp>
+    </p:spTree>
+    <p:extLst>
+      <p:ext uri="{BB962C8B-B14F-4D97-AF65-F5344CB8AC3E}">
+        <p14:creationId xmlns:p14="http://schemas.microsoft.com/office/powerpoint/2010/main" val="2815491963"/>
+      </p:ext>
+    </p:extLst>
+  </p:cSld>
+  <p:clrMapOvr>
+    <a:masterClrMapping/>
+  </p:clrMapOvr>
+</p:sldLayout>
+</file>
+
+<file path=ppt/slideLayouts/slideLayout18.xml><?xml version="1.0" encoding="utf-8"?>
+<p:sldLayout xmlns:a="http://schemas.openxmlformats.org/drawingml/2006/main" xmlns:r="http://schemas.openxmlformats.org/officeDocument/2006/relationships" xmlns:p="http://schemas.openxmlformats.org/presentationml/2006/main" matchingName="Main point">
+  <p:cSld name="Main point">
+    <p:bg>
+      <p:bgPr>
+        <a:solidFill>
+          <a:schemeClr val="accent4"/>
+        </a:solidFill>
+        <a:effectLst/>
+      </p:bgPr>
+    </p:bg>
+    <p:spTree>
+      <p:nvGrpSpPr>
+        <p:cNvPr id="1" name="Shape 50"/>
+        <p:cNvGrpSpPr/>
+        <p:nvPr/>
+      </p:nvGrpSpPr>
+      <p:grpSpPr>
+        <a:xfrm>
+          <a:off x="0" y="0"/>
+          <a:ext cx="0" cy="0"/>
+          <a:chOff x="0" y="0"/>
+          <a:chExt cx="0" cy="0"/>
+        </a:xfrm>
+      </p:grpSpPr>
+      <p:grpSp>
+        <p:nvGrpSpPr>
+          <p:cNvPr id="51" name="Google Shape;51;p8"/>
+          <p:cNvGrpSpPr/>
+          <p:nvPr/>
+        </p:nvGrpSpPr>
+        <p:grpSpPr>
+          <a:xfrm>
+            <a:off x="6098378" y="5"/>
+            <a:ext cx="3045625" cy="2030570"/>
+            <a:chOff x="6098378" y="5"/>
+            <a:chExt cx="3045625" cy="2030570"/>
+          </a:xfrm>
+        </p:grpSpPr>
+        <p:sp>
+          <p:nvSpPr>
+            <p:cNvPr id="52" name="Google Shape;52;p8"/>
+            <p:cNvSpPr/>
+            <p:nvPr/>
+          </p:nvSpPr>
+          <p:spPr>
+            <a:xfrm>
+              <a:off x="8128803" y="16"/>
+              <a:ext cx="1015200" cy="1015200"/>
+            </a:xfrm>
+            <a:prstGeom prst="rect">
+              <a:avLst/>
+            </a:prstGeom>
+            <a:solidFill>
+              <a:schemeClr val="accent3"/>
+            </a:solidFill>
+            <a:ln>
+              <a:noFill/>
+            </a:ln>
+          </p:spPr>
+          <p:txBody>
+            <a:bodyPr spcFirstLastPara="1" wrap="square" lIns="91425" tIns="91425" rIns="91425" bIns="91425" anchor="ctr" anchorCtr="0">
+              <a:noAutofit/>
+            </a:bodyPr>
+            <a:lstStyle/>
+            <a:p>
+              <a:pPr marL="0" lvl="0" indent="0" algn="l" rtl="0">
+                <a:spcBef>
+                  <a:spcPts val="0"/>
+                </a:spcBef>
+                <a:spcAft>
+                  <a:spcPts val="0"/>
+                </a:spcAft>
+                <a:buNone/>
+              </a:pPr>
+              <a:endParaRPr/>
+            </a:p>
+          </p:txBody>
+        </p:sp>
+        <p:sp>
+          <p:nvSpPr>
+            <p:cNvPr id="53" name="Google Shape;53;p8"/>
+            <p:cNvSpPr/>
+            <p:nvPr/>
+          </p:nvSpPr>
+          <p:spPr>
+            <a:xfrm flipH="1">
+              <a:off x="7113463" y="5"/>
+              <a:ext cx="1015200" cy="1015200"/>
+            </a:xfrm>
+            <a:prstGeom prst="rtTriangle">
+              <a:avLst/>
+            </a:prstGeom>
+            <a:solidFill>
+              <a:schemeClr val="accent5"/>
+            </a:solidFill>
+            <a:ln>
+              <a:noFill/>
+            </a:ln>
+          </p:spPr>
+          <p:txBody>
+            <a:bodyPr spcFirstLastPara="1" wrap="square" lIns="91425" tIns="91425" rIns="91425" bIns="91425" anchor="ctr" anchorCtr="0">
+              <a:noAutofit/>
+            </a:bodyPr>
+            <a:lstStyle/>
+            <a:p>
+              <a:pPr marL="0" lvl="0" indent="0" algn="l" rtl="0">
+                <a:spcBef>
+                  <a:spcPts val="0"/>
+                </a:spcBef>
+                <a:spcAft>
+                  <a:spcPts val="0"/>
+                </a:spcAft>
+                <a:buNone/>
+              </a:pPr>
+              <a:endParaRPr/>
+            </a:p>
+          </p:txBody>
+        </p:sp>
+        <p:sp>
+          <p:nvSpPr>
+            <p:cNvPr id="54" name="Google Shape;54;p8"/>
+            <p:cNvSpPr/>
+            <p:nvPr/>
+          </p:nvSpPr>
+          <p:spPr>
+            <a:xfrm rot="10800000" flipH="1">
+              <a:off x="7113588" y="107"/>
+              <a:ext cx="1015200" cy="1015200"/>
+            </a:xfrm>
+            <a:prstGeom prst="rtTriangle">
+              <a:avLst/>
+            </a:prstGeom>
+            <a:solidFill>
+              <a:schemeClr val="accent3"/>
+            </a:solidFill>
+            <a:ln>
+              <a:noFill/>
+            </a:ln>
+          </p:spPr>
+          <p:txBody>
+            <a:bodyPr spcFirstLastPara="1" wrap="square" lIns="91425" tIns="91425" rIns="91425" bIns="91425" anchor="ctr" anchorCtr="0">
+              <a:noAutofit/>
+            </a:bodyPr>
+            <a:lstStyle/>
+            <a:p>
+              <a:pPr marL="0" lvl="0" indent="0" algn="l" rtl="0">
+                <a:spcBef>
+                  <a:spcPts val="0"/>
+                </a:spcBef>
+                <a:spcAft>
+                  <a:spcPts val="0"/>
+                </a:spcAft>
+                <a:buNone/>
+              </a:pPr>
+              <a:endParaRPr/>
+            </a:p>
+          </p:txBody>
+        </p:sp>
+        <p:sp>
+          <p:nvSpPr>
+            <p:cNvPr id="55" name="Google Shape;55;p8"/>
+            <p:cNvSpPr/>
+            <p:nvPr/>
+          </p:nvSpPr>
+          <p:spPr>
+            <a:xfrm rot="10800000">
+              <a:off x="6098378" y="97"/>
+              <a:ext cx="1015200" cy="1015200"/>
+            </a:xfrm>
+            <a:prstGeom prst="rtTriangle">
+              <a:avLst/>
+            </a:prstGeom>
+            <a:solidFill>
+              <a:schemeClr val="accent5"/>
+            </a:solidFill>
+            <a:ln>
+              <a:noFill/>
+            </a:ln>
+          </p:spPr>
+          <p:txBody>
+            <a:bodyPr spcFirstLastPara="1" wrap="square" lIns="91425" tIns="91425" rIns="91425" bIns="91425" anchor="ctr" anchorCtr="0">
+              <a:noAutofit/>
+            </a:bodyPr>
+            <a:lstStyle/>
+            <a:p>
+              <a:pPr marL="0" lvl="0" indent="0" algn="l" rtl="0">
+                <a:spcBef>
+                  <a:spcPts val="0"/>
+                </a:spcBef>
+                <a:spcAft>
+                  <a:spcPts val="0"/>
+                </a:spcAft>
+                <a:buNone/>
+              </a:pPr>
+              <a:endParaRPr/>
+            </a:p>
+          </p:txBody>
+        </p:sp>
+        <p:sp>
+          <p:nvSpPr>
+            <p:cNvPr id="56" name="Google Shape;56;p8"/>
+            <p:cNvSpPr/>
+            <p:nvPr/>
+          </p:nvSpPr>
+          <p:spPr>
+            <a:xfrm rot="10800000">
+              <a:off x="8128789" y="1015375"/>
+              <a:ext cx="1015200" cy="1015200"/>
+            </a:xfrm>
+            <a:prstGeom prst="rtTriangle">
+              <a:avLst/>
+            </a:prstGeom>
+            <a:solidFill>
+              <a:schemeClr val="accent5"/>
+            </a:solidFill>
+            <a:ln>
+              <a:noFill/>
+            </a:ln>
+          </p:spPr>
+          <p:txBody>
+            <a:bodyPr spcFirstLastPara="1" wrap="square" lIns="91425" tIns="91425" rIns="91425" bIns="91425" anchor="ctr" anchorCtr="0">
+              <a:noAutofit/>
+            </a:bodyPr>
+            <a:lstStyle/>
+            <a:p>
+              <a:pPr marL="0" lvl="0" indent="0" algn="l" rtl="0">
+                <a:spcBef>
+                  <a:spcPts val="0"/>
+                </a:spcBef>
+                <a:spcAft>
+                  <a:spcPts val="0"/>
+                </a:spcAft>
+                <a:buNone/>
+              </a:pPr>
+              <a:endParaRPr/>
+            </a:p>
+          </p:txBody>
+        </p:sp>
+      </p:grpSp>
+      <p:sp>
+        <p:nvSpPr>
+          <p:cNvPr id="57" name="Google Shape;57;p8"/>
+          <p:cNvSpPr txBox="1">
+            <a:spLocks noGrp="1"/>
+          </p:cNvSpPr>
+          <p:nvPr>
+            <p:ph type="title"/>
+          </p:nvPr>
+        </p:nvSpPr>
+        <p:spPr>
+          <a:xfrm>
+            <a:off x="490250" y="526350"/>
+            <a:ext cx="5618700" cy="4090800"/>
+          </a:xfrm>
+          <a:prstGeom prst="rect">
+            <a:avLst/>
+          </a:prstGeom>
+        </p:spPr>
+        <p:txBody>
+          <a:bodyPr spcFirstLastPara="1" wrap="square" lIns="91425" tIns="91425" rIns="91425" bIns="91425" anchor="ctr" anchorCtr="0">
+            <a:noAutofit/>
+          </a:bodyPr>
+          <a:lstStyle>
+            <a:lvl1pPr lvl="0">
+              <a:spcBef>
+                <a:spcPts val="0"/>
+              </a:spcBef>
+              <a:spcAft>
+                <a:spcPts val="0"/>
+              </a:spcAft>
+              <a:buClr>
+                <a:schemeClr val="lt1"/>
+              </a:buClr>
+              <a:buSzPts val="4800"/>
+              <a:buNone/>
+              <a:defRPr sz="4800">
+                <a:solidFill>
+                  <a:schemeClr val="lt1"/>
+                </a:solidFill>
+              </a:defRPr>
+            </a:lvl1pPr>
+            <a:lvl2pPr lvl="1">
+              <a:spcBef>
+                <a:spcPts val="0"/>
+              </a:spcBef>
+              <a:spcAft>
+                <a:spcPts val="0"/>
+              </a:spcAft>
+              <a:buClr>
+                <a:schemeClr val="lt1"/>
+              </a:buClr>
+              <a:buSzPts val="4800"/>
+              <a:buNone/>
+              <a:defRPr sz="4800">
+                <a:solidFill>
+                  <a:schemeClr val="lt1"/>
+                </a:solidFill>
+              </a:defRPr>
+            </a:lvl2pPr>
+            <a:lvl3pPr lvl="2">
+              <a:spcBef>
+                <a:spcPts val="0"/>
+              </a:spcBef>
+              <a:spcAft>
+                <a:spcPts val="0"/>
+              </a:spcAft>
+              <a:buClr>
+                <a:schemeClr val="lt1"/>
+              </a:buClr>
+              <a:buSzPts val="4800"/>
+              <a:buNone/>
+              <a:defRPr sz="4800">
+                <a:solidFill>
+                  <a:schemeClr val="lt1"/>
+                </a:solidFill>
+              </a:defRPr>
+            </a:lvl3pPr>
+            <a:lvl4pPr lvl="3">
+              <a:spcBef>
+                <a:spcPts val="0"/>
+              </a:spcBef>
+              <a:spcAft>
+                <a:spcPts val="0"/>
+              </a:spcAft>
+              <a:buClr>
+                <a:schemeClr val="lt1"/>
+              </a:buClr>
+              <a:buSzPts val="4800"/>
+              <a:buNone/>
+              <a:defRPr sz="4800">
+                <a:solidFill>
+                  <a:schemeClr val="lt1"/>
+                </a:solidFill>
+              </a:defRPr>
+            </a:lvl4pPr>
+            <a:lvl5pPr lvl="4">
+              <a:spcBef>
+                <a:spcPts val="0"/>
+              </a:spcBef>
+              <a:spcAft>
+                <a:spcPts val="0"/>
+              </a:spcAft>
+              <a:buClr>
+                <a:schemeClr val="lt1"/>
+              </a:buClr>
+              <a:buSzPts val="4800"/>
+              <a:buNone/>
+              <a:defRPr sz="4800">
+                <a:solidFill>
+                  <a:schemeClr val="lt1"/>
+                </a:solidFill>
+              </a:defRPr>
+            </a:lvl5pPr>
+            <a:lvl6pPr lvl="5">
+              <a:spcBef>
+                <a:spcPts val="0"/>
+              </a:spcBef>
+              <a:spcAft>
+                <a:spcPts val="0"/>
+              </a:spcAft>
+              <a:buClr>
+                <a:schemeClr val="lt1"/>
+              </a:buClr>
+              <a:buSzPts val="4800"/>
+              <a:buNone/>
+              <a:defRPr sz="4800">
+                <a:solidFill>
+                  <a:schemeClr val="lt1"/>
+                </a:solidFill>
+              </a:defRPr>
+            </a:lvl6pPr>
+            <a:lvl7pPr lvl="6">
+              <a:spcBef>
+                <a:spcPts val="0"/>
+              </a:spcBef>
+              <a:spcAft>
+                <a:spcPts val="0"/>
+              </a:spcAft>
+              <a:buClr>
+                <a:schemeClr val="lt1"/>
+              </a:buClr>
+              <a:buSzPts val="4800"/>
+              <a:buNone/>
+              <a:defRPr sz="4800">
+                <a:solidFill>
+                  <a:schemeClr val="lt1"/>
+                </a:solidFill>
+              </a:defRPr>
+            </a:lvl7pPr>
+            <a:lvl8pPr lvl="7">
+              <a:spcBef>
+                <a:spcPts val="0"/>
+              </a:spcBef>
+              <a:spcAft>
+                <a:spcPts val="0"/>
+              </a:spcAft>
+              <a:buClr>
+                <a:schemeClr val="lt1"/>
+              </a:buClr>
+              <a:buSzPts val="4800"/>
+              <a:buNone/>
+              <a:defRPr sz="4800">
+                <a:solidFill>
+                  <a:schemeClr val="lt1"/>
+                </a:solidFill>
+              </a:defRPr>
+            </a:lvl8pPr>
+            <a:lvl9pPr lvl="8">
+              <a:spcBef>
+                <a:spcPts val="0"/>
+              </a:spcBef>
+              <a:spcAft>
+                <a:spcPts val="0"/>
+              </a:spcAft>
+              <a:buClr>
+                <a:schemeClr val="lt1"/>
+              </a:buClr>
+              <a:buSzPts val="4800"/>
+              <a:buNone/>
+              <a:defRPr sz="4800">
+                <a:solidFill>
+                  <a:schemeClr val="lt1"/>
+                </a:solidFill>
+              </a:defRPr>
+            </a:lvl9pPr>
+          </a:lstStyle>
+          <a:p>
+            <a:endParaRPr/>
+          </a:p>
+        </p:txBody>
+      </p:sp>
+      <p:sp>
+        <p:nvSpPr>
+          <p:cNvPr id="58" name="Google Shape;58;p8"/>
+          <p:cNvSpPr txBox="1">
+            <a:spLocks noGrp="1"/>
+          </p:cNvSpPr>
+          <p:nvPr>
+            <p:ph type="sldNum" idx="12"/>
+          </p:nvPr>
+        </p:nvSpPr>
+        <p:spPr>
+          <a:xfrm>
+            <a:off x="8460431" y="4651190"/>
+            <a:ext cx="548700" cy="393600"/>
+          </a:xfrm>
+          <a:prstGeom prst="rect">
+            <a:avLst/>
+          </a:prstGeom>
+        </p:spPr>
+        <p:txBody>
+          <a:bodyPr spcFirstLastPara="1" wrap="square" lIns="91425" tIns="91425" rIns="91425" bIns="91425" anchor="ctr" anchorCtr="0">
+            <a:noAutofit/>
+          </a:bodyPr>
+          <a:lstStyle>
+            <a:lvl1pPr lvl="0">
+              <a:buNone/>
+              <a:defRPr/>
+            </a:lvl1pPr>
+            <a:lvl2pPr lvl="1">
+              <a:buNone/>
+              <a:defRPr/>
+            </a:lvl2pPr>
+            <a:lvl3pPr lvl="2">
+              <a:buNone/>
+              <a:defRPr/>
+            </a:lvl3pPr>
+            <a:lvl4pPr lvl="3">
+              <a:buNone/>
+              <a:defRPr/>
+            </a:lvl4pPr>
+            <a:lvl5pPr lvl="4">
+              <a:buNone/>
+              <a:defRPr/>
+            </a:lvl5pPr>
+            <a:lvl6pPr lvl="5">
+              <a:buNone/>
+              <a:defRPr/>
+            </a:lvl6pPr>
+            <a:lvl7pPr lvl="6">
+              <a:buNone/>
+              <a:defRPr/>
+            </a:lvl7pPr>
+            <a:lvl8pPr lvl="7">
+              <a:buNone/>
+              <a:defRPr/>
+            </a:lvl8pPr>
+            <a:lvl9pPr lvl="8">
+              <a:buNone/>
+              <a:defRPr/>
+            </a:lvl9pPr>
+          </a:lstStyle>
+          <a:p>
+            <a:pPr marL="0" lvl="0" indent="0" algn="r" rtl="0">
+              <a:spcBef>
+                <a:spcPts val="0"/>
+              </a:spcBef>
+              <a:spcAft>
+                <a:spcPts val="0"/>
+              </a:spcAft>
+              <a:buNone/>
+            </a:pPr>
+            <a:fld id="{00000000-1234-1234-1234-123412341234}" type="slidenum">
+              <a:rPr lang="fr"/>
+              <a:t>‹N°›</a:t>
+            </a:fld>
+            <a:endParaRPr/>
+          </a:p>
+        </p:txBody>
+      </p:sp>
+    </p:spTree>
+    <p:extLst>
+      <p:ext uri="{BB962C8B-B14F-4D97-AF65-F5344CB8AC3E}">
+        <p14:creationId xmlns:p14="http://schemas.microsoft.com/office/powerpoint/2010/main" val="881829097"/>
+      </p:ext>
+    </p:extLst>
+  </p:cSld>
+  <p:clrMapOvr>
+    <a:masterClrMapping/>
+  </p:clrMapOvr>
+</p:sldLayout>
+</file>
+
+<file path=ppt/slideLayouts/slideLayout19.xml><?xml version="1.0" encoding="utf-8"?>
+<p:sldLayout xmlns:a="http://schemas.openxmlformats.org/drawingml/2006/main" xmlns:r="http://schemas.openxmlformats.org/officeDocument/2006/relationships" xmlns:p="http://schemas.openxmlformats.org/presentationml/2006/main" matchingName="Section title and description">
+  <p:cSld name="Section title and description">
+    <p:spTree>
+      <p:nvGrpSpPr>
+        <p:cNvPr id="1" name="Shape 59"/>
+        <p:cNvGrpSpPr/>
+        <p:nvPr/>
+      </p:nvGrpSpPr>
+      <p:grpSpPr>
+        <a:xfrm>
+          <a:off x="0" y="0"/>
+          <a:ext cx="0" cy="0"/>
+          <a:chOff x="0" y="0"/>
+          <a:chExt cx="0" cy="0"/>
+        </a:xfrm>
+      </p:grpSpPr>
+      <p:sp>
+        <p:nvSpPr>
+          <p:cNvPr id="60" name="Google Shape;60;p9"/>
+          <p:cNvSpPr/>
+          <p:nvPr/>
+        </p:nvSpPr>
+        <p:spPr>
+          <a:xfrm>
+            <a:off x="4572000" y="-175"/>
+            <a:ext cx="4572000" cy="5143500"/>
+          </a:xfrm>
+          <a:prstGeom prst="rect">
+            <a:avLst/>
+          </a:prstGeom>
+          <a:solidFill>
+            <a:schemeClr val="dk1"/>
+          </a:solidFill>
+          <a:ln>
+            <a:noFill/>
+          </a:ln>
+        </p:spPr>
+        <p:txBody>
+          <a:bodyPr spcFirstLastPara="1" wrap="square" lIns="91425" tIns="91425" rIns="91425" bIns="91425" anchor="ctr" anchorCtr="0">
+            <a:noAutofit/>
+          </a:bodyPr>
+          <a:lstStyle/>
+          <a:p>
+            <a:pPr marL="0" lvl="0" indent="0" algn="l" rtl="0">
+              <a:spcBef>
+                <a:spcPts val="0"/>
+              </a:spcBef>
+              <a:spcAft>
+                <a:spcPts val="0"/>
+              </a:spcAft>
+              <a:buNone/>
+            </a:pPr>
+            <a:endParaRPr/>
+          </a:p>
+        </p:txBody>
+      </p:sp>
+      <p:cxnSp>
+        <p:nvCxnSpPr>
+          <p:cNvPr id="61" name="Google Shape;61;p9"/>
+          <p:cNvCxnSpPr/>
+          <p:nvPr/>
+        </p:nvCxnSpPr>
+        <p:spPr>
+          <a:xfrm>
+            <a:off x="5029675" y="4495500"/>
+            <a:ext cx="468300" cy="0"/>
+          </a:xfrm>
+          <a:prstGeom prst="straightConnector1">
+            <a:avLst/>
+          </a:prstGeom>
+          <a:noFill/>
+          <a:ln w="19050" cap="flat" cmpd="sng">
+            <a:solidFill>
+              <a:schemeClr val="lt1"/>
+            </a:solidFill>
+            <a:prstDash val="solid"/>
+            <a:round/>
+            <a:headEnd type="none" w="sm" len="sm"/>
+            <a:tailEnd type="none" w="sm" len="sm"/>
+          </a:ln>
+        </p:spPr>
+      </p:cxnSp>
+      <p:sp>
+        <p:nvSpPr>
+          <p:cNvPr id="62" name="Google Shape;62;p9"/>
+          <p:cNvSpPr txBox="1">
+            <a:spLocks noGrp="1"/>
+          </p:cNvSpPr>
+          <p:nvPr>
+            <p:ph type="title"/>
+          </p:nvPr>
+        </p:nvSpPr>
+        <p:spPr>
+          <a:xfrm>
+            <a:off x="265500" y="1151100"/>
+            <a:ext cx="4045200" cy="1564500"/>
+          </a:xfrm>
+          <a:prstGeom prst="rect">
+            <a:avLst/>
+          </a:prstGeom>
+        </p:spPr>
+        <p:txBody>
+          <a:bodyPr spcFirstLastPara="1" wrap="square" lIns="91425" tIns="91425" rIns="91425" bIns="91425" anchor="b" anchorCtr="0">
+            <a:noAutofit/>
+          </a:bodyPr>
+          <a:lstStyle>
+            <a:lvl1pPr lvl="0" algn="ctr">
+              <a:spcBef>
+                <a:spcPts val="0"/>
+              </a:spcBef>
+              <a:spcAft>
+                <a:spcPts val="0"/>
+              </a:spcAft>
+              <a:buSzPts val="4200"/>
+              <a:buNone/>
+              <a:defRPr sz="4200"/>
+            </a:lvl1pPr>
+            <a:lvl2pPr lvl="1" algn="ctr">
+              <a:spcBef>
+                <a:spcPts val="0"/>
+              </a:spcBef>
+              <a:spcAft>
+                <a:spcPts val="0"/>
+              </a:spcAft>
+              <a:buSzPts val="4200"/>
+              <a:buNone/>
+              <a:defRPr sz="4200"/>
+            </a:lvl2pPr>
+            <a:lvl3pPr lvl="2" algn="ctr">
+              <a:spcBef>
+                <a:spcPts val="0"/>
+              </a:spcBef>
+              <a:spcAft>
+                <a:spcPts val="0"/>
+              </a:spcAft>
+              <a:buSzPts val="4200"/>
+              <a:buNone/>
+              <a:defRPr sz="4200"/>
+            </a:lvl3pPr>
+            <a:lvl4pPr lvl="3" algn="ctr">
+              <a:spcBef>
+                <a:spcPts val="0"/>
+              </a:spcBef>
+              <a:spcAft>
+                <a:spcPts val="0"/>
+              </a:spcAft>
+              <a:buSzPts val="4200"/>
+              <a:buNone/>
+              <a:defRPr sz="4200"/>
+            </a:lvl4pPr>
+            <a:lvl5pPr lvl="4" algn="ctr">
+              <a:spcBef>
+                <a:spcPts val="0"/>
+              </a:spcBef>
+              <a:spcAft>
+                <a:spcPts val="0"/>
+              </a:spcAft>
+              <a:buSzPts val="4200"/>
+              <a:buNone/>
+              <a:defRPr sz="4200"/>
+            </a:lvl5pPr>
+            <a:lvl6pPr lvl="5" algn="ctr">
+              <a:spcBef>
+                <a:spcPts val="0"/>
+              </a:spcBef>
+              <a:spcAft>
+                <a:spcPts val="0"/>
+              </a:spcAft>
+              <a:buSzPts val="4200"/>
+              <a:buNone/>
+              <a:defRPr sz="4200"/>
+            </a:lvl6pPr>
+            <a:lvl7pPr lvl="6" algn="ctr">
+              <a:spcBef>
+                <a:spcPts val="0"/>
+              </a:spcBef>
+              <a:spcAft>
+                <a:spcPts val="0"/>
+              </a:spcAft>
+              <a:buSzPts val="4200"/>
+              <a:buNone/>
+              <a:defRPr sz="4200"/>
+            </a:lvl7pPr>
+            <a:lvl8pPr lvl="7" algn="ctr">
+              <a:spcBef>
+                <a:spcPts val="0"/>
+              </a:spcBef>
+              <a:spcAft>
+                <a:spcPts val="0"/>
+              </a:spcAft>
+              <a:buSzPts val="4200"/>
+              <a:buNone/>
+              <a:defRPr sz="4200"/>
+            </a:lvl8pPr>
+            <a:lvl9pPr lvl="8" algn="ctr">
+              <a:spcBef>
+                <a:spcPts val="0"/>
+              </a:spcBef>
+              <a:spcAft>
+                <a:spcPts val="0"/>
+              </a:spcAft>
+              <a:buSzPts val="4200"/>
+              <a:buNone/>
+              <a:defRPr sz="4200"/>
+            </a:lvl9pPr>
+          </a:lstStyle>
+          <a:p>
+            <a:endParaRPr/>
+          </a:p>
+        </p:txBody>
+      </p:sp>
+      <p:sp>
+        <p:nvSpPr>
+          <p:cNvPr id="63" name="Google Shape;63;p9"/>
+          <p:cNvSpPr txBox="1">
+            <a:spLocks noGrp="1"/>
+          </p:cNvSpPr>
+          <p:nvPr>
+            <p:ph type="subTitle" idx="1"/>
+          </p:nvPr>
+        </p:nvSpPr>
+        <p:spPr>
+          <a:xfrm>
+            <a:off x="265500" y="2769001"/>
+            <a:ext cx="4045200" cy="1269300"/>
+          </a:xfrm>
+          <a:prstGeom prst="rect">
+            <a:avLst/>
+          </a:prstGeom>
+        </p:spPr>
+        <p:txBody>
+          <a:bodyPr spcFirstLastPara="1" wrap="square" lIns="91425" tIns="91425" rIns="91425" bIns="91425" anchor="t" anchorCtr="0">
+            <a:noAutofit/>
+          </a:bodyPr>
+          <a:lstStyle>
+            <a:lvl1pPr lvl="0" algn="ctr">
+              <a:lnSpc>
+                <a:spcPct val="100000"/>
+              </a:lnSpc>
+              <a:spcBef>
+                <a:spcPts val="0"/>
+              </a:spcBef>
+              <a:spcAft>
+                <a:spcPts val="0"/>
+              </a:spcAft>
+              <a:buSzPts val="2100"/>
+              <a:buNone/>
+              <a:defRPr sz="2100"/>
+            </a:lvl1pPr>
+            <a:lvl2pPr lvl="1" algn="ctr">
+              <a:lnSpc>
+                <a:spcPct val="100000"/>
+              </a:lnSpc>
+              <a:spcBef>
+                <a:spcPts val="0"/>
+              </a:spcBef>
+              <a:spcAft>
+                <a:spcPts val="0"/>
+              </a:spcAft>
+              <a:buSzPts val="2100"/>
+              <a:buNone/>
+              <a:defRPr sz="2100"/>
+            </a:lvl2pPr>
+            <a:lvl3pPr lvl="2" algn="ctr">
+              <a:lnSpc>
+                <a:spcPct val="100000"/>
+              </a:lnSpc>
+              <a:spcBef>
+                <a:spcPts val="0"/>
+              </a:spcBef>
+              <a:spcAft>
+                <a:spcPts val="0"/>
+              </a:spcAft>
+              <a:buSzPts val="2100"/>
+              <a:buNone/>
+              <a:defRPr sz="2100"/>
+            </a:lvl3pPr>
+            <a:lvl4pPr lvl="3" algn="ctr">
+              <a:lnSpc>
+                <a:spcPct val="100000"/>
+              </a:lnSpc>
+              <a:spcBef>
+                <a:spcPts val="0"/>
+              </a:spcBef>
+              <a:spcAft>
+                <a:spcPts val="0"/>
+              </a:spcAft>
+              <a:buSzPts val="2100"/>
+              <a:buNone/>
+              <a:defRPr sz="2100"/>
+            </a:lvl4pPr>
+            <a:lvl5pPr lvl="4" algn="ctr">
+              <a:lnSpc>
+                <a:spcPct val="100000"/>
+              </a:lnSpc>
+              <a:spcBef>
+                <a:spcPts val="0"/>
+              </a:spcBef>
+              <a:spcAft>
+                <a:spcPts val="0"/>
+              </a:spcAft>
+              <a:buSzPts val="2100"/>
+              <a:buNone/>
+              <a:defRPr sz="2100"/>
+            </a:lvl5pPr>
+            <a:lvl6pPr lvl="5" algn="ctr">
+              <a:lnSpc>
+                <a:spcPct val="100000"/>
+              </a:lnSpc>
+              <a:spcBef>
+                <a:spcPts val="0"/>
+              </a:spcBef>
+              <a:spcAft>
+                <a:spcPts val="0"/>
+              </a:spcAft>
+              <a:buSzPts val="2100"/>
+              <a:buNone/>
+              <a:defRPr sz="2100"/>
+            </a:lvl6pPr>
+            <a:lvl7pPr lvl="6" algn="ctr">
+              <a:lnSpc>
+                <a:spcPct val="100000"/>
+              </a:lnSpc>
+              <a:spcBef>
+                <a:spcPts val="0"/>
+              </a:spcBef>
+              <a:spcAft>
+                <a:spcPts val="0"/>
+              </a:spcAft>
+              <a:buSzPts val="2100"/>
+              <a:buNone/>
+              <a:defRPr sz="2100"/>
+            </a:lvl7pPr>
+            <a:lvl8pPr lvl="7" algn="ctr">
+              <a:lnSpc>
+                <a:spcPct val="100000"/>
+              </a:lnSpc>
+              <a:spcBef>
+                <a:spcPts val="0"/>
+              </a:spcBef>
+              <a:spcAft>
+                <a:spcPts val="0"/>
+              </a:spcAft>
+              <a:buSzPts val="2100"/>
+              <a:buNone/>
+              <a:defRPr sz="2100"/>
+            </a:lvl8pPr>
+            <a:lvl9pPr lvl="8" algn="ctr">
+              <a:lnSpc>
+                <a:spcPct val="100000"/>
+              </a:lnSpc>
+              <a:spcBef>
+                <a:spcPts val="0"/>
+              </a:spcBef>
+              <a:spcAft>
+                <a:spcPts val="0"/>
+              </a:spcAft>
+              <a:buSzPts val="2100"/>
+              <a:buNone/>
+              <a:defRPr sz="2100"/>
+            </a:lvl9pPr>
+          </a:lstStyle>
+          <a:p>
+            <a:endParaRPr/>
+          </a:p>
+        </p:txBody>
+      </p:sp>
+      <p:sp>
+        <p:nvSpPr>
+          <p:cNvPr id="64" name="Google Shape;64;p9"/>
+          <p:cNvSpPr txBox="1">
+            <a:spLocks noGrp="1"/>
+          </p:cNvSpPr>
+          <p:nvPr>
+            <p:ph type="body" idx="2"/>
+          </p:nvPr>
+        </p:nvSpPr>
+        <p:spPr>
+          <a:xfrm>
+            <a:off x="4939500" y="724200"/>
+            <a:ext cx="3837000" cy="3695100"/>
+          </a:xfrm>
+          <a:prstGeom prst="rect">
+            <a:avLst/>
+          </a:prstGeom>
+        </p:spPr>
+        <p:txBody>
+          <a:bodyPr spcFirstLastPara="1" wrap="square" lIns="91425" tIns="91425" rIns="91425" bIns="91425" anchor="ctr" anchorCtr="0">
+            <a:noAutofit/>
+          </a:bodyPr>
+          <a:lstStyle>
+            <a:lvl1pPr marL="457200" lvl="0" indent="-342900">
+              <a:spcBef>
+                <a:spcPts val="0"/>
+              </a:spcBef>
+              <a:spcAft>
+                <a:spcPts val="0"/>
+              </a:spcAft>
+              <a:buClr>
+                <a:schemeClr val="lt1"/>
+              </a:buClr>
+              <a:buSzPts val="1800"/>
+              <a:buChar char="●"/>
+              <a:defRPr>
+                <a:solidFill>
+                  <a:schemeClr val="lt1"/>
+                </a:solidFill>
+              </a:defRPr>
+            </a:lvl1pPr>
+            <a:lvl2pPr marL="914400" lvl="1" indent="-317500">
+              <a:spcBef>
+                <a:spcPts val="1600"/>
+              </a:spcBef>
+              <a:spcAft>
+                <a:spcPts val="0"/>
+              </a:spcAft>
+              <a:buClr>
+                <a:schemeClr val="lt1"/>
+              </a:buClr>
+              <a:buSzPts val="1400"/>
+              <a:buChar char="○"/>
+              <a:defRPr>
+                <a:solidFill>
+                  <a:schemeClr val="lt1"/>
+                </a:solidFill>
+              </a:defRPr>
+            </a:lvl2pPr>
+            <a:lvl3pPr marL="1371600" lvl="2" indent="-317500">
+              <a:spcBef>
+                <a:spcPts val="1600"/>
+              </a:spcBef>
+              <a:spcAft>
+                <a:spcPts val="0"/>
+              </a:spcAft>
+              <a:buClr>
+                <a:schemeClr val="lt1"/>
+              </a:buClr>
+              <a:buSzPts val="1400"/>
+              <a:buChar char="■"/>
+              <a:defRPr>
+                <a:solidFill>
+                  <a:schemeClr val="lt1"/>
+                </a:solidFill>
+              </a:defRPr>
+            </a:lvl3pPr>
+            <a:lvl4pPr marL="1828800" lvl="3" indent="-317500">
+              <a:spcBef>
+                <a:spcPts val="1600"/>
+              </a:spcBef>
+              <a:spcAft>
+                <a:spcPts val="0"/>
+              </a:spcAft>
+              <a:buClr>
+                <a:schemeClr val="lt1"/>
+              </a:buClr>
+              <a:buSzPts val="1400"/>
+              <a:buChar char="●"/>
+              <a:defRPr>
+                <a:solidFill>
+                  <a:schemeClr val="lt1"/>
+                </a:solidFill>
+              </a:defRPr>
+            </a:lvl4pPr>
+            <a:lvl5pPr marL="2286000" lvl="4" indent="-317500">
+              <a:spcBef>
+                <a:spcPts val="1600"/>
+              </a:spcBef>
+              <a:spcAft>
+                <a:spcPts val="0"/>
+              </a:spcAft>
+              <a:buClr>
+                <a:schemeClr val="lt1"/>
+              </a:buClr>
+              <a:buSzPts val="1400"/>
+              <a:buChar char="○"/>
+              <a:defRPr>
+                <a:solidFill>
+                  <a:schemeClr val="lt1"/>
+                </a:solidFill>
+              </a:defRPr>
+            </a:lvl5pPr>
+            <a:lvl6pPr marL="2743200" lvl="5" indent="-317500">
+              <a:spcBef>
+                <a:spcPts val="1600"/>
+              </a:spcBef>
+              <a:spcAft>
+                <a:spcPts val="0"/>
+              </a:spcAft>
+              <a:buClr>
+                <a:schemeClr val="lt1"/>
+              </a:buClr>
+              <a:buSzPts val="1400"/>
+              <a:buChar char="■"/>
+              <a:defRPr>
+                <a:solidFill>
+                  <a:schemeClr val="lt1"/>
+                </a:solidFill>
+              </a:defRPr>
+            </a:lvl6pPr>
+            <a:lvl7pPr marL="3200400" lvl="6" indent="-317500">
+              <a:spcBef>
+                <a:spcPts val="1600"/>
+              </a:spcBef>
+              <a:spcAft>
+                <a:spcPts val="0"/>
+              </a:spcAft>
+              <a:buClr>
+                <a:schemeClr val="lt1"/>
+              </a:buClr>
+              <a:buSzPts val="1400"/>
+              <a:buChar char="●"/>
+              <a:defRPr>
+                <a:solidFill>
+                  <a:schemeClr val="lt1"/>
+                </a:solidFill>
+              </a:defRPr>
+            </a:lvl7pPr>
+            <a:lvl8pPr marL="3657600" lvl="7" indent="-317500">
+              <a:spcBef>
+                <a:spcPts val="1600"/>
+              </a:spcBef>
+              <a:spcAft>
+                <a:spcPts val="0"/>
+              </a:spcAft>
+              <a:buClr>
+                <a:schemeClr val="lt1"/>
+              </a:buClr>
+              <a:buSzPts val="1400"/>
+              <a:buChar char="○"/>
+              <a:defRPr>
+                <a:solidFill>
+                  <a:schemeClr val="lt1"/>
+                </a:solidFill>
+              </a:defRPr>
+            </a:lvl8pPr>
+            <a:lvl9pPr marL="4114800" lvl="8" indent="-317500">
+              <a:spcBef>
+                <a:spcPts val="1600"/>
+              </a:spcBef>
+              <a:spcAft>
+                <a:spcPts val="1600"/>
+              </a:spcAft>
+              <a:buClr>
+                <a:schemeClr val="lt1"/>
+              </a:buClr>
+              <a:buSzPts val="1400"/>
+              <a:buChar char="■"/>
+              <a:defRPr>
+                <a:solidFill>
+                  <a:schemeClr val="lt1"/>
+                </a:solidFill>
+              </a:defRPr>
+            </a:lvl9pPr>
+          </a:lstStyle>
+          <a:p>
+            <a:endParaRPr/>
+          </a:p>
+        </p:txBody>
+      </p:sp>
+      <p:sp>
+        <p:nvSpPr>
+          <p:cNvPr id="65" name="Google Shape;65;p9"/>
+          <p:cNvSpPr txBox="1">
+            <a:spLocks noGrp="1"/>
+          </p:cNvSpPr>
+          <p:nvPr>
+            <p:ph type="sldNum" idx="12"/>
+          </p:nvPr>
+        </p:nvSpPr>
+        <p:spPr>
+          <a:xfrm>
+            <a:off x="8460431" y="4651190"/>
+            <a:ext cx="548700" cy="393600"/>
+          </a:xfrm>
+          <a:prstGeom prst="rect">
+            <a:avLst/>
+          </a:prstGeom>
+        </p:spPr>
+        <p:txBody>
+          <a:bodyPr spcFirstLastPara="1" wrap="square" lIns="91425" tIns="91425" rIns="91425" bIns="91425" anchor="ctr" anchorCtr="0">
+            <a:noAutofit/>
+          </a:bodyPr>
+          <a:lstStyle>
+            <a:lvl1pPr lvl="0">
+              <a:buNone/>
+              <a:defRPr/>
+            </a:lvl1pPr>
+            <a:lvl2pPr lvl="1">
+              <a:buNone/>
+              <a:defRPr/>
+            </a:lvl2pPr>
+            <a:lvl3pPr lvl="2">
+              <a:buNone/>
+              <a:defRPr/>
+            </a:lvl3pPr>
+            <a:lvl4pPr lvl="3">
+              <a:buNone/>
+              <a:defRPr/>
+            </a:lvl4pPr>
+            <a:lvl5pPr lvl="4">
+              <a:buNone/>
+              <a:defRPr/>
+            </a:lvl5pPr>
+            <a:lvl6pPr lvl="5">
+              <a:buNone/>
+              <a:defRPr/>
+            </a:lvl6pPr>
+            <a:lvl7pPr lvl="6">
+              <a:buNone/>
+              <a:defRPr/>
+            </a:lvl7pPr>
+            <a:lvl8pPr lvl="7">
+              <a:buNone/>
+              <a:defRPr/>
+            </a:lvl8pPr>
+            <a:lvl9pPr lvl="8">
+              <a:buNone/>
+              <a:defRPr/>
+            </a:lvl9pPr>
+          </a:lstStyle>
+          <a:p>
+            <a:pPr marL="0" lvl="0" indent="0" algn="r" rtl="0">
+              <a:spcBef>
+                <a:spcPts val="0"/>
+              </a:spcBef>
+              <a:spcAft>
+                <a:spcPts val="0"/>
+              </a:spcAft>
+              <a:buNone/>
+            </a:pPr>
+            <a:fld id="{00000000-1234-1234-1234-123412341234}" type="slidenum">
+              <a:rPr lang="fr"/>
+              <a:t>‹N°›</a:t>
+            </a:fld>
+            <a:endParaRPr/>
+          </a:p>
+        </p:txBody>
+      </p:sp>
+    </p:spTree>
+    <p:extLst>
+      <p:ext uri="{BB962C8B-B14F-4D97-AF65-F5344CB8AC3E}">
+        <p14:creationId xmlns:p14="http://schemas.microsoft.com/office/powerpoint/2010/main" val="1356734747"/>
+      </p:ext>
+    </p:extLst>
+  </p:cSld>
+  <p:clrMapOvr>
+    <a:masterClrMapping/>
+  </p:clrMapOvr>
+</p:sldLayout>
+</file>
+
 <file path=ppt/slideLayouts/slideLayout2.xml><?xml version="1.0" encoding="utf-8"?>
 <p:sldLayout xmlns:a="http://schemas.openxmlformats.org/drawingml/2006/main" xmlns:r="http://schemas.openxmlformats.org/officeDocument/2006/relationships" xmlns:p="http://schemas.openxmlformats.org/presentationml/2006/main" matchingName="Section header" type="secHead">
   <p:cSld name="SECTION_HEADER">
@@ -10078,6 +14418,1058 @@
         </p:txBody>
       </p:sp>
     </p:spTree>
+  </p:cSld>
+  <p:clrMapOvr>
+    <a:masterClrMapping/>
+  </p:clrMapOvr>
+</p:sldLayout>
+</file>
+
+<file path=ppt/slideLayouts/slideLayout20.xml><?xml version="1.0" encoding="utf-8"?>
+<p:sldLayout xmlns:a="http://schemas.openxmlformats.org/drawingml/2006/main" xmlns:r="http://schemas.openxmlformats.org/officeDocument/2006/relationships" xmlns:p="http://schemas.openxmlformats.org/presentationml/2006/main" matchingName="Caption">
+  <p:cSld name="Caption">
+    <p:spTree>
+      <p:nvGrpSpPr>
+        <p:cNvPr id="1" name="Shape 66"/>
+        <p:cNvGrpSpPr/>
+        <p:nvPr/>
+      </p:nvGrpSpPr>
+      <p:grpSpPr>
+        <a:xfrm>
+          <a:off x="0" y="0"/>
+          <a:ext cx="0" cy="0"/>
+          <a:chOff x="0" y="0"/>
+          <a:chExt cx="0" cy="0"/>
+        </a:xfrm>
+      </p:grpSpPr>
+      <p:sp>
+        <p:nvSpPr>
+          <p:cNvPr id="67" name="Google Shape;67;p10"/>
+          <p:cNvSpPr txBox="1">
+            <a:spLocks noGrp="1"/>
+          </p:cNvSpPr>
+          <p:nvPr>
+            <p:ph type="body" idx="1"/>
+          </p:nvPr>
+        </p:nvSpPr>
+        <p:spPr>
+          <a:xfrm>
+            <a:off x="319500" y="4230575"/>
+            <a:ext cx="5998800" cy="598800"/>
+          </a:xfrm>
+          <a:prstGeom prst="rect">
+            <a:avLst/>
+          </a:prstGeom>
+        </p:spPr>
+        <p:txBody>
+          <a:bodyPr spcFirstLastPara="1" wrap="square" lIns="91425" tIns="91425" rIns="91425" bIns="91425" anchor="ctr" anchorCtr="0">
+            <a:noAutofit/>
+          </a:bodyPr>
+          <a:lstStyle>
+            <a:lvl1pPr marL="457200" lvl="0" indent="-228600">
+              <a:lnSpc>
+                <a:spcPct val="100000"/>
+              </a:lnSpc>
+              <a:spcBef>
+                <a:spcPts val="0"/>
+              </a:spcBef>
+              <a:spcAft>
+                <a:spcPts val="0"/>
+              </a:spcAft>
+              <a:buSzPts val="1800"/>
+              <a:buNone/>
+              <a:defRPr/>
+            </a:lvl1pPr>
+          </a:lstStyle>
+          <a:p>
+            <a:endParaRPr/>
+          </a:p>
+        </p:txBody>
+      </p:sp>
+      <p:sp>
+        <p:nvSpPr>
+          <p:cNvPr id="68" name="Google Shape;68;p10"/>
+          <p:cNvSpPr txBox="1">
+            <a:spLocks noGrp="1"/>
+          </p:cNvSpPr>
+          <p:nvPr>
+            <p:ph type="sldNum" idx="12"/>
+          </p:nvPr>
+        </p:nvSpPr>
+        <p:spPr>
+          <a:xfrm>
+            <a:off x="8460431" y="4651190"/>
+            <a:ext cx="548700" cy="393600"/>
+          </a:xfrm>
+          <a:prstGeom prst="rect">
+            <a:avLst/>
+          </a:prstGeom>
+        </p:spPr>
+        <p:txBody>
+          <a:bodyPr spcFirstLastPara="1" wrap="square" lIns="91425" tIns="91425" rIns="91425" bIns="91425" anchor="ctr" anchorCtr="0">
+            <a:noAutofit/>
+          </a:bodyPr>
+          <a:lstStyle>
+            <a:lvl1pPr lvl="0">
+              <a:buNone/>
+              <a:defRPr>
+                <a:solidFill>
+                  <a:schemeClr val="dk2"/>
+                </a:solidFill>
+              </a:defRPr>
+            </a:lvl1pPr>
+            <a:lvl2pPr lvl="1">
+              <a:buNone/>
+              <a:defRPr>
+                <a:solidFill>
+                  <a:schemeClr val="dk2"/>
+                </a:solidFill>
+              </a:defRPr>
+            </a:lvl2pPr>
+            <a:lvl3pPr lvl="2">
+              <a:buNone/>
+              <a:defRPr>
+                <a:solidFill>
+                  <a:schemeClr val="dk2"/>
+                </a:solidFill>
+              </a:defRPr>
+            </a:lvl3pPr>
+            <a:lvl4pPr lvl="3">
+              <a:buNone/>
+              <a:defRPr>
+                <a:solidFill>
+                  <a:schemeClr val="dk2"/>
+                </a:solidFill>
+              </a:defRPr>
+            </a:lvl4pPr>
+            <a:lvl5pPr lvl="4">
+              <a:buNone/>
+              <a:defRPr>
+                <a:solidFill>
+                  <a:schemeClr val="dk2"/>
+                </a:solidFill>
+              </a:defRPr>
+            </a:lvl5pPr>
+            <a:lvl6pPr lvl="5">
+              <a:buNone/>
+              <a:defRPr>
+                <a:solidFill>
+                  <a:schemeClr val="dk2"/>
+                </a:solidFill>
+              </a:defRPr>
+            </a:lvl6pPr>
+            <a:lvl7pPr lvl="6">
+              <a:buNone/>
+              <a:defRPr>
+                <a:solidFill>
+                  <a:schemeClr val="dk2"/>
+                </a:solidFill>
+              </a:defRPr>
+            </a:lvl7pPr>
+            <a:lvl8pPr lvl="7">
+              <a:buNone/>
+              <a:defRPr>
+                <a:solidFill>
+                  <a:schemeClr val="dk2"/>
+                </a:solidFill>
+              </a:defRPr>
+            </a:lvl8pPr>
+            <a:lvl9pPr lvl="8">
+              <a:buNone/>
+              <a:defRPr>
+                <a:solidFill>
+                  <a:schemeClr val="dk2"/>
+                </a:solidFill>
+              </a:defRPr>
+            </a:lvl9pPr>
+          </a:lstStyle>
+          <a:p>
+            <a:pPr marL="0" lvl="0" indent="0" algn="r" rtl="0">
+              <a:spcBef>
+                <a:spcPts val="0"/>
+              </a:spcBef>
+              <a:spcAft>
+                <a:spcPts val="0"/>
+              </a:spcAft>
+              <a:buNone/>
+            </a:pPr>
+            <a:fld id="{00000000-1234-1234-1234-123412341234}" type="slidenum">
+              <a:rPr lang="fr"/>
+              <a:t>‹N°›</a:t>
+            </a:fld>
+            <a:endParaRPr/>
+          </a:p>
+        </p:txBody>
+      </p:sp>
+    </p:spTree>
+    <p:extLst>
+      <p:ext uri="{BB962C8B-B14F-4D97-AF65-F5344CB8AC3E}">
+        <p14:creationId xmlns:p14="http://schemas.microsoft.com/office/powerpoint/2010/main" val="3518618411"/>
+      </p:ext>
+    </p:extLst>
+  </p:cSld>
+  <p:clrMapOvr>
+    <a:masterClrMapping/>
+  </p:clrMapOvr>
+</p:sldLayout>
+</file>
+
+<file path=ppt/slideLayouts/slideLayout21.xml><?xml version="1.0" encoding="utf-8"?>
+<p:sldLayout xmlns:a="http://schemas.openxmlformats.org/drawingml/2006/main" xmlns:r="http://schemas.openxmlformats.org/officeDocument/2006/relationships" xmlns:p="http://schemas.openxmlformats.org/presentationml/2006/main" matchingName="Big number">
+  <p:cSld name="Big number">
+    <p:bg>
+      <p:bgPr>
+        <a:solidFill>
+          <a:schemeClr val="dk1"/>
+        </a:solidFill>
+        <a:effectLst/>
+      </p:bgPr>
+    </p:bg>
+    <p:spTree>
+      <p:nvGrpSpPr>
+        <p:cNvPr id="1" name="Shape 69"/>
+        <p:cNvGrpSpPr/>
+        <p:nvPr/>
+      </p:nvGrpSpPr>
+      <p:grpSpPr>
+        <a:xfrm>
+          <a:off x="0" y="0"/>
+          <a:ext cx="0" cy="0"/>
+          <a:chOff x="0" y="0"/>
+          <a:chExt cx="0" cy="0"/>
+        </a:xfrm>
+      </p:grpSpPr>
+      <p:grpSp>
+        <p:nvGrpSpPr>
+          <p:cNvPr id="70" name="Google Shape;70;p11"/>
+          <p:cNvGrpSpPr/>
+          <p:nvPr/>
+        </p:nvGrpSpPr>
+        <p:grpSpPr>
+          <a:xfrm>
+            <a:off x="6098378" y="5"/>
+            <a:ext cx="3045625" cy="2030570"/>
+            <a:chOff x="6098378" y="5"/>
+            <a:chExt cx="3045625" cy="2030570"/>
+          </a:xfrm>
+        </p:grpSpPr>
+        <p:sp>
+          <p:nvSpPr>
+            <p:cNvPr id="71" name="Google Shape;71;p11"/>
+            <p:cNvSpPr/>
+            <p:nvPr/>
+          </p:nvSpPr>
+          <p:spPr>
+            <a:xfrm>
+              <a:off x="8128803" y="16"/>
+              <a:ext cx="1015200" cy="1015200"/>
+            </a:xfrm>
+            <a:prstGeom prst="rect">
+              <a:avLst/>
+            </a:prstGeom>
+            <a:solidFill>
+              <a:schemeClr val="accent1"/>
+            </a:solidFill>
+            <a:ln>
+              <a:noFill/>
+            </a:ln>
+          </p:spPr>
+          <p:txBody>
+            <a:bodyPr spcFirstLastPara="1" wrap="square" lIns="91425" tIns="91425" rIns="91425" bIns="91425" anchor="ctr" anchorCtr="0">
+              <a:noAutofit/>
+            </a:bodyPr>
+            <a:lstStyle/>
+            <a:p>
+              <a:pPr marL="0" lvl="0" indent="0" algn="l" rtl="0">
+                <a:spcBef>
+                  <a:spcPts val="0"/>
+                </a:spcBef>
+                <a:spcAft>
+                  <a:spcPts val="0"/>
+                </a:spcAft>
+                <a:buNone/>
+              </a:pPr>
+              <a:endParaRPr/>
+            </a:p>
+          </p:txBody>
+        </p:sp>
+        <p:sp>
+          <p:nvSpPr>
+            <p:cNvPr id="72" name="Google Shape;72;p11"/>
+            <p:cNvSpPr/>
+            <p:nvPr/>
+          </p:nvSpPr>
+          <p:spPr>
+            <a:xfrm flipH="1">
+              <a:off x="7113463" y="5"/>
+              <a:ext cx="1015200" cy="1015200"/>
+            </a:xfrm>
+            <a:prstGeom prst="rtTriangle">
+              <a:avLst/>
+            </a:prstGeom>
+            <a:solidFill>
+              <a:schemeClr val="accent2"/>
+            </a:solidFill>
+            <a:ln>
+              <a:noFill/>
+            </a:ln>
+          </p:spPr>
+          <p:txBody>
+            <a:bodyPr spcFirstLastPara="1" wrap="square" lIns="91425" tIns="91425" rIns="91425" bIns="91425" anchor="ctr" anchorCtr="0">
+              <a:noAutofit/>
+            </a:bodyPr>
+            <a:lstStyle/>
+            <a:p>
+              <a:pPr marL="0" lvl="0" indent="0" algn="l" rtl="0">
+                <a:spcBef>
+                  <a:spcPts val="0"/>
+                </a:spcBef>
+                <a:spcAft>
+                  <a:spcPts val="0"/>
+                </a:spcAft>
+                <a:buNone/>
+              </a:pPr>
+              <a:endParaRPr/>
+            </a:p>
+          </p:txBody>
+        </p:sp>
+        <p:sp>
+          <p:nvSpPr>
+            <p:cNvPr id="73" name="Google Shape;73;p11"/>
+            <p:cNvSpPr/>
+            <p:nvPr/>
+          </p:nvSpPr>
+          <p:spPr>
+            <a:xfrm rot="10800000" flipH="1">
+              <a:off x="7113588" y="107"/>
+              <a:ext cx="1015200" cy="1015200"/>
+            </a:xfrm>
+            <a:prstGeom prst="rtTriangle">
+              <a:avLst/>
+            </a:prstGeom>
+            <a:solidFill>
+              <a:schemeClr val="accent6"/>
+            </a:solidFill>
+            <a:ln>
+              <a:noFill/>
+            </a:ln>
+          </p:spPr>
+          <p:txBody>
+            <a:bodyPr spcFirstLastPara="1" wrap="square" lIns="91425" tIns="91425" rIns="91425" bIns="91425" anchor="ctr" anchorCtr="0">
+              <a:noAutofit/>
+            </a:bodyPr>
+            <a:lstStyle/>
+            <a:p>
+              <a:pPr marL="0" lvl="0" indent="0" algn="l" rtl="0">
+                <a:spcBef>
+                  <a:spcPts val="0"/>
+                </a:spcBef>
+                <a:spcAft>
+                  <a:spcPts val="0"/>
+                </a:spcAft>
+                <a:buNone/>
+              </a:pPr>
+              <a:endParaRPr/>
+            </a:p>
+          </p:txBody>
+        </p:sp>
+        <p:sp>
+          <p:nvSpPr>
+            <p:cNvPr id="74" name="Google Shape;74;p11"/>
+            <p:cNvSpPr/>
+            <p:nvPr/>
+          </p:nvSpPr>
+          <p:spPr>
+            <a:xfrm rot="10800000">
+              <a:off x="6098378" y="97"/>
+              <a:ext cx="1015200" cy="1015200"/>
+            </a:xfrm>
+            <a:prstGeom prst="rtTriangle">
+              <a:avLst/>
+            </a:prstGeom>
+            <a:solidFill>
+              <a:schemeClr val="accent1"/>
+            </a:solidFill>
+            <a:ln>
+              <a:noFill/>
+            </a:ln>
+          </p:spPr>
+          <p:txBody>
+            <a:bodyPr spcFirstLastPara="1" wrap="square" lIns="91425" tIns="91425" rIns="91425" bIns="91425" anchor="ctr" anchorCtr="0">
+              <a:noAutofit/>
+            </a:bodyPr>
+            <a:lstStyle/>
+            <a:p>
+              <a:pPr marL="0" lvl="0" indent="0" algn="l" rtl="0">
+                <a:spcBef>
+                  <a:spcPts val="0"/>
+                </a:spcBef>
+                <a:spcAft>
+                  <a:spcPts val="0"/>
+                </a:spcAft>
+                <a:buNone/>
+              </a:pPr>
+              <a:endParaRPr/>
+            </a:p>
+          </p:txBody>
+        </p:sp>
+        <p:sp>
+          <p:nvSpPr>
+            <p:cNvPr id="75" name="Google Shape;75;p11"/>
+            <p:cNvSpPr/>
+            <p:nvPr/>
+          </p:nvSpPr>
+          <p:spPr>
+            <a:xfrm rot="10800000">
+              <a:off x="8128789" y="1015375"/>
+              <a:ext cx="1015200" cy="1015200"/>
+            </a:xfrm>
+            <a:prstGeom prst="rtTriangle">
+              <a:avLst/>
+            </a:prstGeom>
+            <a:solidFill>
+              <a:schemeClr val="accent6"/>
+            </a:solidFill>
+            <a:ln>
+              <a:noFill/>
+            </a:ln>
+          </p:spPr>
+          <p:txBody>
+            <a:bodyPr spcFirstLastPara="1" wrap="square" lIns="91425" tIns="91425" rIns="91425" bIns="91425" anchor="ctr" anchorCtr="0">
+              <a:noAutofit/>
+            </a:bodyPr>
+            <a:lstStyle/>
+            <a:p>
+              <a:pPr marL="0" lvl="0" indent="0" algn="l" rtl="0">
+                <a:spcBef>
+                  <a:spcPts val="0"/>
+                </a:spcBef>
+                <a:spcAft>
+                  <a:spcPts val="0"/>
+                </a:spcAft>
+                <a:buNone/>
+              </a:pPr>
+              <a:endParaRPr/>
+            </a:p>
+          </p:txBody>
+        </p:sp>
+      </p:grpSp>
+      <p:sp>
+        <p:nvSpPr>
+          <p:cNvPr id="76" name="Google Shape;76;p11"/>
+          <p:cNvSpPr txBox="1">
+            <a:spLocks noGrp="1"/>
+          </p:cNvSpPr>
+          <p:nvPr>
+            <p:ph type="title" hasCustomPrompt="1"/>
+          </p:nvPr>
+        </p:nvSpPr>
+        <p:spPr>
+          <a:xfrm>
+            <a:off x="311700" y="1256050"/>
+            <a:ext cx="8520600" cy="2030700"/>
+          </a:xfrm>
+          <a:prstGeom prst="rect">
+            <a:avLst/>
+          </a:prstGeom>
+        </p:spPr>
+        <p:txBody>
+          <a:bodyPr spcFirstLastPara="1" wrap="square" lIns="91425" tIns="91425" rIns="91425" bIns="91425" anchor="b" anchorCtr="0">
+            <a:noAutofit/>
+          </a:bodyPr>
+          <a:lstStyle>
+            <a:lvl1pPr lvl="0" algn="ctr">
+              <a:spcBef>
+                <a:spcPts val="0"/>
+              </a:spcBef>
+              <a:spcAft>
+                <a:spcPts val="0"/>
+              </a:spcAft>
+              <a:buClr>
+                <a:schemeClr val="lt1"/>
+              </a:buClr>
+              <a:buSzPts val="12000"/>
+              <a:buNone/>
+              <a:defRPr sz="12000">
+                <a:solidFill>
+                  <a:schemeClr val="lt1"/>
+                </a:solidFill>
+              </a:defRPr>
+            </a:lvl1pPr>
+            <a:lvl2pPr lvl="1" algn="ctr">
+              <a:spcBef>
+                <a:spcPts val="0"/>
+              </a:spcBef>
+              <a:spcAft>
+                <a:spcPts val="0"/>
+              </a:spcAft>
+              <a:buClr>
+                <a:schemeClr val="lt1"/>
+              </a:buClr>
+              <a:buSzPts val="12000"/>
+              <a:buNone/>
+              <a:defRPr sz="12000">
+                <a:solidFill>
+                  <a:schemeClr val="lt1"/>
+                </a:solidFill>
+              </a:defRPr>
+            </a:lvl2pPr>
+            <a:lvl3pPr lvl="2" algn="ctr">
+              <a:spcBef>
+                <a:spcPts val="0"/>
+              </a:spcBef>
+              <a:spcAft>
+                <a:spcPts val="0"/>
+              </a:spcAft>
+              <a:buClr>
+                <a:schemeClr val="lt1"/>
+              </a:buClr>
+              <a:buSzPts val="12000"/>
+              <a:buNone/>
+              <a:defRPr sz="12000">
+                <a:solidFill>
+                  <a:schemeClr val="lt1"/>
+                </a:solidFill>
+              </a:defRPr>
+            </a:lvl3pPr>
+            <a:lvl4pPr lvl="3" algn="ctr">
+              <a:spcBef>
+                <a:spcPts val="0"/>
+              </a:spcBef>
+              <a:spcAft>
+                <a:spcPts val="0"/>
+              </a:spcAft>
+              <a:buClr>
+                <a:schemeClr val="lt1"/>
+              </a:buClr>
+              <a:buSzPts val="12000"/>
+              <a:buNone/>
+              <a:defRPr sz="12000">
+                <a:solidFill>
+                  <a:schemeClr val="lt1"/>
+                </a:solidFill>
+              </a:defRPr>
+            </a:lvl4pPr>
+            <a:lvl5pPr lvl="4" algn="ctr">
+              <a:spcBef>
+                <a:spcPts val="0"/>
+              </a:spcBef>
+              <a:spcAft>
+                <a:spcPts val="0"/>
+              </a:spcAft>
+              <a:buClr>
+                <a:schemeClr val="lt1"/>
+              </a:buClr>
+              <a:buSzPts val="12000"/>
+              <a:buNone/>
+              <a:defRPr sz="12000">
+                <a:solidFill>
+                  <a:schemeClr val="lt1"/>
+                </a:solidFill>
+              </a:defRPr>
+            </a:lvl5pPr>
+            <a:lvl6pPr lvl="5" algn="ctr">
+              <a:spcBef>
+                <a:spcPts val="0"/>
+              </a:spcBef>
+              <a:spcAft>
+                <a:spcPts val="0"/>
+              </a:spcAft>
+              <a:buClr>
+                <a:schemeClr val="lt1"/>
+              </a:buClr>
+              <a:buSzPts val="12000"/>
+              <a:buNone/>
+              <a:defRPr sz="12000">
+                <a:solidFill>
+                  <a:schemeClr val="lt1"/>
+                </a:solidFill>
+              </a:defRPr>
+            </a:lvl6pPr>
+            <a:lvl7pPr lvl="6" algn="ctr">
+              <a:spcBef>
+                <a:spcPts val="0"/>
+              </a:spcBef>
+              <a:spcAft>
+                <a:spcPts val="0"/>
+              </a:spcAft>
+              <a:buClr>
+                <a:schemeClr val="lt1"/>
+              </a:buClr>
+              <a:buSzPts val="12000"/>
+              <a:buNone/>
+              <a:defRPr sz="12000">
+                <a:solidFill>
+                  <a:schemeClr val="lt1"/>
+                </a:solidFill>
+              </a:defRPr>
+            </a:lvl7pPr>
+            <a:lvl8pPr lvl="7" algn="ctr">
+              <a:spcBef>
+                <a:spcPts val="0"/>
+              </a:spcBef>
+              <a:spcAft>
+                <a:spcPts val="0"/>
+              </a:spcAft>
+              <a:buClr>
+                <a:schemeClr val="lt1"/>
+              </a:buClr>
+              <a:buSzPts val="12000"/>
+              <a:buNone/>
+              <a:defRPr sz="12000">
+                <a:solidFill>
+                  <a:schemeClr val="lt1"/>
+                </a:solidFill>
+              </a:defRPr>
+            </a:lvl8pPr>
+            <a:lvl9pPr lvl="8" algn="ctr">
+              <a:spcBef>
+                <a:spcPts val="0"/>
+              </a:spcBef>
+              <a:spcAft>
+                <a:spcPts val="0"/>
+              </a:spcAft>
+              <a:buClr>
+                <a:schemeClr val="lt1"/>
+              </a:buClr>
+              <a:buSzPts val="12000"/>
+              <a:buNone/>
+              <a:defRPr sz="12000">
+                <a:solidFill>
+                  <a:schemeClr val="lt1"/>
+                </a:solidFill>
+              </a:defRPr>
+            </a:lvl9pPr>
+          </a:lstStyle>
+          <a:p>
+            <a:r>
+              <a:t>xx%</a:t>
+            </a:r>
+          </a:p>
+        </p:txBody>
+      </p:sp>
+      <p:sp>
+        <p:nvSpPr>
+          <p:cNvPr id="77" name="Google Shape;77;p11"/>
+          <p:cNvSpPr txBox="1">
+            <a:spLocks noGrp="1"/>
+          </p:cNvSpPr>
+          <p:nvPr>
+            <p:ph type="body" idx="1"/>
+          </p:nvPr>
+        </p:nvSpPr>
+        <p:spPr>
+          <a:xfrm>
+            <a:off x="311700" y="3369225"/>
+            <a:ext cx="8520600" cy="1281900"/>
+          </a:xfrm>
+          <a:prstGeom prst="rect">
+            <a:avLst/>
+          </a:prstGeom>
+        </p:spPr>
+        <p:txBody>
+          <a:bodyPr spcFirstLastPara="1" wrap="square" lIns="91425" tIns="91425" rIns="91425" bIns="91425" anchor="t" anchorCtr="0">
+            <a:noAutofit/>
+          </a:bodyPr>
+          <a:lstStyle>
+            <a:lvl1pPr marL="457200" lvl="0" indent="-342900" algn="ctr">
+              <a:spcBef>
+                <a:spcPts val="0"/>
+              </a:spcBef>
+              <a:spcAft>
+                <a:spcPts val="0"/>
+              </a:spcAft>
+              <a:buClr>
+                <a:schemeClr val="lt1"/>
+              </a:buClr>
+              <a:buSzPts val="1800"/>
+              <a:buChar char="●"/>
+              <a:defRPr>
+                <a:solidFill>
+                  <a:schemeClr val="lt1"/>
+                </a:solidFill>
+              </a:defRPr>
+            </a:lvl1pPr>
+            <a:lvl2pPr marL="914400" lvl="1" indent="-317500" algn="ctr">
+              <a:spcBef>
+                <a:spcPts val="1600"/>
+              </a:spcBef>
+              <a:spcAft>
+                <a:spcPts val="0"/>
+              </a:spcAft>
+              <a:buClr>
+                <a:schemeClr val="lt1"/>
+              </a:buClr>
+              <a:buSzPts val="1400"/>
+              <a:buChar char="○"/>
+              <a:defRPr>
+                <a:solidFill>
+                  <a:schemeClr val="lt1"/>
+                </a:solidFill>
+              </a:defRPr>
+            </a:lvl2pPr>
+            <a:lvl3pPr marL="1371600" lvl="2" indent="-317500" algn="ctr">
+              <a:spcBef>
+                <a:spcPts val="1600"/>
+              </a:spcBef>
+              <a:spcAft>
+                <a:spcPts val="0"/>
+              </a:spcAft>
+              <a:buClr>
+                <a:schemeClr val="lt1"/>
+              </a:buClr>
+              <a:buSzPts val="1400"/>
+              <a:buChar char="■"/>
+              <a:defRPr>
+                <a:solidFill>
+                  <a:schemeClr val="lt1"/>
+                </a:solidFill>
+              </a:defRPr>
+            </a:lvl3pPr>
+            <a:lvl4pPr marL="1828800" lvl="3" indent="-317500" algn="ctr">
+              <a:spcBef>
+                <a:spcPts val="1600"/>
+              </a:spcBef>
+              <a:spcAft>
+                <a:spcPts val="0"/>
+              </a:spcAft>
+              <a:buClr>
+                <a:schemeClr val="lt1"/>
+              </a:buClr>
+              <a:buSzPts val="1400"/>
+              <a:buChar char="●"/>
+              <a:defRPr>
+                <a:solidFill>
+                  <a:schemeClr val="lt1"/>
+                </a:solidFill>
+              </a:defRPr>
+            </a:lvl4pPr>
+            <a:lvl5pPr marL="2286000" lvl="4" indent="-317500" algn="ctr">
+              <a:spcBef>
+                <a:spcPts val="1600"/>
+              </a:spcBef>
+              <a:spcAft>
+                <a:spcPts val="0"/>
+              </a:spcAft>
+              <a:buClr>
+                <a:schemeClr val="lt1"/>
+              </a:buClr>
+              <a:buSzPts val="1400"/>
+              <a:buChar char="○"/>
+              <a:defRPr>
+                <a:solidFill>
+                  <a:schemeClr val="lt1"/>
+                </a:solidFill>
+              </a:defRPr>
+            </a:lvl5pPr>
+            <a:lvl6pPr marL="2743200" lvl="5" indent="-317500" algn="ctr">
+              <a:spcBef>
+                <a:spcPts val="1600"/>
+              </a:spcBef>
+              <a:spcAft>
+                <a:spcPts val="0"/>
+              </a:spcAft>
+              <a:buClr>
+                <a:schemeClr val="lt1"/>
+              </a:buClr>
+              <a:buSzPts val="1400"/>
+              <a:buChar char="■"/>
+              <a:defRPr>
+                <a:solidFill>
+                  <a:schemeClr val="lt1"/>
+                </a:solidFill>
+              </a:defRPr>
+            </a:lvl6pPr>
+            <a:lvl7pPr marL="3200400" lvl="6" indent="-317500" algn="ctr">
+              <a:spcBef>
+                <a:spcPts val="1600"/>
+              </a:spcBef>
+              <a:spcAft>
+                <a:spcPts val="0"/>
+              </a:spcAft>
+              <a:buClr>
+                <a:schemeClr val="lt1"/>
+              </a:buClr>
+              <a:buSzPts val="1400"/>
+              <a:buChar char="●"/>
+              <a:defRPr>
+                <a:solidFill>
+                  <a:schemeClr val="lt1"/>
+                </a:solidFill>
+              </a:defRPr>
+            </a:lvl7pPr>
+            <a:lvl8pPr marL="3657600" lvl="7" indent="-317500" algn="ctr">
+              <a:spcBef>
+                <a:spcPts val="1600"/>
+              </a:spcBef>
+              <a:spcAft>
+                <a:spcPts val="0"/>
+              </a:spcAft>
+              <a:buClr>
+                <a:schemeClr val="lt1"/>
+              </a:buClr>
+              <a:buSzPts val="1400"/>
+              <a:buChar char="○"/>
+              <a:defRPr>
+                <a:solidFill>
+                  <a:schemeClr val="lt1"/>
+                </a:solidFill>
+              </a:defRPr>
+            </a:lvl8pPr>
+            <a:lvl9pPr marL="4114800" lvl="8" indent="-317500" algn="ctr">
+              <a:spcBef>
+                <a:spcPts val="1600"/>
+              </a:spcBef>
+              <a:spcAft>
+                <a:spcPts val="1600"/>
+              </a:spcAft>
+              <a:buClr>
+                <a:schemeClr val="lt1"/>
+              </a:buClr>
+              <a:buSzPts val="1400"/>
+              <a:buChar char="■"/>
+              <a:defRPr>
+                <a:solidFill>
+                  <a:schemeClr val="lt1"/>
+                </a:solidFill>
+              </a:defRPr>
+            </a:lvl9pPr>
+          </a:lstStyle>
+          <a:p>
+            <a:endParaRPr/>
+          </a:p>
+        </p:txBody>
+      </p:sp>
+      <p:sp>
+        <p:nvSpPr>
+          <p:cNvPr id="78" name="Google Shape;78;p11"/>
+          <p:cNvSpPr txBox="1">
+            <a:spLocks noGrp="1"/>
+          </p:cNvSpPr>
+          <p:nvPr>
+            <p:ph type="sldNum" idx="12"/>
+          </p:nvPr>
+        </p:nvSpPr>
+        <p:spPr>
+          <a:xfrm>
+            <a:off x="8460431" y="4651190"/>
+            <a:ext cx="548700" cy="393600"/>
+          </a:xfrm>
+          <a:prstGeom prst="rect">
+            <a:avLst/>
+          </a:prstGeom>
+        </p:spPr>
+        <p:txBody>
+          <a:bodyPr spcFirstLastPara="1" wrap="square" lIns="91425" tIns="91425" rIns="91425" bIns="91425" anchor="ctr" anchorCtr="0">
+            <a:noAutofit/>
+          </a:bodyPr>
+          <a:lstStyle>
+            <a:lvl1pPr lvl="0">
+              <a:buNone/>
+              <a:defRPr/>
+            </a:lvl1pPr>
+            <a:lvl2pPr lvl="1">
+              <a:buNone/>
+              <a:defRPr/>
+            </a:lvl2pPr>
+            <a:lvl3pPr lvl="2">
+              <a:buNone/>
+              <a:defRPr/>
+            </a:lvl3pPr>
+            <a:lvl4pPr lvl="3">
+              <a:buNone/>
+              <a:defRPr/>
+            </a:lvl4pPr>
+            <a:lvl5pPr lvl="4">
+              <a:buNone/>
+              <a:defRPr/>
+            </a:lvl5pPr>
+            <a:lvl6pPr lvl="5">
+              <a:buNone/>
+              <a:defRPr/>
+            </a:lvl6pPr>
+            <a:lvl7pPr lvl="6">
+              <a:buNone/>
+              <a:defRPr/>
+            </a:lvl7pPr>
+            <a:lvl8pPr lvl="7">
+              <a:buNone/>
+              <a:defRPr/>
+            </a:lvl8pPr>
+            <a:lvl9pPr lvl="8">
+              <a:buNone/>
+              <a:defRPr/>
+            </a:lvl9pPr>
+          </a:lstStyle>
+          <a:p>
+            <a:pPr marL="0" lvl="0" indent="0" algn="r" rtl="0">
+              <a:spcBef>
+                <a:spcPts val="0"/>
+              </a:spcBef>
+              <a:spcAft>
+                <a:spcPts val="0"/>
+              </a:spcAft>
+              <a:buNone/>
+            </a:pPr>
+            <a:fld id="{00000000-1234-1234-1234-123412341234}" type="slidenum">
+              <a:rPr lang="fr"/>
+              <a:t>‹N°›</a:t>
+            </a:fld>
+            <a:endParaRPr/>
+          </a:p>
+        </p:txBody>
+      </p:sp>
+    </p:spTree>
+    <p:extLst>
+      <p:ext uri="{BB962C8B-B14F-4D97-AF65-F5344CB8AC3E}">
+        <p14:creationId xmlns:p14="http://schemas.microsoft.com/office/powerpoint/2010/main" val="2392623097"/>
+      </p:ext>
+    </p:extLst>
+  </p:cSld>
+  <p:clrMapOvr>
+    <a:masterClrMapping/>
+  </p:clrMapOvr>
+</p:sldLayout>
+</file>
+
+<file path=ppt/slideLayouts/slideLayout22.xml><?xml version="1.0" encoding="utf-8"?>
+<p:sldLayout xmlns:a="http://schemas.openxmlformats.org/drawingml/2006/main" xmlns:r="http://schemas.openxmlformats.org/officeDocument/2006/relationships" xmlns:p="http://schemas.openxmlformats.org/presentationml/2006/main" matchingName="Blank" type="blank">
+  <p:cSld name="Blank">
+    <p:spTree>
+      <p:nvGrpSpPr>
+        <p:cNvPr id="1" name="Shape 79"/>
+        <p:cNvGrpSpPr/>
+        <p:nvPr/>
+      </p:nvGrpSpPr>
+      <p:grpSpPr>
+        <a:xfrm>
+          <a:off x="0" y="0"/>
+          <a:ext cx="0" cy="0"/>
+          <a:chOff x="0" y="0"/>
+          <a:chExt cx="0" cy="0"/>
+        </a:xfrm>
+      </p:grpSpPr>
+      <p:sp>
+        <p:nvSpPr>
+          <p:cNvPr id="80" name="Google Shape;80;p12"/>
+          <p:cNvSpPr txBox="1">
+            <a:spLocks noGrp="1"/>
+          </p:cNvSpPr>
+          <p:nvPr>
+            <p:ph type="sldNum" idx="12"/>
+          </p:nvPr>
+        </p:nvSpPr>
+        <p:spPr>
+          <a:xfrm>
+            <a:off x="8460431" y="4651190"/>
+            <a:ext cx="548700" cy="393600"/>
+          </a:xfrm>
+          <a:prstGeom prst="rect">
+            <a:avLst/>
+          </a:prstGeom>
+        </p:spPr>
+        <p:txBody>
+          <a:bodyPr spcFirstLastPara="1" wrap="square" lIns="91425" tIns="91425" rIns="91425" bIns="91425" anchor="ctr" anchorCtr="0">
+            <a:noAutofit/>
+          </a:bodyPr>
+          <a:lstStyle>
+            <a:lvl1pPr lvl="0">
+              <a:buNone/>
+              <a:defRPr>
+                <a:solidFill>
+                  <a:schemeClr val="dk2"/>
+                </a:solidFill>
+              </a:defRPr>
+            </a:lvl1pPr>
+            <a:lvl2pPr lvl="1">
+              <a:buNone/>
+              <a:defRPr>
+                <a:solidFill>
+                  <a:schemeClr val="dk2"/>
+                </a:solidFill>
+              </a:defRPr>
+            </a:lvl2pPr>
+            <a:lvl3pPr lvl="2">
+              <a:buNone/>
+              <a:defRPr>
+                <a:solidFill>
+                  <a:schemeClr val="dk2"/>
+                </a:solidFill>
+              </a:defRPr>
+            </a:lvl3pPr>
+            <a:lvl4pPr lvl="3">
+              <a:buNone/>
+              <a:defRPr>
+                <a:solidFill>
+                  <a:schemeClr val="dk2"/>
+                </a:solidFill>
+              </a:defRPr>
+            </a:lvl4pPr>
+            <a:lvl5pPr lvl="4">
+              <a:buNone/>
+              <a:defRPr>
+                <a:solidFill>
+                  <a:schemeClr val="dk2"/>
+                </a:solidFill>
+              </a:defRPr>
+            </a:lvl5pPr>
+            <a:lvl6pPr lvl="5">
+              <a:buNone/>
+              <a:defRPr>
+                <a:solidFill>
+                  <a:schemeClr val="dk2"/>
+                </a:solidFill>
+              </a:defRPr>
+            </a:lvl6pPr>
+            <a:lvl7pPr lvl="6">
+              <a:buNone/>
+              <a:defRPr>
+                <a:solidFill>
+                  <a:schemeClr val="dk2"/>
+                </a:solidFill>
+              </a:defRPr>
+            </a:lvl7pPr>
+            <a:lvl8pPr lvl="7">
+              <a:buNone/>
+              <a:defRPr>
+                <a:solidFill>
+                  <a:schemeClr val="dk2"/>
+                </a:solidFill>
+              </a:defRPr>
+            </a:lvl8pPr>
+            <a:lvl9pPr lvl="8">
+              <a:buNone/>
+              <a:defRPr>
+                <a:solidFill>
+                  <a:schemeClr val="dk2"/>
+                </a:solidFill>
+              </a:defRPr>
+            </a:lvl9pPr>
+          </a:lstStyle>
+          <a:p>
+            <a:pPr marL="0" lvl="0" indent="0" algn="r" rtl="0">
+              <a:spcBef>
+                <a:spcPts val="0"/>
+              </a:spcBef>
+              <a:spcAft>
+                <a:spcPts val="0"/>
+              </a:spcAft>
+              <a:buNone/>
+            </a:pPr>
+            <a:fld id="{00000000-1234-1234-1234-123412341234}" type="slidenum">
+              <a:rPr lang="fr"/>
+              <a:t>‹N°›</a:t>
+            </a:fld>
+            <a:endParaRPr/>
+          </a:p>
+        </p:txBody>
+      </p:sp>
+    </p:spTree>
+    <p:extLst>
+      <p:ext uri="{BB962C8B-B14F-4D97-AF65-F5344CB8AC3E}">
+        <p14:creationId xmlns:p14="http://schemas.microsoft.com/office/powerpoint/2010/main" val="1725258505"/>
+      </p:ext>
+    </p:extLst>
   </p:cSld>
   <p:clrMapOvr>
     <a:masterClrMapping/>
@@ -14999,7 +20391,1519 @@
 </p:sldMaster>
 </file>
 
+<file path=ppt/slideMasters/slideMaster2.xml><?xml version="1.0" encoding="utf-8"?>
+<p:sldMaster xmlns:a="http://schemas.openxmlformats.org/drawingml/2006/main" xmlns:r="http://schemas.openxmlformats.org/officeDocument/2006/relationships" xmlns:p="http://schemas.openxmlformats.org/presentationml/2006/main">
+  <p:cSld>
+    <p:bg>
+      <p:bgPr>
+        <a:solidFill>
+          <a:schemeClr val="lt1"/>
+        </a:solidFill>
+        <a:effectLst/>
+      </p:bgPr>
+    </p:bg>
+    <p:spTree>
+      <p:nvGrpSpPr>
+        <p:cNvPr id="1" name="Shape 5"/>
+        <p:cNvGrpSpPr/>
+        <p:nvPr/>
+      </p:nvGrpSpPr>
+      <p:grpSpPr>
+        <a:xfrm>
+          <a:off x="0" y="0"/>
+          <a:ext cx="0" cy="0"/>
+          <a:chOff x="0" y="0"/>
+          <a:chExt cx="0" cy="0"/>
+        </a:xfrm>
+      </p:grpSpPr>
+      <p:sp>
+        <p:nvSpPr>
+          <p:cNvPr id="6" name="Google Shape;6;p1"/>
+          <p:cNvSpPr txBox="1">
+            <a:spLocks noGrp="1"/>
+          </p:cNvSpPr>
+          <p:nvPr>
+            <p:ph type="title"/>
+          </p:nvPr>
+        </p:nvSpPr>
+        <p:spPr>
+          <a:xfrm>
+            <a:off x="311700" y="410000"/>
+            <a:ext cx="8520600" cy="607800"/>
+          </a:xfrm>
+          <a:prstGeom prst="rect">
+            <a:avLst/>
+          </a:prstGeom>
+          <a:noFill/>
+          <a:ln>
+            <a:noFill/>
+          </a:ln>
+        </p:spPr>
+        <p:txBody>
+          <a:bodyPr spcFirstLastPara="1" wrap="square" lIns="91425" tIns="91425" rIns="91425" bIns="91425" anchor="t" anchorCtr="0">
+            <a:noAutofit/>
+          </a:bodyPr>
+          <a:lstStyle>
+            <a:lvl1pPr lvl="0">
+              <a:spcBef>
+                <a:spcPts val="0"/>
+              </a:spcBef>
+              <a:spcAft>
+                <a:spcPts val="0"/>
+              </a:spcAft>
+              <a:buClr>
+                <a:schemeClr val="dk1"/>
+              </a:buClr>
+              <a:buSzPts val="3000"/>
+              <a:buFont typeface="Roboto"/>
+              <a:buNone/>
+              <a:defRPr sz="3000">
+                <a:solidFill>
+                  <a:schemeClr val="dk1"/>
+                </a:solidFill>
+                <a:latin typeface="Roboto"/>
+                <a:ea typeface="Roboto"/>
+                <a:cs typeface="Roboto"/>
+                <a:sym typeface="Roboto"/>
+              </a:defRPr>
+            </a:lvl1pPr>
+            <a:lvl2pPr lvl="1">
+              <a:spcBef>
+                <a:spcPts val="0"/>
+              </a:spcBef>
+              <a:spcAft>
+                <a:spcPts val="0"/>
+              </a:spcAft>
+              <a:buClr>
+                <a:schemeClr val="dk1"/>
+              </a:buClr>
+              <a:buSzPts val="3000"/>
+              <a:buFont typeface="Roboto"/>
+              <a:buNone/>
+              <a:defRPr sz="3000">
+                <a:solidFill>
+                  <a:schemeClr val="dk1"/>
+                </a:solidFill>
+                <a:latin typeface="Roboto"/>
+                <a:ea typeface="Roboto"/>
+                <a:cs typeface="Roboto"/>
+                <a:sym typeface="Roboto"/>
+              </a:defRPr>
+            </a:lvl2pPr>
+            <a:lvl3pPr lvl="2">
+              <a:spcBef>
+                <a:spcPts val="0"/>
+              </a:spcBef>
+              <a:spcAft>
+                <a:spcPts val="0"/>
+              </a:spcAft>
+              <a:buClr>
+                <a:schemeClr val="dk1"/>
+              </a:buClr>
+              <a:buSzPts val="3000"/>
+              <a:buFont typeface="Roboto"/>
+              <a:buNone/>
+              <a:defRPr sz="3000">
+                <a:solidFill>
+                  <a:schemeClr val="dk1"/>
+                </a:solidFill>
+                <a:latin typeface="Roboto"/>
+                <a:ea typeface="Roboto"/>
+                <a:cs typeface="Roboto"/>
+                <a:sym typeface="Roboto"/>
+              </a:defRPr>
+            </a:lvl3pPr>
+            <a:lvl4pPr lvl="3">
+              <a:spcBef>
+                <a:spcPts val="0"/>
+              </a:spcBef>
+              <a:spcAft>
+                <a:spcPts val="0"/>
+              </a:spcAft>
+              <a:buClr>
+                <a:schemeClr val="dk1"/>
+              </a:buClr>
+              <a:buSzPts val="3000"/>
+              <a:buFont typeface="Roboto"/>
+              <a:buNone/>
+              <a:defRPr sz="3000">
+                <a:solidFill>
+                  <a:schemeClr val="dk1"/>
+                </a:solidFill>
+                <a:latin typeface="Roboto"/>
+                <a:ea typeface="Roboto"/>
+                <a:cs typeface="Roboto"/>
+                <a:sym typeface="Roboto"/>
+              </a:defRPr>
+            </a:lvl4pPr>
+            <a:lvl5pPr lvl="4">
+              <a:spcBef>
+                <a:spcPts val="0"/>
+              </a:spcBef>
+              <a:spcAft>
+                <a:spcPts val="0"/>
+              </a:spcAft>
+              <a:buClr>
+                <a:schemeClr val="dk1"/>
+              </a:buClr>
+              <a:buSzPts val="3000"/>
+              <a:buFont typeface="Roboto"/>
+              <a:buNone/>
+              <a:defRPr sz="3000">
+                <a:solidFill>
+                  <a:schemeClr val="dk1"/>
+                </a:solidFill>
+                <a:latin typeface="Roboto"/>
+                <a:ea typeface="Roboto"/>
+                <a:cs typeface="Roboto"/>
+                <a:sym typeface="Roboto"/>
+              </a:defRPr>
+            </a:lvl5pPr>
+            <a:lvl6pPr lvl="5">
+              <a:spcBef>
+                <a:spcPts val="0"/>
+              </a:spcBef>
+              <a:spcAft>
+                <a:spcPts val="0"/>
+              </a:spcAft>
+              <a:buClr>
+                <a:schemeClr val="dk1"/>
+              </a:buClr>
+              <a:buSzPts val="3000"/>
+              <a:buFont typeface="Roboto"/>
+              <a:buNone/>
+              <a:defRPr sz="3000">
+                <a:solidFill>
+                  <a:schemeClr val="dk1"/>
+                </a:solidFill>
+                <a:latin typeface="Roboto"/>
+                <a:ea typeface="Roboto"/>
+                <a:cs typeface="Roboto"/>
+                <a:sym typeface="Roboto"/>
+              </a:defRPr>
+            </a:lvl6pPr>
+            <a:lvl7pPr lvl="6">
+              <a:spcBef>
+                <a:spcPts val="0"/>
+              </a:spcBef>
+              <a:spcAft>
+                <a:spcPts val="0"/>
+              </a:spcAft>
+              <a:buClr>
+                <a:schemeClr val="dk1"/>
+              </a:buClr>
+              <a:buSzPts val="3000"/>
+              <a:buFont typeface="Roboto"/>
+              <a:buNone/>
+              <a:defRPr sz="3000">
+                <a:solidFill>
+                  <a:schemeClr val="dk1"/>
+                </a:solidFill>
+                <a:latin typeface="Roboto"/>
+                <a:ea typeface="Roboto"/>
+                <a:cs typeface="Roboto"/>
+                <a:sym typeface="Roboto"/>
+              </a:defRPr>
+            </a:lvl7pPr>
+            <a:lvl8pPr lvl="7">
+              <a:spcBef>
+                <a:spcPts val="0"/>
+              </a:spcBef>
+              <a:spcAft>
+                <a:spcPts val="0"/>
+              </a:spcAft>
+              <a:buClr>
+                <a:schemeClr val="dk1"/>
+              </a:buClr>
+              <a:buSzPts val="3000"/>
+              <a:buFont typeface="Roboto"/>
+              <a:buNone/>
+              <a:defRPr sz="3000">
+                <a:solidFill>
+                  <a:schemeClr val="dk1"/>
+                </a:solidFill>
+                <a:latin typeface="Roboto"/>
+                <a:ea typeface="Roboto"/>
+                <a:cs typeface="Roboto"/>
+                <a:sym typeface="Roboto"/>
+              </a:defRPr>
+            </a:lvl8pPr>
+            <a:lvl9pPr lvl="8">
+              <a:spcBef>
+                <a:spcPts val="0"/>
+              </a:spcBef>
+              <a:spcAft>
+                <a:spcPts val="0"/>
+              </a:spcAft>
+              <a:buClr>
+                <a:schemeClr val="dk1"/>
+              </a:buClr>
+              <a:buSzPts val="3000"/>
+              <a:buFont typeface="Roboto"/>
+              <a:buNone/>
+              <a:defRPr sz="3000">
+                <a:solidFill>
+                  <a:schemeClr val="dk1"/>
+                </a:solidFill>
+                <a:latin typeface="Roboto"/>
+                <a:ea typeface="Roboto"/>
+                <a:cs typeface="Roboto"/>
+                <a:sym typeface="Roboto"/>
+              </a:defRPr>
+            </a:lvl9pPr>
+          </a:lstStyle>
+          <a:p>
+            <a:endParaRPr/>
+          </a:p>
+        </p:txBody>
+      </p:sp>
+      <p:sp>
+        <p:nvSpPr>
+          <p:cNvPr id="7" name="Google Shape;7;p1"/>
+          <p:cNvSpPr txBox="1">
+            <a:spLocks noGrp="1"/>
+          </p:cNvSpPr>
+          <p:nvPr>
+            <p:ph type="body" idx="1"/>
+          </p:nvPr>
+        </p:nvSpPr>
+        <p:spPr>
+          <a:xfrm>
+            <a:off x="311700" y="1229875"/>
+            <a:ext cx="8520600" cy="3339000"/>
+          </a:xfrm>
+          <a:prstGeom prst="rect">
+            <a:avLst/>
+          </a:prstGeom>
+          <a:noFill/>
+          <a:ln>
+            <a:noFill/>
+          </a:ln>
+        </p:spPr>
+        <p:txBody>
+          <a:bodyPr spcFirstLastPara="1" wrap="square" lIns="91425" tIns="91425" rIns="91425" bIns="91425" anchor="t" anchorCtr="0">
+            <a:noAutofit/>
+          </a:bodyPr>
+          <a:lstStyle>
+            <a:lvl1pPr marL="457200" lvl="0" indent="-342900">
+              <a:lnSpc>
+                <a:spcPct val="115000"/>
+              </a:lnSpc>
+              <a:spcBef>
+                <a:spcPts val="0"/>
+              </a:spcBef>
+              <a:spcAft>
+                <a:spcPts val="0"/>
+              </a:spcAft>
+              <a:buClr>
+                <a:schemeClr val="dk2"/>
+              </a:buClr>
+              <a:buSzPts val="1800"/>
+              <a:buFont typeface="Roboto"/>
+              <a:buChar char="●"/>
+              <a:defRPr sz="1800">
+                <a:solidFill>
+                  <a:schemeClr val="dk2"/>
+                </a:solidFill>
+                <a:latin typeface="Roboto"/>
+                <a:ea typeface="Roboto"/>
+                <a:cs typeface="Roboto"/>
+                <a:sym typeface="Roboto"/>
+              </a:defRPr>
+            </a:lvl1pPr>
+            <a:lvl2pPr marL="914400" lvl="1" indent="-317500">
+              <a:lnSpc>
+                <a:spcPct val="115000"/>
+              </a:lnSpc>
+              <a:spcBef>
+                <a:spcPts val="1600"/>
+              </a:spcBef>
+              <a:spcAft>
+                <a:spcPts val="0"/>
+              </a:spcAft>
+              <a:buClr>
+                <a:schemeClr val="dk2"/>
+              </a:buClr>
+              <a:buSzPts val="1400"/>
+              <a:buFont typeface="Roboto"/>
+              <a:buChar char="○"/>
+              <a:defRPr>
+                <a:solidFill>
+                  <a:schemeClr val="dk2"/>
+                </a:solidFill>
+                <a:latin typeface="Roboto"/>
+                <a:ea typeface="Roboto"/>
+                <a:cs typeface="Roboto"/>
+                <a:sym typeface="Roboto"/>
+              </a:defRPr>
+            </a:lvl2pPr>
+            <a:lvl3pPr marL="1371600" lvl="2" indent="-317500">
+              <a:lnSpc>
+                <a:spcPct val="115000"/>
+              </a:lnSpc>
+              <a:spcBef>
+                <a:spcPts val="1600"/>
+              </a:spcBef>
+              <a:spcAft>
+                <a:spcPts val="0"/>
+              </a:spcAft>
+              <a:buClr>
+                <a:schemeClr val="dk2"/>
+              </a:buClr>
+              <a:buSzPts val="1400"/>
+              <a:buFont typeface="Roboto"/>
+              <a:buChar char="■"/>
+              <a:defRPr>
+                <a:solidFill>
+                  <a:schemeClr val="dk2"/>
+                </a:solidFill>
+                <a:latin typeface="Roboto"/>
+                <a:ea typeface="Roboto"/>
+                <a:cs typeface="Roboto"/>
+                <a:sym typeface="Roboto"/>
+              </a:defRPr>
+            </a:lvl3pPr>
+            <a:lvl4pPr marL="1828800" lvl="3" indent="-317500">
+              <a:lnSpc>
+                <a:spcPct val="115000"/>
+              </a:lnSpc>
+              <a:spcBef>
+                <a:spcPts val="1600"/>
+              </a:spcBef>
+              <a:spcAft>
+                <a:spcPts val="0"/>
+              </a:spcAft>
+              <a:buClr>
+                <a:schemeClr val="dk2"/>
+              </a:buClr>
+              <a:buSzPts val="1400"/>
+              <a:buFont typeface="Roboto"/>
+              <a:buChar char="●"/>
+              <a:defRPr>
+                <a:solidFill>
+                  <a:schemeClr val="dk2"/>
+                </a:solidFill>
+                <a:latin typeface="Roboto"/>
+                <a:ea typeface="Roboto"/>
+                <a:cs typeface="Roboto"/>
+                <a:sym typeface="Roboto"/>
+              </a:defRPr>
+            </a:lvl4pPr>
+            <a:lvl5pPr marL="2286000" lvl="4" indent="-317500">
+              <a:lnSpc>
+                <a:spcPct val="115000"/>
+              </a:lnSpc>
+              <a:spcBef>
+                <a:spcPts val="1600"/>
+              </a:spcBef>
+              <a:spcAft>
+                <a:spcPts val="0"/>
+              </a:spcAft>
+              <a:buClr>
+                <a:schemeClr val="dk2"/>
+              </a:buClr>
+              <a:buSzPts val="1400"/>
+              <a:buFont typeface="Roboto"/>
+              <a:buChar char="○"/>
+              <a:defRPr>
+                <a:solidFill>
+                  <a:schemeClr val="dk2"/>
+                </a:solidFill>
+                <a:latin typeface="Roboto"/>
+                <a:ea typeface="Roboto"/>
+                <a:cs typeface="Roboto"/>
+                <a:sym typeface="Roboto"/>
+              </a:defRPr>
+            </a:lvl5pPr>
+            <a:lvl6pPr marL="2743200" lvl="5" indent="-317500">
+              <a:lnSpc>
+                <a:spcPct val="115000"/>
+              </a:lnSpc>
+              <a:spcBef>
+                <a:spcPts val="1600"/>
+              </a:spcBef>
+              <a:spcAft>
+                <a:spcPts val="0"/>
+              </a:spcAft>
+              <a:buClr>
+                <a:schemeClr val="dk2"/>
+              </a:buClr>
+              <a:buSzPts val="1400"/>
+              <a:buFont typeface="Roboto"/>
+              <a:buChar char="■"/>
+              <a:defRPr>
+                <a:solidFill>
+                  <a:schemeClr val="dk2"/>
+                </a:solidFill>
+                <a:latin typeface="Roboto"/>
+                <a:ea typeface="Roboto"/>
+                <a:cs typeface="Roboto"/>
+                <a:sym typeface="Roboto"/>
+              </a:defRPr>
+            </a:lvl6pPr>
+            <a:lvl7pPr marL="3200400" lvl="6" indent="-317500">
+              <a:lnSpc>
+                <a:spcPct val="115000"/>
+              </a:lnSpc>
+              <a:spcBef>
+                <a:spcPts val="1600"/>
+              </a:spcBef>
+              <a:spcAft>
+                <a:spcPts val="0"/>
+              </a:spcAft>
+              <a:buClr>
+                <a:schemeClr val="dk2"/>
+              </a:buClr>
+              <a:buSzPts val="1400"/>
+              <a:buFont typeface="Roboto"/>
+              <a:buChar char="●"/>
+              <a:defRPr>
+                <a:solidFill>
+                  <a:schemeClr val="dk2"/>
+                </a:solidFill>
+                <a:latin typeface="Roboto"/>
+                <a:ea typeface="Roboto"/>
+                <a:cs typeface="Roboto"/>
+                <a:sym typeface="Roboto"/>
+              </a:defRPr>
+            </a:lvl7pPr>
+            <a:lvl8pPr marL="3657600" lvl="7" indent="-317500">
+              <a:lnSpc>
+                <a:spcPct val="115000"/>
+              </a:lnSpc>
+              <a:spcBef>
+                <a:spcPts val="1600"/>
+              </a:spcBef>
+              <a:spcAft>
+                <a:spcPts val="0"/>
+              </a:spcAft>
+              <a:buClr>
+                <a:schemeClr val="dk2"/>
+              </a:buClr>
+              <a:buSzPts val="1400"/>
+              <a:buFont typeface="Roboto"/>
+              <a:buChar char="○"/>
+              <a:defRPr>
+                <a:solidFill>
+                  <a:schemeClr val="dk2"/>
+                </a:solidFill>
+                <a:latin typeface="Roboto"/>
+                <a:ea typeface="Roboto"/>
+                <a:cs typeface="Roboto"/>
+                <a:sym typeface="Roboto"/>
+              </a:defRPr>
+            </a:lvl8pPr>
+            <a:lvl9pPr marL="4114800" lvl="8" indent="-317500">
+              <a:lnSpc>
+                <a:spcPct val="115000"/>
+              </a:lnSpc>
+              <a:spcBef>
+                <a:spcPts val="1600"/>
+              </a:spcBef>
+              <a:spcAft>
+                <a:spcPts val="1600"/>
+              </a:spcAft>
+              <a:buClr>
+                <a:schemeClr val="dk2"/>
+              </a:buClr>
+              <a:buSzPts val="1400"/>
+              <a:buFont typeface="Roboto"/>
+              <a:buChar char="■"/>
+              <a:defRPr>
+                <a:solidFill>
+                  <a:schemeClr val="dk2"/>
+                </a:solidFill>
+                <a:latin typeface="Roboto"/>
+                <a:ea typeface="Roboto"/>
+                <a:cs typeface="Roboto"/>
+                <a:sym typeface="Roboto"/>
+              </a:defRPr>
+            </a:lvl9pPr>
+          </a:lstStyle>
+          <a:p>
+            <a:endParaRPr/>
+          </a:p>
+        </p:txBody>
+      </p:sp>
+      <p:sp>
+        <p:nvSpPr>
+          <p:cNvPr id="8" name="Google Shape;8;p1"/>
+          <p:cNvSpPr txBox="1">
+            <a:spLocks noGrp="1"/>
+          </p:cNvSpPr>
+          <p:nvPr>
+            <p:ph type="sldNum" idx="12"/>
+          </p:nvPr>
+        </p:nvSpPr>
+        <p:spPr>
+          <a:xfrm>
+            <a:off x="8460431" y="4651190"/>
+            <a:ext cx="548700" cy="393600"/>
+          </a:xfrm>
+          <a:prstGeom prst="rect">
+            <a:avLst/>
+          </a:prstGeom>
+          <a:noFill/>
+          <a:ln>
+            <a:noFill/>
+          </a:ln>
+        </p:spPr>
+        <p:txBody>
+          <a:bodyPr spcFirstLastPara="1" wrap="square" lIns="91425" tIns="91425" rIns="91425" bIns="91425" anchor="ctr" anchorCtr="0">
+            <a:noAutofit/>
+          </a:bodyPr>
+          <a:lstStyle>
+            <a:lvl1pPr lvl="0" algn="r">
+              <a:buNone/>
+              <a:defRPr sz="1000">
+                <a:solidFill>
+                  <a:schemeClr val="lt1"/>
+                </a:solidFill>
+                <a:latin typeface="Roboto"/>
+                <a:ea typeface="Roboto"/>
+                <a:cs typeface="Roboto"/>
+                <a:sym typeface="Roboto"/>
+              </a:defRPr>
+            </a:lvl1pPr>
+            <a:lvl2pPr lvl="1" algn="r">
+              <a:buNone/>
+              <a:defRPr sz="1000">
+                <a:solidFill>
+                  <a:schemeClr val="lt1"/>
+                </a:solidFill>
+                <a:latin typeface="Roboto"/>
+                <a:ea typeface="Roboto"/>
+                <a:cs typeface="Roboto"/>
+                <a:sym typeface="Roboto"/>
+              </a:defRPr>
+            </a:lvl2pPr>
+            <a:lvl3pPr lvl="2" algn="r">
+              <a:buNone/>
+              <a:defRPr sz="1000">
+                <a:solidFill>
+                  <a:schemeClr val="lt1"/>
+                </a:solidFill>
+                <a:latin typeface="Roboto"/>
+                <a:ea typeface="Roboto"/>
+                <a:cs typeface="Roboto"/>
+                <a:sym typeface="Roboto"/>
+              </a:defRPr>
+            </a:lvl3pPr>
+            <a:lvl4pPr lvl="3" algn="r">
+              <a:buNone/>
+              <a:defRPr sz="1000">
+                <a:solidFill>
+                  <a:schemeClr val="lt1"/>
+                </a:solidFill>
+                <a:latin typeface="Roboto"/>
+                <a:ea typeface="Roboto"/>
+                <a:cs typeface="Roboto"/>
+                <a:sym typeface="Roboto"/>
+              </a:defRPr>
+            </a:lvl4pPr>
+            <a:lvl5pPr lvl="4" algn="r">
+              <a:buNone/>
+              <a:defRPr sz="1000">
+                <a:solidFill>
+                  <a:schemeClr val="lt1"/>
+                </a:solidFill>
+                <a:latin typeface="Roboto"/>
+                <a:ea typeface="Roboto"/>
+                <a:cs typeface="Roboto"/>
+                <a:sym typeface="Roboto"/>
+              </a:defRPr>
+            </a:lvl5pPr>
+            <a:lvl6pPr lvl="5" algn="r">
+              <a:buNone/>
+              <a:defRPr sz="1000">
+                <a:solidFill>
+                  <a:schemeClr val="lt1"/>
+                </a:solidFill>
+                <a:latin typeface="Roboto"/>
+                <a:ea typeface="Roboto"/>
+                <a:cs typeface="Roboto"/>
+                <a:sym typeface="Roboto"/>
+              </a:defRPr>
+            </a:lvl6pPr>
+            <a:lvl7pPr lvl="6" algn="r">
+              <a:buNone/>
+              <a:defRPr sz="1000">
+                <a:solidFill>
+                  <a:schemeClr val="lt1"/>
+                </a:solidFill>
+                <a:latin typeface="Roboto"/>
+                <a:ea typeface="Roboto"/>
+                <a:cs typeface="Roboto"/>
+                <a:sym typeface="Roboto"/>
+              </a:defRPr>
+            </a:lvl7pPr>
+            <a:lvl8pPr lvl="7" algn="r">
+              <a:buNone/>
+              <a:defRPr sz="1000">
+                <a:solidFill>
+                  <a:schemeClr val="lt1"/>
+                </a:solidFill>
+                <a:latin typeface="Roboto"/>
+                <a:ea typeface="Roboto"/>
+                <a:cs typeface="Roboto"/>
+                <a:sym typeface="Roboto"/>
+              </a:defRPr>
+            </a:lvl8pPr>
+            <a:lvl9pPr lvl="8" algn="r">
+              <a:buNone/>
+              <a:defRPr sz="1000">
+                <a:solidFill>
+                  <a:schemeClr val="lt1"/>
+                </a:solidFill>
+                <a:latin typeface="Roboto"/>
+                <a:ea typeface="Roboto"/>
+                <a:cs typeface="Roboto"/>
+                <a:sym typeface="Roboto"/>
+              </a:defRPr>
+            </a:lvl9pPr>
+          </a:lstStyle>
+          <a:p>
+            <a:pPr marL="0" lvl="0" indent="0" algn="r" rtl="0">
+              <a:spcBef>
+                <a:spcPts val="0"/>
+              </a:spcBef>
+              <a:spcAft>
+                <a:spcPts val="0"/>
+              </a:spcAft>
+              <a:buNone/>
+            </a:pPr>
+            <a:fld id="{00000000-1234-1234-1234-123412341234}" type="slidenum">
+              <a:rPr lang="fr"/>
+              <a:t>‹N°›</a:t>
+            </a:fld>
+            <a:endParaRPr/>
+          </a:p>
+        </p:txBody>
+      </p:sp>
+    </p:spTree>
+    <p:extLst>
+      <p:ext uri="{BB962C8B-B14F-4D97-AF65-F5344CB8AC3E}">
+        <p14:creationId xmlns:p14="http://schemas.microsoft.com/office/powerpoint/2010/main" val="3103560119"/>
+      </p:ext>
+    </p:extLst>
+  </p:cSld>
+  <p:clrMap bg1="lt1" tx1="dk1" bg2="dk2" tx2="lt2" accent1="accent1" accent2="accent2" accent3="accent3" accent4="accent4" accent5="accent5" accent6="accent6" hlink="hlink" folHlink="folHlink"/>
+  <p:sldLayoutIdLst>
+    <p:sldLayoutId id="2147483661" r:id="rId1"/>
+    <p:sldLayoutId id="2147483662" r:id="rId2"/>
+    <p:sldLayoutId id="2147483663" r:id="rId3"/>
+    <p:sldLayoutId id="2147483664" r:id="rId4"/>
+    <p:sldLayoutId id="2147483665" r:id="rId5"/>
+    <p:sldLayoutId id="2147483666" r:id="rId6"/>
+    <p:sldLayoutId id="2147483667" r:id="rId7"/>
+    <p:sldLayoutId id="2147483668" r:id="rId8"/>
+    <p:sldLayoutId id="2147483669" r:id="rId9"/>
+    <p:sldLayoutId id="2147483670" r:id="rId10"/>
+    <p:sldLayoutId id="2147483671" r:id="rId11"/>
+  </p:sldLayoutIdLst>
+  <p:hf sldNum="0" hdr="0" ftr="0" dt="0"/>
+  <p:txStyles>
+    <p:titleStyle>
+      <a:defPPr marR="0" lvl="0" algn="l" rtl="0">
+        <a:lnSpc>
+          <a:spcPct val="100000"/>
+        </a:lnSpc>
+        <a:spcBef>
+          <a:spcPts val="0"/>
+        </a:spcBef>
+        <a:spcAft>
+          <a:spcPts val="0"/>
+        </a:spcAft>
+      </a:defPPr>
+      <a:lvl1pPr marR="0" lvl="0" algn="l" rtl="0">
+        <a:lnSpc>
+          <a:spcPct val="100000"/>
+        </a:lnSpc>
+        <a:spcBef>
+          <a:spcPts val="0"/>
+        </a:spcBef>
+        <a:spcAft>
+          <a:spcPts val="0"/>
+        </a:spcAft>
+        <a:buClr>
+          <a:srgbClr val="000000"/>
+        </a:buClr>
+        <a:buFont typeface="Arial"/>
+        <a:defRPr sz="1400" b="0" i="0" u="none" strike="noStrike" cap="none">
+          <a:solidFill>
+            <a:srgbClr val="000000"/>
+          </a:solidFill>
+          <a:latin typeface="Arial"/>
+          <a:ea typeface="Arial"/>
+          <a:cs typeface="Arial"/>
+          <a:sym typeface="Arial"/>
+        </a:defRPr>
+      </a:lvl1pPr>
+      <a:lvl2pPr marR="0" lvl="1" algn="l" rtl="0">
+        <a:lnSpc>
+          <a:spcPct val="100000"/>
+        </a:lnSpc>
+        <a:spcBef>
+          <a:spcPts val="0"/>
+        </a:spcBef>
+        <a:spcAft>
+          <a:spcPts val="0"/>
+        </a:spcAft>
+        <a:buClr>
+          <a:srgbClr val="000000"/>
+        </a:buClr>
+        <a:buFont typeface="Arial"/>
+        <a:defRPr sz="1400" b="0" i="0" u="none" strike="noStrike" cap="none">
+          <a:solidFill>
+            <a:srgbClr val="000000"/>
+          </a:solidFill>
+          <a:latin typeface="Arial"/>
+          <a:ea typeface="Arial"/>
+          <a:cs typeface="Arial"/>
+          <a:sym typeface="Arial"/>
+        </a:defRPr>
+      </a:lvl2pPr>
+      <a:lvl3pPr marR="0" lvl="2" algn="l" rtl="0">
+        <a:lnSpc>
+          <a:spcPct val="100000"/>
+        </a:lnSpc>
+        <a:spcBef>
+          <a:spcPts val="0"/>
+        </a:spcBef>
+        <a:spcAft>
+          <a:spcPts val="0"/>
+        </a:spcAft>
+        <a:buClr>
+          <a:srgbClr val="000000"/>
+        </a:buClr>
+        <a:buFont typeface="Arial"/>
+        <a:defRPr sz="1400" b="0" i="0" u="none" strike="noStrike" cap="none">
+          <a:solidFill>
+            <a:srgbClr val="000000"/>
+          </a:solidFill>
+          <a:latin typeface="Arial"/>
+          <a:ea typeface="Arial"/>
+          <a:cs typeface="Arial"/>
+          <a:sym typeface="Arial"/>
+        </a:defRPr>
+      </a:lvl3pPr>
+      <a:lvl4pPr marR="0" lvl="3" algn="l" rtl="0">
+        <a:lnSpc>
+          <a:spcPct val="100000"/>
+        </a:lnSpc>
+        <a:spcBef>
+          <a:spcPts val="0"/>
+        </a:spcBef>
+        <a:spcAft>
+          <a:spcPts val="0"/>
+        </a:spcAft>
+        <a:buClr>
+          <a:srgbClr val="000000"/>
+        </a:buClr>
+        <a:buFont typeface="Arial"/>
+        <a:defRPr sz="1400" b="0" i="0" u="none" strike="noStrike" cap="none">
+          <a:solidFill>
+            <a:srgbClr val="000000"/>
+          </a:solidFill>
+          <a:latin typeface="Arial"/>
+          <a:ea typeface="Arial"/>
+          <a:cs typeface="Arial"/>
+          <a:sym typeface="Arial"/>
+        </a:defRPr>
+      </a:lvl4pPr>
+      <a:lvl5pPr marR="0" lvl="4" algn="l" rtl="0">
+        <a:lnSpc>
+          <a:spcPct val="100000"/>
+        </a:lnSpc>
+        <a:spcBef>
+          <a:spcPts val="0"/>
+        </a:spcBef>
+        <a:spcAft>
+          <a:spcPts val="0"/>
+        </a:spcAft>
+        <a:buClr>
+          <a:srgbClr val="000000"/>
+        </a:buClr>
+        <a:buFont typeface="Arial"/>
+        <a:defRPr sz="1400" b="0" i="0" u="none" strike="noStrike" cap="none">
+          <a:solidFill>
+            <a:srgbClr val="000000"/>
+          </a:solidFill>
+          <a:latin typeface="Arial"/>
+          <a:ea typeface="Arial"/>
+          <a:cs typeface="Arial"/>
+          <a:sym typeface="Arial"/>
+        </a:defRPr>
+      </a:lvl5pPr>
+      <a:lvl6pPr marR="0" lvl="5" algn="l" rtl="0">
+        <a:lnSpc>
+          <a:spcPct val="100000"/>
+        </a:lnSpc>
+        <a:spcBef>
+          <a:spcPts val="0"/>
+        </a:spcBef>
+        <a:spcAft>
+          <a:spcPts val="0"/>
+        </a:spcAft>
+        <a:buClr>
+          <a:srgbClr val="000000"/>
+        </a:buClr>
+        <a:buFont typeface="Arial"/>
+        <a:defRPr sz="1400" b="0" i="0" u="none" strike="noStrike" cap="none">
+          <a:solidFill>
+            <a:srgbClr val="000000"/>
+          </a:solidFill>
+          <a:latin typeface="Arial"/>
+          <a:ea typeface="Arial"/>
+          <a:cs typeface="Arial"/>
+          <a:sym typeface="Arial"/>
+        </a:defRPr>
+      </a:lvl6pPr>
+      <a:lvl7pPr marR="0" lvl="6" algn="l" rtl="0">
+        <a:lnSpc>
+          <a:spcPct val="100000"/>
+        </a:lnSpc>
+        <a:spcBef>
+          <a:spcPts val="0"/>
+        </a:spcBef>
+        <a:spcAft>
+          <a:spcPts val="0"/>
+        </a:spcAft>
+        <a:buClr>
+          <a:srgbClr val="000000"/>
+        </a:buClr>
+        <a:buFont typeface="Arial"/>
+        <a:defRPr sz="1400" b="0" i="0" u="none" strike="noStrike" cap="none">
+          <a:solidFill>
+            <a:srgbClr val="000000"/>
+          </a:solidFill>
+          <a:latin typeface="Arial"/>
+          <a:ea typeface="Arial"/>
+          <a:cs typeface="Arial"/>
+          <a:sym typeface="Arial"/>
+        </a:defRPr>
+      </a:lvl7pPr>
+      <a:lvl8pPr marR="0" lvl="7" algn="l" rtl="0">
+        <a:lnSpc>
+          <a:spcPct val="100000"/>
+        </a:lnSpc>
+        <a:spcBef>
+          <a:spcPts val="0"/>
+        </a:spcBef>
+        <a:spcAft>
+          <a:spcPts val="0"/>
+        </a:spcAft>
+        <a:buClr>
+          <a:srgbClr val="000000"/>
+        </a:buClr>
+        <a:buFont typeface="Arial"/>
+        <a:defRPr sz="1400" b="0" i="0" u="none" strike="noStrike" cap="none">
+          <a:solidFill>
+            <a:srgbClr val="000000"/>
+          </a:solidFill>
+          <a:latin typeface="Arial"/>
+          <a:ea typeface="Arial"/>
+          <a:cs typeface="Arial"/>
+          <a:sym typeface="Arial"/>
+        </a:defRPr>
+      </a:lvl8pPr>
+      <a:lvl9pPr marR="0" lvl="8" algn="l" rtl="0">
+        <a:lnSpc>
+          <a:spcPct val="100000"/>
+        </a:lnSpc>
+        <a:spcBef>
+          <a:spcPts val="0"/>
+        </a:spcBef>
+        <a:spcAft>
+          <a:spcPts val="0"/>
+        </a:spcAft>
+        <a:buClr>
+          <a:srgbClr val="000000"/>
+        </a:buClr>
+        <a:buFont typeface="Arial"/>
+        <a:defRPr sz="1400" b="0" i="0" u="none" strike="noStrike" cap="none">
+          <a:solidFill>
+            <a:srgbClr val="000000"/>
+          </a:solidFill>
+          <a:latin typeface="Arial"/>
+          <a:ea typeface="Arial"/>
+          <a:cs typeface="Arial"/>
+          <a:sym typeface="Arial"/>
+        </a:defRPr>
+      </a:lvl9pPr>
+    </p:titleStyle>
+    <p:bodyStyle>
+      <a:defPPr marR="0" lvl="0" algn="l" rtl="0">
+        <a:lnSpc>
+          <a:spcPct val="100000"/>
+        </a:lnSpc>
+        <a:spcBef>
+          <a:spcPts val="0"/>
+        </a:spcBef>
+        <a:spcAft>
+          <a:spcPts val="0"/>
+        </a:spcAft>
+      </a:defPPr>
+      <a:lvl1pPr marR="0" lvl="0" algn="l" rtl="0">
+        <a:lnSpc>
+          <a:spcPct val="100000"/>
+        </a:lnSpc>
+        <a:spcBef>
+          <a:spcPts val="0"/>
+        </a:spcBef>
+        <a:spcAft>
+          <a:spcPts val="0"/>
+        </a:spcAft>
+        <a:buClr>
+          <a:srgbClr val="000000"/>
+        </a:buClr>
+        <a:buFont typeface="Arial"/>
+        <a:defRPr sz="1400" b="0" i="0" u="none" strike="noStrike" cap="none">
+          <a:solidFill>
+            <a:srgbClr val="000000"/>
+          </a:solidFill>
+          <a:latin typeface="Arial"/>
+          <a:ea typeface="Arial"/>
+          <a:cs typeface="Arial"/>
+          <a:sym typeface="Arial"/>
+        </a:defRPr>
+      </a:lvl1pPr>
+      <a:lvl2pPr marR="0" lvl="1" algn="l" rtl="0">
+        <a:lnSpc>
+          <a:spcPct val="100000"/>
+        </a:lnSpc>
+        <a:spcBef>
+          <a:spcPts val="0"/>
+        </a:spcBef>
+        <a:spcAft>
+          <a:spcPts val="0"/>
+        </a:spcAft>
+        <a:buClr>
+          <a:srgbClr val="000000"/>
+        </a:buClr>
+        <a:buFont typeface="Arial"/>
+        <a:defRPr sz="1400" b="0" i="0" u="none" strike="noStrike" cap="none">
+          <a:solidFill>
+            <a:srgbClr val="000000"/>
+          </a:solidFill>
+          <a:latin typeface="Arial"/>
+          <a:ea typeface="Arial"/>
+          <a:cs typeface="Arial"/>
+          <a:sym typeface="Arial"/>
+        </a:defRPr>
+      </a:lvl2pPr>
+      <a:lvl3pPr marR="0" lvl="2" algn="l" rtl="0">
+        <a:lnSpc>
+          <a:spcPct val="100000"/>
+        </a:lnSpc>
+        <a:spcBef>
+          <a:spcPts val="0"/>
+        </a:spcBef>
+        <a:spcAft>
+          <a:spcPts val="0"/>
+        </a:spcAft>
+        <a:buClr>
+          <a:srgbClr val="000000"/>
+        </a:buClr>
+        <a:buFont typeface="Arial"/>
+        <a:defRPr sz="1400" b="0" i="0" u="none" strike="noStrike" cap="none">
+          <a:solidFill>
+            <a:srgbClr val="000000"/>
+          </a:solidFill>
+          <a:latin typeface="Arial"/>
+          <a:ea typeface="Arial"/>
+          <a:cs typeface="Arial"/>
+          <a:sym typeface="Arial"/>
+        </a:defRPr>
+      </a:lvl3pPr>
+      <a:lvl4pPr marR="0" lvl="3" algn="l" rtl="0">
+        <a:lnSpc>
+          <a:spcPct val="100000"/>
+        </a:lnSpc>
+        <a:spcBef>
+          <a:spcPts val="0"/>
+        </a:spcBef>
+        <a:spcAft>
+          <a:spcPts val="0"/>
+        </a:spcAft>
+        <a:buClr>
+          <a:srgbClr val="000000"/>
+        </a:buClr>
+        <a:buFont typeface="Arial"/>
+        <a:defRPr sz="1400" b="0" i="0" u="none" strike="noStrike" cap="none">
+          <a:solidFill>
+            <a:srgbClr val="000000"/>
+          </a:solidFill>
+          <a:latin typeface="Arial"/>
+          <a:ea typeface="Arial"/>
+          <a:cs typeface="Arial"/>
+          <a:sym typeface="Arial"/>
+        </a:defRPr>
+      </a:lvl4pPr>
+      <a:lvl5pPr marR="0" lvl="4" algn="l" rtl="0">
+        <a:lnSpc>
+          <a:spcPct val="100000"/>
+        </a:lnSpc>
+        <a:spcBef>
+          <a:spcPts val="0"/>
+        </a:spcBef>
+        <a:spcAft>
+          <a:spcPts val="0"/>
+        </a:spcAft>
+        <a:buClr>
+          <a:srgbClr val="000000"/>
+        </a:buClr>
+        <a:buFont typeface="Arial"/>
+        <a:defRPr sz="1400" b="0" i="0" u="none" strike="noStrike" cap="none">
+          <a:solidFill>
+            <a:srgbClr val="000000"/>
+          </a:solidFill>
+          <a:latin typeface="Arial"/>
+          <a:ea typeface="Arial"/>
+          <a:cs typeface="Arial"/>
+          <a:sym typeface="Arial"/>
+        </a:defRPr>
+      </a:lvl5pPr>
+      <a:lvl6pPr marR="0" lvl="5" algn="l" rtl="0">
+        <a:lnSpc>
+          <a:spcPct val="100000"/>
+        </a:lnSpc>
+        <a:spcBef>
+          <a:spcPts val="0"/>
+        </a:spcBef>
+        <a:spcAft>
+          <a:spcPts val="0"/>
+        </a:spcAft>
+        <a:buClr>
+          <a:srgbClr val="000000"/>
+        </a:buClr>
+        <a:buFont typeface="Arial"/>
+        <a:defRPr sz="1400" b="0" i="0" u="none" strike="noStrike" cap="none">
+          <a:solidFill>
+            <a:srgbClr val="000000"/>
+          </a:solidFill>
+          <a:latin typeface="Arial"/>
+          <a:ea typeface="Arial"/>
+          <a:cs typeface="Arial"/>
+          <a:sym typeface="Arial"/>
+        </a:defRPr>
+      </a:lvl6pPr>
+      <a:lvl7pPr marR="0" lvl="6" algn="l" rtl="0">
+        <a:lnSpc>
+          <a:spcPct val="100000"/>
+        </a:lnSpc>
+        <a:spcBef>
+          <a:spcPts val="0"/>
+        </a:spcBef>
+        <a:spcAft>
+          <a:spcPts val="0"/>
+        </a:spcAft>
+        <a:buClr>
+          <a:srgbClr val="000000"/>
+        </a:buClr>
+        <a:buFont typeface="Arial"/>
+        <a:defRPr sz="1400" b="0" i="0" u="none" strike="noStrike" cap="none">
+          <a:solidFill>
+            <a:srgbClr val="000000"/>
+          </a:solidFill>
+          <a:latin typeface="Arial"/>
+          <a:ea typeface="Arial"/>
+          <a:cs typeface="Arial"/>
+          <a:sym typeface="Arial"/>
+        </a:defRPr>
+      </a:lvl7pPr>
+      <a:lvl8pPr marR="0" lvl="7" algn="l" rtl="0">
+        <a:lnSpc>
+          <a:spcPct val="100000"/>
+        </a:lnSpc>
+        <a:spcBef>
+          <a:spcPts val="0"/>
+        </a:spcBef>
+        <a:spcAft>
+          <a:spcPts val="0"/>
+        </a:spcAft>
+        <a:buClr>
+          <a:srgbClr val="000000"/>
+        </a:buClr>
+        <a:buFont typeface="Arial"/>
+        <a:defRPr sz="1400" b="0" i="0" u="none" strike="noStrike" cap="none">
+          <a:solidFill>
+            <a:srgbClr val="000000"/>
+          </a:solidFill>
+          <a:latin typeface="Arial"/>
+          <a:ea typeface="Arial"/>
+          <a:cs typeface="Arial"/>
+          <a:sym typeface="Arial"/>
+        </a:defRPr>
+      </a:lvl8pPr>
+      <a:lvl9pPr marR="0" lvl="8" algn="l" rtl="0">
+        <a:lnSpc>
+          <a:spcPct val="100000"/>
+        </a:lnSpc>
+        <a:spcBef>
+          <a:spcPts val="0"/>
+        </a:spcBef>
+        <a:spcAft>
+          <a:spcPts val="0"/>
+        </a:spcAft>
+        <a:buClr>
+          <a:srgbClr val="000000"/>
+        </a:buClr>
+        <a:buFont typeface="Arial"/>
+        <a:defRPr sz="1400" b="0" i="0" u="none" strike="noStrike" cap="none">
+          <a:solidFill>
+            <a:srgbClr val="000000"/>
+          </a:solidFill>
+          <a:latin typeface="Arial"/>
+          <a:ea typeface="Arial"/>
+          <a:cs typeface="Arial"/>
+          <a:sym typeface="Arial"/>
+        </a:defRPr>
+      </a:lvl9pPr>
+    </p:bodyStyle>
+    <p:otherStyle>
+      <a:defPPr marR="0" lvl="0" algn="l" rtl="0">
+        <a:lnSpc>
+          <a:spcPct val="100000"/>
+        </a:lnSpc>
+        <a:spcBef>
+          <a:spcPts val="0"/>
+        </a:spcBef>
+        <a:spcAft>
+          <a:spcPts val="0"/>
+        </a:spcAft>
+      </a:defPPr>
+      <a:lvl1pPr marR="0" lvl="0" algn="l" rtl="0">
+        <a:lnSpc>
+          <a:spcPct val="100000"/>
+        </a:lnSpc>
+        <a:spcBef>
+          <a:spcPts val="0"/>
+        </a:spcBef>
+        <a:spcAft>
+          <a:spcPts val="0"/>
+        </a:spcAft>
+        <a:buClr>
+          <a:srgbClr val="000000"/>
+        </a:buClr>
+        <a:buFont typeface="Arial"/>
+        <a:defRPr sz="1400" b="0" i="0" u="none" strike="noStrike" cap="none">
+          <a:solidFill>
+            <a:srgbClr val="000000"/>
+          </a:solidFill>
+          <a:latin typeface="Arial"/>
+          <a:ea typeface="Arial"/>
+          <a:cs typeface="Arial"/>
+          <a:sym typeface="Arial"/>
+        </a:defRPr>
+      </a:lvl1pPr>
+      <a:lvl2pPr marR="0" lvl="1" algn="l" rtl="0">
+        <a:lnSpc>
+          <a:spcPct val="100000"/>
+        </a:lnSpc>
+        <a:spcBef>
+          <a:spcPts val="0"/>
+        </a:spcBef>
+        <a:spcAft>
+          <a:spcPts val="0"/>
+        </a:spcAft>
+        <a:buClr>
+          <a:srgbClr val="000000"/>
+        </a:buClr>
+        <a:buFont typeface="Arial"/>
+        <a:defRPr sz="1400" b="0" i="0" u="none" strike="noStrike" cap="none">
+          <a:solidFill>
+            <a:srgbClr val="000000"/>
+          </a:solidFill>
+          <a:latin typeface="Arial"/>
+          <a:ea typeface="Arial"/>
+          <a:cs typeface="Arial"/>
+          <a:sym typeface="Arial"/>
+        </a:defRPr>
+      </a:lvl2pPr>
+      <a:lvl3pPr marR="0" lvl="2" algn="l" rtl="0">
+        <a:lnSpc>
+          <a:spcPct val="100000"/>
+        </a:lnSpc>
+        <a:spcBef>
+          <a:spcPts val="0"/>
+        </a:spcBef>
+        <a:spcAft>
+          <a:spcPts val="0"/>
+        </a:spcAft>
+        <a:buClr>
+          <a:srgbClr val="000000"/>
+        </a:buClr>
+        <a:buFont typeface="Arial"/>
+        <a:defRPr sz="1400" b="0" i="0" u="none" strike="noStrike" cap="none">
+          <a:solidFill>
+            <a:srgbClr val="000000"/>
+          </a:solidFill>
+          <a:latin typeface="Arial"/>
+          <a:ea typeface="Arial"/>
+          <a:cs typeface="Arial"/>
+          <a:sym typeface="Arial"/>
+        </a:defRPr>
+      </a:lvl3pPr>
+      <a:lvl4pPr marR="0" lvl="3" algn="l" rtl="0">
+        <a:lnSpc>
+          <a:spcPct val="100000"/>
+        </a:lnSpc>
+        <a:spcBef>
+          <a:spcPts val="0"/>
+        </a:spcBef>
+        <a:spcAft>
+          <a:spcPts val="0"/>
+        </a:spcAft>
+        <a:buClr>
+          <a:srgbClr val="000000"/>
+        </a:buClr>
+        <a:buFont typeface="Arial"/>
+        <a:defRPr sz="1400" b="0" i="0" u="none" strike="noStrike" cap="none">
+          <a:solidFill>
+            <a:srgbClr val="000000"/>
+          </a:solidFill>
+          <a:latin typeface="Arial"/>
+          <a:ea typeface="Arial"/>
+          <a:cs typeface="Arial"/>
+          <a:sym typeface="Arial"/>
+        </a:defRPr>
+      </a:lvl4pPr>
+      <a:lvl5pPr marR="0" lvl="4" algn="l" rtl="0">
+        <a:lnSpc>
+          <a:spcPct val="100000"/>
+        </a:lnSpc>
+        <a:spcBef>
+          <a:spcPts val="0"/>
+        </a:spcBef>
+        <a:spcAft>
+          <a:spcPts val="0"/>
+        </a:spcAft>
+        <a:buClr>
+          <a:srgbClr val="000000"/>
+        </a:buClr>
+        <a:buFont typeface="Arial"/>
+        <a:defRPr sz="1400" b="0" i="0" u="none" strike="noStrike" cap="none">
+          <a:solidFill>
+            <a:srgbClr val="000000"/>
+          </a:solidFill>
+          <a:latin typeface="Arial"/>
+          <a:ea typeface="Arial"/>
+          <a:cs typeface="Arial"/>
+          <a:sym typeface="Arial"/>
+        </a:defRPr>
+      </a:lvl5pPr>
+      <a:lvl6pPr marR="0" lvl="5" algn="l" rtl="0">
+        <a:lnSpc>
+          <a:spcPct val="100000"/>
+        </a:lnSpc>
+        <a:spcBef>
+          <a:spcPts val="0"/>
+        </a:spcBef>
+        <a:spcAft>
+          <a:spcPts val="0"/>
+        </a:spcAft>
+        <a:buClr>
+          <a:srgbClr val="000000"/>
+        </a:buClr>
+        <a:buFont typeface="Arial"/>
+        <a:defRPr sz="1400" b="0" i="0" u="none" strike="noStrike" cap="none">
+          <a:solidFill>
+            <a:srgbClr val="000000"/>
+          </a:solidFill>
+          <a:latin typeface="Arial"/>
+          <a:ea typeface="Arial"/>
+          <a:cs typeface="Arial"/>
+          <a:sym typeface="Arial"/>
+        </a:defRPr>
+      </a:lvl6pPr>
+      <a:lvl7pPr marR="0" lvl="6" algn="l" rtl="0">
+        <a:lnSpc>
+          <a:spcPct val="100000"/>
+        </a:lnSpc>
+        <a:spcBef>
+          <a:spcPts val="0"/>
+        </a:spcBef>
+        <a:spcAft>
+          <a:spcPts val="0"/>
+        </a:spcAft>
+        <a:buClr>
+          <a:srgbClr val="000000"/>
+        </a:buClr>
+        <a:buFont typeface="Arial"/>
+        <a:defRPr sz="1400" b="0" i="0" u="none" strike="noStrike" cap="none">
+          <a:solidFill>
+            <a:srgbClr val="000000"/>
+          </a:solidFill>
+          <a:latin typeface="Arial"/>
+          <a:ea typeface="Arial"/>
+          <a:cs typeface="Arial"/>
+          <a:sym typeface="Arial"/>
+        </a:defRPr>
+      </a:lvl7pPr>
+      <a:lvl8pPr marR="0" lvl="7" algn="l" rtl="0">
+        <a:lnSpc>
+          <a:spcPct val="100000"/>
+        </a:lnSpc>
+        <a:spcBef>
+          <a:spcPts val="0"/>
+        </a:spcBef>
+        <a:spcAft>
+          <a:spcPts val="0"/>
+        </a:spcAft>
+        <a:buClr>
+          <a:srgbClr val="000000"/>
+        </a:buClr>
+        <a:buFont typeface="Arial"/>
+        <a:defRPr sz="1400" b="0" i="0" u="none" strike="noStrike" cap="none">
+          <a:solidFill>
+            <a:srgbClr val="000000"/>
+          </a:solidFill>
+          <a:latin typeface="Arial"/>
+          <a:ea typeface="Arial"/>
+          <a:cs typeface="Arial"/>
+          <a:sym typeface="Arial"/>
+        </a:defRPr>
+      </a:lvl8pPr>
+      <a:lvl9pPr marR="0" lvl="8" algn="l" rtl="0">
+        <a:lnSpc>
+          <a:spcPct val="100000"/>
+        </a:lnSpc>
+        <a:spcBef>
+          <a:spcPts val="0"/>
+        </a:spcBef>
+        <a:spcAft>
+          <a:spcPts val="0"/>
+        </a:spcAft>
+        <a:buClr>
+          <a:srgbClr val="000000"/>
+        </a:buClr>
+        <a:buFont typeface="Arial"/>
+        <a:defRPr sz="1400" b="0" i="0" u="none" strike="noStrike" cap="none">
+          <a:solidFill>
+            <a:srgbClr val="000000"/>
+          </a:solidFill>
+          <a:latin typeface="Arial"/>
+          <a:ea typeface="Arial"/>
+          <a:cs typeface="Arial"/>
+          <a:sym typeface="Arial"/>
+        </a:defRPr>
+      </a:lvl9pPr>
+    </p:otherStyle>
+  </p:txStyles>
+</p:sldMaster>
+</file>
+
 <file path=ppt/slides/slide1.xml><?xml version="1.0" encoding="utf-8"?>
+<p:sld xmlns:a="http://schemas.openxmlformats.org/drawingml/2006/main" xmlns:r="http://schemas.openxmlformats.org/officeDocument/2006/relationships" xmlns:p="http://schemas.openxmlformats.org/presentationml/2006/main">
+  <p:cSld>
+    <p:spTree>
+      <p:nvGrpSpPr>
+        <p:cNvPr id="1" name="Shape 84"/>
+        <p:cNvGrpSpPr/>
+        <p:nvPr/>
+      </p:nvGrpSpPr>
+      <p:grpSpPr>
+        <a:xfrm>
+          <a:off x="0" y="0"/>
+          <a:ext cx="0" cy="0"/>
+          <a:chOff x="0" y="0"/>
+          <a:chExt cx="0" cy="0"/>
+        </a:xfrm>
+      </p:grpSpPr>
+      <p:sp>
+        <p:nvSpPr>
+          <p:cNvPr id="85" name="Google Shape;85;p13"/>
+          <p:cNvSpPr txBox="1">
+            <a:spLocks noGrp="1"/>
+          </p:cNvSpPr>
+          <p:nvPr>
+            <p:ph type="ctrTitle"/>
+          </p:nvPr>
+        </p:nvSpPr>
+        <p:spPr>
+          <a:xfrm>
+            <a:off x="598100" y="1775222"/>
+            <a:ext cx="8222100" cy="838800"/>
+          </a:xfrm>
+          <a:prstGeom prst="rect">
+            <a:avLst/>
+          </a:prstGeom>
+        </p:spPr>
+        <p:txBody>
+          <a:bodyPr spcFirstLastPara="1" wrap="square" lIns="91425" tIns="91425" rIns="91425" bIns="91425" anchor="b" anchorCtr="0">
+            <a:noAutofit/>
+          </a:bodyPr>
+          <a:lstStyle/>
+          <a:p>
+            <a:pPr marL="0" lvl="0" indent="0" algn="l" rtl="0">
+              <a:spcBef>
+                <a:spcPts val="0"/>
+              </a:spcBef>
+              <a:spcAft>
+                <a:spcPts val="0"/>
+              </a:spcAft>
+              <a:buNone/>
+            </a:pPr>
+            <a:r>
+              <a:rPr lang="fr"/>
+              <a:t>PROJET 5            ORINOCO</a:t>
+            </a:r>
+            <a:endParaRPr/>
+          </a:p>
+        </p:txBody>
+      </p:sp>
+      <p:sp>
+        <p:nvSpPr>
+          <p:cNvPr id="86" name="Google Shape;86;p13"/>
+          <p:cNvSpPr txBox="1">
+            <a:spLocks noGrp="1"/>
+          </p:cNvSpPr>
+          <p:nvPr>
+            <p:ph type="subTitle" idx="1"/>
+          </p:nvPr>
+        </p:nvSpPr>
+        <p:spPr>
+          <a:xfrm>
+            <a:off x="598100" y="2715976"/>
+            <a:ext cx="8222100" cy="2100000"/>
+          </a:xfrm>
+          <a:prstGeom prst="rect">
+            <a:avLst/>
+          </a:prstGeom>
+        </p:spPr>
+        <p:txBody>
+          <a:bodyPr spcFirstLastPara="1" wrap="square" lIns="91425" tIns="91425" rIns="91425" bIns="91425" anchor="t" anchorCtr="0">
+            <a:noAutofit/>
+          </a:bodyPr>
+          <a:lstStyle/>
+          <a:p>
+            <a:pPr marL="0" lvl="0" indent="0" algn="l" rtl="0">
+              <a:spcBef>
+                <a:spcPts val="0"/>
+              </a:spcBef>
+              <a:spcAft>
+                <a:spcPts val="0"/>
+              </a:spcAft>
+              <a:buNone/>
+            </a:pPr>
+            <a:r>
+              <a:rPr lang="fr" sz="2400"/>
+              <a:t>Présentation de la soutenance</a:t>
+            </a:r>
+            <a:endParaRPr sz="2400"/>
+          </a:p>
+        </p:txBody>
+      </p:sp>
+    </p:spTree>
+  </p:cSld>
+  <p:clrMapOvr>
+    <a:masterClrMapping/>
+  </p:clrMapOvr>
+</p:sld>
+</file>
+
+<file path=ppt/slides/slide2.xml><?xml version="1.0" encoding="utf-8"?>
 <p:sld xmlns:a="http://schemas.openxmlformats.org/drawingml/2006/main" xmlns:r="http://schemas.openxmlformats.org/officeDocument/2006/relationships" xmlns:p="http://schemas.openxmlformats.org/presentationml/2006/main">
   <p:cSld>
     <p:spTree>
@@ -15247,7 +22151,7 @@
 </p:sld>
 </file>
 
-<file path=ppt/slides/slide2.xml><?xml version="1.0" encoding="utf-8"?>
+<file path=ppt/slides/slide3.xml><?xml version="1.0" encoding="utf-8"?>
 <p:sld xmlns:a="http://schemas.openxmlformats.org/drawingml/2006/main" xmlns:r="http://schemas.openxmlformats.org/officeDocument/2006/relationships" xmlns:p="http://schemas.openxmlformats.org/presentationml/2006/main">
   <p:cSld>
     <p:spTree>
@@ -15556,7 +22460,7 @@
 </p:sld>
 </file>
 
-<file path=ppt/slides/slide3.xml><?xml version="1.0" encoding="utf-8"?>
+<file path=ppt/slides/slide4.xml><?xml version="1.0" encoding="utf-8"?>
 <p:sld xmlns:a="http://schemas.openxmlformats.org/drawingml/2006/main" xmlns:r="http://schemas.openxmlformats.org/officeDocument/2006/relationships" xmlns:p="http://schemas.openxmlformats.org/presentationml/2006/main">
   <p:cSld>
     <p:spTree>
@@ -15741,7 +22645,7 @@
 </p:sld>
 </file>
 
-<file path=ppt/slides/slide4.xml><?xml version="1.0" encoding="utf-8"?>
+<file path=ppt/slides/slide5.xml><?xml version="1.0" encoding="utf-8"?>
 <p:sld xmlns:a="http://schemas.openxmlformats.org/drawingml/2006/main" xmlns:r="http://schemas.openxmlformats.org/officeDocument/2006/relationships" xmlns:p="http://schemas.openxmlformats.org/presentationml/2006/main">
   <p:cSld>
     <p:spTree>
@@ -15885,11 +22789,23 @@
             </a:pPr>
             <a:r>
               <a:rPr lang="fr" sz="2400" dirty="0"/>
-              <a:t>	* </a:t>
+              <a:t>	</a:t>
             </a:r>
             <a:r>
               <a:rPr lang="fr" sz="1200" dirty="0"/>
-              <a:t>Formulaire : proposition d’envois de courriers informatifs ( promotions et offres)</a:t>
+              <a:t>*</a:t>
+            </a:r>
+            <a:r>
+              <a:rPr lang="fr" sz="2400" dirty="0"/>
+              <a:t> </a:t>
+            </a:r>
+            <a:r>
+              <a:rPr lang="fr" sz="1200" dirty="0"/>
+              <a:t>Formulaire : proposition d’envois de courriers informatifs ( promotions et </a:t>
+            </a:r>
+            <a:r>
+              <a:rPr lang="fr" sz="1200"/>
+              <a:t>offres).</a:t>
             </a:r>
           </a:p>
           <a:p>
@@ -15902,6 +22818,22 @@
               </a:spcAft>
               <a:buNone/>
             </a:pPr>
+            <a:endParaRPr lang="fr" sz="1200" dirty="0"/>
+          </a:p>
+          <a:p>
+            <a:pPr marL="0" lvl="0" indent="0" algn="l" rtl="0">
+              <a:spcBef>
+                <a:spcPts val="0"/>
+              </a:spcBef>
+              <a:spcAft>
+                <a:spcPts val="0"/>
+              </a:spcAft>
+              <a:buNone/>
+            </a:pPr>
+            <a:r>
+              <a:rPr lang="fr" sz="1200" dirty="0"/>
+              <a:t>	* Offrir la possibilité de donner un avis sur le site</a:t>
+            </a:r>
             <a:endParaRPr sz="2400" dirty="0"/>
           </a:p>
           <a:p>
@@ -16256,6 +23188,287 @@
 </file>
 
 <file path=ppt/theme/theme2.xml><?xml version="1.0" encoding="utf-8"?>
+<a:theme xmlns:a="http://schemas.openxmlformats.org/drawingml/2006/main" name="Geometric">
+  <a:themeElements>
+    <a:clrScheme name="Geometric">
+      <a:dk1>
+        <a:srgbClr val="2A3990"/>
+      </a:dk1>
+      <a:lt1>
+        <a:srgbClr val="FFFFFF"/>
+      </a:lt1>
+      <a:dk2>
+        <a:srgbClr val="434343"/>
+      </a:dk2>
+      <a:lt2>
+        <a:srgbClr val="999999"/>
+      </a:lt2>
+      <a:accent1>
+        <a:srgbClr val="212D74"/>
+      </a:accent1>
+      <a:accent2>
+        <a:srgbClr val="3949AB"/>
+      </a:accent2>
+      <a:accent3>
+        <a:srgbClr val="9C254D"/>
+      </a:accent3>
+      <a:accent4>
+        <a:srgbClr val="D23369"/>
+      </a:accent4>
+      <a:accent5>
+        <a:srgbClr val="F06292"/>
+      </a:accent5>
+      <a:accent6>
+        <a:srgbClr val="7890CD"/>
+      </a:accent6>
+      <a:hlink>
+        <a:srgbClr val="F06292"/>
+      </a:hlink>
+      <a:folHlink>
+        <a:srgbClr val="F06292"/>
+      </a:folHlink>
+    </a:clrScheme>
+    <a:fontScheme name="Office">
+      <a:majorFont>
+        <a:latin typeface="Arial"/>
+        <a:ea typeface=""/>
+        <a:cs typeface=""/>
+        <a:font script="Jpan" typeface="ＭＳ Ｐゴシック"/>
+        <a:font script="Hang" typeface="맑은 고딕"/>
+        <a:font script="Hans" typeface="宋体"/>
+        <a:font script="Hant" typeface="新細明體"/>
+        <a:font script="Arab" typeface="Times New Roman"/>
+        <a:font script="Hebr" typeface="Times New Roman"/>
+        <a:font script="Thai" typeface="Angsana New"/>
+        <a:font script="Ethi" typeface="Nyala"/>
+        <a:font script="Beng" typeface="Vrinda"/>
+        <a:font script="Gujr" typeface="Shruti"/>
+        <a:font script="Khmr" typeface="MoolBoran"/>
+        <a:font script="Knda" typeface="Tunga"/>
+        <a:font script="Guru" typeface="Raavi"/>
+        <a:font script="Cans" typeface="Euphemia"/>
+        <a:font script="Cher" typeface="Plantagenet Cherokee"/>
+        <a:font script="Yiii" typeface="Microsoft Yi Baiti"/>
+        <a:font script="Tibt" typeface="Microsoft Himalaya"/>
+        <a:font script="Thaa" typeface="MV Boli"/>
+        <a:font script="Deva" typeface="Mangal"/>
+        <a:font script="Telu" typeface="Gautami"/>
+        <a:font script="Taml" typeface="Latha"/>
+        <a:font script="Syrc" typeface="Estrangelo Edessa"/>
+        <a:font script="Orya" typeface="Kalinga"/>
+        <a:font script="Mlym" typeface="Kartika"/>
+        <a:font script="Laoo" typeface="DokChampa"/>
+        <a:font script="Sinh" typeface="Iskoola Pota"/>
+        <a:font script="Mong" typeface="Mongolian Baiti"/>
+        <a:font script="Viet" typeface="Times New Roman"/>
+        <a:font script="Uigh" typeface="Microsoft Uighur"/>
+        <a:font script="Geor" typeface="Sylfaen"/>
+      </a:majorFont>
+      <a:minorFont>
+        <a:latin typeface="Arial"/>
+        <a:ea typeface=""/>
+        <a:cs typeface=""/>
+        <a:font script="Jpan" typeface="ＭＳ Ｐゴシック"/>
+        <a:font script="Hang" typeface="맑은 고딕"/>
+        <a:font script="Hans" typeface="宋体"/>
+        <a:font script="Hant" typeface="新細明體"/>
+        <a:font script="Arab" typeface="Arial"/>
+        <a:font script="Hebr" typeface="Arial"/>
+        <a:font script="Thai" typeface="Cordia New"/>
+        <a:font script="Ethi" typeface="Nyala"/>
+        <a:font script="Beng" typeface="Vrinda"/>
+        <a:font script="Gujr" typeface="Shruti"/>
+        <a:font script="Khmr" typeface="DaunPenh"/>
+        <a:font script="Knda" typeface="Tunga"/>
+        <a:font script="Guru" typeface="Raavi"/>
+        <a:font script="Cans" typeface="Euphemia"/>
+        <a:font script="Cher" typeface="Plantagenet Cherokee"/>
+        <a:font script="Yiii" typeface="Microsoft Yi Baiti"/>
+        <a:font script="Tibt" typeface="Microsoft Himalaya"/>
+        <a:font script="Thaa" typeface="MV Boli"/>
+        <a:font script="Deva" typeface="Mangal"/>
+        <a:font script="Telu" typeface="Gautami"/>
+        <a:font script="Taml" typeface="Latha"/>
+        <a:font script="Syrc" typeface="Estrangelo Edessa"/>
+        <a:font script="Orya" typeface="Kalinga"/>
+        <a:font script="Mlym" typeface="Kartika"/>
+        <a:font script="Laoo" typeface="DokChampa"/>
+        <a:font script="Sinh" typeface="Iskoola Pota"/>
+        <a:font script="Mong" typeface="Mongolian Baiti"/>
+        <a:font script="Viet" typeface="Arial"/>
+        <a:font script="Uigh" typeface="Microsoft Uighur"/>
+        <a:font script="Geor" typeface="Sylfaen"/>
+      </a:minorFont>
+    </a:fontScheme>
+    <a:fmtScheme name="Office">
+      <a:fillStyleLst>
+        <a:solidFill>
+          <a:schemeClr val="phClr"/>
+        </a:solidFill>
+        <a:gradFill rotWithShape="1">
+          <a:gsLst>
+            <a:gs pos="0">
+              <a:schemeClr val="phClr">
+                <a:tint val="50000"/>
+                <a:satMod val="300000"/>
+              </a:schemeClr>
+            </a:gs>
+            <a:gs pos="35000">
+              <a:schemeClr val="phClr">
+                <a:tint val="37000"/>
+                <a:satMod val="300000"/>
+              </a:schemeClr>
+            </a:gs>
+            <a:gs pos="100000">
+              <a:schemeClr val="phClr">
+                <a:tint val="15000"/>
+                <a:satMod val="350000"/>
+              </a:schemeClr>
+            </a:gs>
+          </a:gsLst>
+          <a:lin ang="16200000" scaled="1"/>
+        </a:gradFill>
+        <a:gradFill rotWithShape="1">
+          <a:gsLst>
+            <a:gs pos="0">
+              <a:schemeClr val="phClr">
+                <a:tint val="100000"/>
+                <a:shade val="100000"/>
+                <a:satMod val="130000"/>
+              </a:schemeClr>
+            </a:gs>
+            <a:gs pos="100000">
+              <a:schemeClr val="phClr">
+                <a:tint val="50000"/>
+                <a:shade val="100000"/>
+                <a:satMod val="350000"/>
+              </a:schemeClr>
+            </a:gs>
+          </a:gsLst>
+          <a:lin ang="16200000" scaled="0"/>
+        </a:gradFill>
+      </a:fillStyleLst>
+      <a:lnStyleLst>
+        <a:ln w="9525" cap="flat" cmpd="sng" algn="ctr">
+          <a:solidFill>
+            <a:schemeClr val="phClr">
+              <a:shade val="95000"/>
+              <a:satMod val="105000"/>
+            </a:schemeClr>
+          </a:solidFill>
+          <a:prstDash val="solid"/>
+        </a:ln>
+        <a:ln w="25400" cap="flat" cmpd="sng" algn="ctr">
+          <a:solidFill>
+            <a:schemeClr val="phClr"/>
+          </a:solidFill>
+          <a:prstDash val="solid"/>
+        </a:ln>
+        <a:ln w="38100" cap="flat" cmpd="sng" algn="ctr">
+          <a:solidFill>
+            <a:schemeClr val="phClr"/>
+          </a:solidFill>
+          <a:prstDash val="solid"/>
+        </a:ln>
+      </a:lnStyleLst>
+      <a:effectStyleLst>
+        <a:effectStyle>
+          <a:effectLst>
+            <a:outerShdw blurRad="40000" dist="20000" dir="5400000" rotWithShape="0">
+              <a:srgbClr val="000000">
+                <a:alpha val="38000"/>
+              </a:srgbClr>
+            </a:outerShdw>
+          </a:effectLst>
+        </a:effectStyle>
+        <a:effectStyle>
+          <a:effectLst>
+            <a:outerShdw blurRad="40000" dist="23000" dir="5400000" rotWithShape="0">
+              <a:srgbClr val="000000">
+                <a:alpha val="35000"/>
+              </a:srgbClr>
+            </a:outerShdw>
+          </a:effectLst>
+        </a:effectStyle>
+        <a:effectStyle>
+          <a:effectLst>
+            <a:outerShdw blurRad="40000" dist="23000" dir="5400000" rotWithShape="0">
+              <a:srgbClr val="000000">
+                <a:alpha val="35000"/>
+              </a:srgbClr>
+            </a:outerShdw>
+          </a:effectLst>
+          <a:scene3d>
+            <a:camera prst="orthographicFront">
+              <a:rot lat="0" lon="0" rev="0"/>
+            </a:camera>
+            <a:lightRig rig="threePt" dir="t">
+              <a:rot lat="0" lon="0" rev="1200000"/>
+            </a:lightRig>
+          </a:scene3d>
+          <a:sp3d>
+            <a:bevelT w="63500" h="25400"/>
+          </a:sp3d>
+        </a:effectStyle>
+      </a:effectStyleLst>
+      <a:bgFillStyleLst>
+        <a:solidFill>
+          <a:schemeClr val="phClr"/>
+        </a:solidFill>
+        <a:gradFill rotWithShape="1">
+          <a:gsLst>
+            <a:gs pos="0">
+              <a:schemeClr val="phClr">
+                <a:tint val="40000"/>
+                <a:satMod val="350000"/>
+              </a:schemeClr>
+            </a:gs>
+            <a:gs pos="40000">
+              <a:schemeClr val="phClr">
+                <a:tint val="45000"/>
+                <a:shade val="99000"/>
+                <a:satMod val="350000"/>
+              </a:schemeClr>
+            </a:gs>
+            <a:gs pos="100000">
+              <a:schemeClr val="phClr">
+                <a:shade val="20000"/>
+                <a:satMod val="255000"/>
+              </a:schemeClr>
+            </a:gs>
+          </a:gsLst>
+          <a:path path="circle">
+            <a:fillToRect l="50000" t="-80000" r="50000" b="180000"/>
+          </a:path>
+        </a:gradFill>
+        <a:gradFill rotWithShape="1">
+          <a:gsLst>
+            <a:gs pos="0">
+              <a:schemeClr val="phClr">
+                <a:tint val="80000"/>
+                <a:satMod val="300000"/>
+              </a:schemeClr>
+            </a:gs>
+            <a:gs pos="100000">
+              <a:schemeClr val="phClr">
+                <a:shade val="30000"/>
+                <a:satMod val="200000"/>
+              </a:schemeClr>
+            </a:gs>
+          </a:gsLst>
+          <a:path path="circle">
+            <a:fillToRect l="50000" t="50000" r="50000" b="50000"/>
+          </a:path>
+        </a:gradFill>
+      </a:bgFillStyleLst>
+    </a:fmtScheme>
+  </a:themeElements>
+  <a:objectDefaults/>
+  <a:extraClrSchemeLst/>
+</a:theme>
+</file>
+
+<file path=ppt/theme/theme3.xml><?xml version="1.0" encoding="utf-8"?>
 <a:theme xmlns:a="http://schemas.openxmlformats.org/drawingml/2006/main">
   <a:themeElements>
     <a:clrScheme name="Default">
